--- a/swbproys/gestor-bsc/doc/weekly/04_20130701/Junta semanal interna.pptx
+++ b/swbproys/gestor-bsc/doc/weekly/04_20130701/Junta semanal interna.pptx
@@ -5,17 +5,17 @@
     <p:sldMasterId id="2147483648" r:id="rId1"/>
   </p:sldMasterIdLst>
   <p:notesMasterIdLst>
-    <p:notesMasterId r:id="rId37"/>
+    <p:notesMasterId r:id="rId38"/>
   </p:notesMasterIdLst>
   <p:sldIdLst>
     <p:sldId id="256" r:id="rId2"/>
     <p:sldId id="302" r:id="rId3"/>
-    <p:sldId id="350" r:id="rId4"/>
+    <p:sldId id="370" r:id="rId4"/>
     <p:sldId id="258" r:id="rId5"/>
     <p:sldId id="300" r:id="rId6"/>
-    <p:sldId id="351" r:id="rId7"/>
+    <p:sldId id="371" r:id="rId7"/>
     <p:sldId id="260" r:id="rId8"/>
-    <p:sldId id="352" r:id="rId9"/>
+    <p:sldId id="372" r:id="rId9"/>
     <p:sldId id="362" r:id="rId10"/>
     <p:sldId id="363" r:id="rId11"/>
     <p:sldId id="271" r:id="rId12"/>
@@ -23,11 +23,11 @@
     <p:sldId id="365" r:id="rId14"/>
     <p:sldId id="366" r:id="rId15"/>
     <p:sldId id="367" r:id="rId16"/>
-    <p:sldId id="353" r:id="rId17"/>
-    <p:sldId id="354" r:id="rId18"/>
-    <p:sldId id="355" r:id="rId19"/>
-    <p:sldId id="356" r:id="rId20"/>
-    <p:sldId id="361" r:id="rId21"/>
+    <p:sldId id="373" r:id="rId17"/>
+    <p:sldId id="374" r:id="rId18"/>
+    <p:sldId id="375" r:id="rId19"/>
+    <p:sldId id="376" r:id="rId20"/>
+    <p:sldId id="377" r:id="rId21"/>
     <p:sldId id="318" r:id="rId22"/>
     <p:sldId id="278" r:id="rId23"/>
     <p:sldId id="295" r:id="rId24"/>
@@ -40,9 +40,10 @@
     <p:sldId id="369" r:id="rId31"/>
     <p:sldId id="340" r:id="rId32"/>
     <p:sldId id="342" r:id="rId33"/>
-    <p:sldId id="357" r:id="rId34"/>
-    <p:sldId id="358" r:id="rId35"/>
-    <p:sldId id="359" r:id="rId36"/>
+    <p:sldId id="378" r:id="rId34"/>
+    <p:sldId id="379" r:id="rId35"/>
+    <p:sldId id="380" r:id="rId36"/>
+    <p:sldId id="381" r:id="rId37"/>
   </p:sldIdLst>
   <p:sldSz cx="9144000" cy="6858000" type="screen4x3"/>
   <p:notesSz cx="6858000" cy="9144000"/>
@@ -227,7 +228,7 @@
             <a:fld id="{380DB8E7-EF7C-4FF9-94A8-6647B2DEB0AF}" type="datetimeFigureOut">
               <a:rPr lang="es-MX" smtClean="0"/>
               <a:pPr/>
-              <a:t>30/06/2013</a:t>
+              <a:t>01/07/2013</a:t>
             </a:fld>
             <a:endParaRPr lang="es-MX"/>
           </a:p>
@@ -933,7 +934,7 @@
             <a:fld id="{CEC4F07B-4100-49BA-8137-A52A753C5BE9}" type="datetimeFigureOut">
               <a:rPr lang="es-MX" smtClean="0"/>
               <a:pPr/>
-              <a:t>30/06/2013</a:t>
+              <a:t>01/07/2013</a:t>
             </a:fld>
             <a:endParaRPr lang="es-MX"/>
           </a:p>
@@ -1100,7 +1101,7 @@
             <a:fld id="{CEC4F07B-4100-49BA-8137-A52A753C5BE9}" type="datetimeFigureOut">
               <a:rPr lang="es-MX" smtClean="0"/>
               <a:pPr/>
-              <a:t>30/06/2013</a:t>
+              <a:t>01/07/2013</a:t>
             </a:fld>
             <a:endParaRPr lang="es-MX"/>
           </a:p>
@@ -1277,7 +1278,7 @@
             <a:fld id="{CEC4F07B-4100-49BA-8137-A52A753C5BE9}" type="datetimeFigureOut">
               <a:rPr lang="es-MX" smtClean="0"/>
               <a:pPr/>
-              <a:t>30/06/2013</a:t>
+              <a:t>01/07/2013</a:t>
             </a:fld>
             <a:endParaRPr lang="es-MX"/>
           </a:p>
@@ -1444,7 +1445,7 @@
             <a:fld id="{CEC4F07B-4100-49BA-8137-A52A753C5BE9}" type="datetimeFigureOut">
               <a:rPr lang="es-MX" smtClean="0"/>
               <a:pPr/>
-              <a:t>30/06/2013</a:t>
+              <a:t>01/07/2013</a:t>
             </a:fld>
             <a:endParaRPr lang="es-MX"/>
           </a:p>
@@ -1687,7 +1688,7 @@
             <a:fld id="{CEC4F07B-4100-49BA-8137-A52A753C5BE9}" type="datetimeFigureOut">
               <a:rPr lang="es-MX" smtClean="0"/>
               <a:pPr/>
-              <a:t>30/06/2013</a:t>
+              <a:t>01/07/2013</a:t>
             </a:fld>
             <a:endParaRPr lang="es-MX"/>
           </a:p>
@@ -1972,7 +1973,7 @@
             <a:fld id="{CEC4F07B-4100-49BA-8137-A52A753C5BE9}" type="datetimeFigureOut">
               <a:rPr lang="es-MX" smtClean="0"/>
               <a:pPr/>
-              <a:t>30/06/2013</a:t>
+              <a:t>01/07/2013</a:t>
             </a:fld>
             <a:endParaRPr lang="es-MX"/>
           </a:p>
@@ -2391,7 +2392,7 @@
             <a:fld id="{CEC4F07B-4100-49BA-8137-A52A753C5BE9}" type="datetimeFigureOut">
               <a:rPr lang="es-MX" smtClean="0"/>
               <a:pPr/>
-              <a:t>30/06/2013</a:t>
+              <a:t>01/07/2013</a:t>
             </a:fld>
             <a:endParaRPr lang="es-MX"/>
           </a:p>
@@ -2506,7 +2507,7 @@
             <a:fld id="{CEC4F07B-4100-49BA-8137-A52A753C5BE9}" type="datetimeFigureOut">
               <a:rPr lang="es-MX" smtClean="0"/>
               <a:pPr/>
-              <a:t>30/06/2013</a:t>
+              <a:t>01/07/2013</a:t>
             </a:fld>
             <a:endParaRPr lang="es-MX"/>
           </a:p>
@@ -2598,7 +2599,7 @@
             <a:fld id="{CEC4F07B-4100-49BA-8137-A52A753C5BE9}" type="datetimeFigureOut">
               <a:rPr lang="es-MX" smtClean="0"/>
               <a:pPr/>
-              <a:t>30/06/2013</a:t>
+              <a:t>01/07/2013</a:t>
             </a:fld>
             <a:endParaRPr lang="es-MX"/>
           </a:p>
@@ -2872,7 +2873,7 @@
             <a:fld id="{CEC4F07B-4100-49BA-8137-A52A753C5BE9}" type="datetimeFigureOut">
               <a:rPr lang="es-MX" smtClean="0"/>
               <a:pPr/>
-              <a:t>30/06/2013</a:t>
+              <a:t>01/07/2013</a:t>
             </a:fld>
             <a:endParaRPr lang="es-MX"/>
           </a:p>
@@ -3122,7 +3123,7 @@
             <a:fld id="{CEC4F07B-4100-49BA-8137-A52A753C5BE9}" type="datetimeFigureOut">
               <a:rPr lang="es-MX" smtClean="0"/>
               <a:pPr/>
-              <a:t>30/06/2013</a:t>
+              <a:t>01/07/2013</a:t>
             </a:fld>
             <a:endParaRPr lang="es-MX"/>
           </a:p>
@@ -3332,7 +3333,7 @@
             <a:fld id="{CEC4F07B-4100-49BA-8137-A52A753C5BE9}" type="datetimeFigureOut">
               <a:rPr lang="es-MX" smtClean="0"/>
               <a:pPr/>
-              <a:t>30/06/2013</a:t>
+              <a:t>01/07/2013</a:t>
             </a:fld>
             <a:endParaRPr lang="es-MX"/>
           </a:p>
@@ -6781,7 +6782,7 @@
       </p:sp>
       <p:pic>
         <p:nvPicPr>
-          <p:cNvPr id="1026" name="Picture 2"/>
+          <p:cNvPr id="3" name="Picture 2"/>
           <p:cNvPicPr>
             <a:picLocks noChangeAspect="1" noChangeArrowheads="1"/>
           </p:cNvPicPr>
@@ -6802,8 +6803,8 @@
         </p:blipFill>
         <p:spPr bwMode="auto">
           <a:xfrm>
-            <a:off x="1157287" y="1268760"/>
-            <a:ext cx="6827837" cy="4829175"/>
+            <a:off x="1166813" y="1125656"/>
+            <a:ext cx="6645547" cy="4722693"/>
           </a:xfrm>
           <a:prstGeom prst="rect">
             <a:avLst/>
@@ -6846,7 +6847,7 @@
     </p:spTree>
     <p:extLst>
       <p:ext uri="{BB962C8B-B14F-4D97-AF65-F5344CB8AC3E}">
-        <p14:creationId xmlns:p14="http://schemas.microsoft.com/office/powerpoint/2010/main" val="335127026"/>
+        <p14:creationId xmlns:p14="http://schemas.microsoft.com/office/powerpoint/2010/main" val="3714962698"/>
       </p:ext>
     </p:extLst>
   </p:cSld>
@@ -6951,7 +6952,7 @@
           <p:nvPr>
             <p:extLst>
               <p:ext uri="{D42A27DB-BD31-4B8C-83A1-F6EECF244321}">
-                <p14:modId xmlns:p14="http://schemas.microsoft.com/office/powerpoint/2010/main" val="955532346"/>
+                <p14:modId xmlns:p14="http://schemas.microsoft.com/office/powerpoint/2010/main" val="2542670878"/>
               </p:ext>
             </p:extLst>
           </p:nvPr>
@@ -6993,7 +6994,7 @@
                       </a:r>
                       <a:r>
                         <a:rPr lang="es-MX" baseline="0" dirty="0" smtClean="0"/>
-                        <a:t> Actual (23/06/2013)</a:t>
+                        <a:t> Actual (30/06/2013)</a:t>
                       </a:r>
                       <a:endParaRPr lang="es-MX" dirty="0"/>
                     </a:p>
@@ -7073,7 +7074,7 @@
                     <a:p>
                       <a:r>
                         <a:rPr lang="es-MX" dirty="0" smtClean="0"/>
-                        <a:t>68.02%</a:t>
+                        <a:t>68.27%</a:t>
                       </a:r>
                       <a:endParaRPr lang="es-MX" dirty="0"/>
                     </a:p>
@@ -7115,7 +7116,7 @@
                     <a:p>
                       <a:r>
                         <a:rPr lang="es-MX" dirty="0" smtClean="0"/>
-                        <a:t>46.7%</a:t>
+                        <a:t>41.05%</a:t>
                       </a:r>
                       <a:endParaRPr lang="es-MX" dirty="0"/>
                     </a:p>
@@ -7149,7 +7150,7 @@
                       </a:r>
                       <a:r>
                         <a:rPr lang="es-MX" baseline="0" dirty="0" smtClean="0"/>
-                        <a:t> anterior (16/06/2013)</a:t>
+                        <a:t> anterior (23/06/2013)</a:t>
                       </a:r>
                       <a:endParaRPr lang="es-MX" dirty="0"/>
                     </a:p>
@@ -7229,7 +7230,7 @@
                     <a:p>
                       <a:r>
                         <a:rPr lang="es-MX" dirty="0" smtClean="0"/>
-                        <a:t>72.78%</a:t>
+                        <a:t>68.02%</a:t>
                       </a:r>
                       <a:endParaRPr lang="es-MX" dirty="0"/>
                     </a:p>
@@ -7271,7 +7272,7 @@
                     <a:p>
                       <a:r>
                         <a:rPr lang="es-MX" dirty="0" smtClean="0"/>
-                        <a:t>54.21%</a:t>
+                        <a:t>46.7%</a:t>
                       </a:r>
                       <a:endParaRPr lang="es-MX" dirty="0"/>
                     </a:p>
@@ -7305,7 +7306,7 @@
           <p:nvPr>
             <p:extLst>
               <p:ext uri="{D42A27DB-BD31-4B8C-83A1-F6EECF244321}">
-                <p14:modId xmlns:p14="http://schemas.microsoft.com/office/powerpoint/2010/main" val="2672621574"/>
+                <p14:modId xmlns:p14="http://schemas.microsoft.com/office/powerpoint/2010/main" val="2988821493"/>
               </p:ext>
             </p:extLst>
           </p:nvPr>
@@ -7403,7 +7404,7 @@
                       <a:pPr algn="ctr"/>
                       <a:r>
                         <a:rPr lang="es-MX" dirty="0" smtClean="0"/>
-                        <a:t>15/11/2013</a:t>
+                        <a:t>21/11/2013</a:t>
                       </a:r>
                       <a:endParaRPr lang="es-ES" dirty="0"/>
                     </a:p>
@@ -7418,7 +7419,7 @@
                       <a:pPr algn="ctr"/>
                       <a:r>
                         <a:rPr lang="es-MX" dirty="0" smtClean="0"/>
-                        <a:t>22/07/2014</a:t>
+                        <a:t>25/08/2014</a:t>
                       </a:r>
                       <a:endParaRPr lang="es-ES" dirty="0"/>
                     </a:p>
@@ -7432,20 +7433,20 @@
       </p:graphicFrame>
       <p:graphicFrame>
         <p:nvGraphicFramePr>
-          <p:cNvPr id="4" name="3 Tabla"/>
+          <p:cNvPr id="2" name="1 Tabla"/>
           <p:cNvGraphicFramePr>
             <a:graphicFrameLocks noGrp="1"/>
           </p:cNvGraphicFramePr>
           <p:nvPr>
             <p:extLst>
               <p:ext uri="{D42A27DB-BD31-4B8C-83A1-F6EECF244321}">
-                <p14:modId xmlns:p14="http://schemas.microsoft.com/office/powerpoint/2010/main" val="1026825202"/>
+                <p14:modId xmlns:p14="http://schemas.microsoft.com/office/powerpoint/2010/main" val="3371897460"/>
               </p:ext>
             </p:extLst>
           </p:nvPr>
         </p:nvGraphicFramePr>
         <p:xfrm>
-          <a:off x="395536" y="1052736"/>
+          <a:off x="467544" y="1052736"/>
           <a:ext cx="8229600" cy="2066544"/>
         </p:xfrm>
         <a:graphic>
@@ -7476,12 +7477,12 @@
                     <a:p>
                       <a:pPr algn="r" fontAlgn="ctr"/>
                       <a:r>
-                        <a:rPr lang="es-ES" sz="1100" u="none" strike="noStrike" dirty="0">
+                        <a:rPr lang="es-ES" sz="1100" u="none" strike="noStrike">
                           <a:effectLst/>
                         </a:rPr>
                         <a:t> </a:t>
                       </a:r>
-                      <a:endParaRPr lang="es-ES" sz="1100" b="0" i="0" u="none" strike="noStrike" dirty="0">
+                      <a:endParaRPr lang="es-ES" sz="1100" b="0" i="0" u="none" strike="noStrike">
                         <a:solidFill>
                           <a:srgbClr val="000000"/>
                         </a:solidFill>
@@ -7964,7 +7965,7 @@
                         <a:rPr lang="es-ES" sz="1100" u="none" strike="noStrike">
                           <a:effectLst/>
                         </a:rPr>
-                        <a:t>12:55</a:t>
+                        <a:t>14:28</a:t>
                       </a:r>
                       <a:endParaRPr lang="es-ES" sz="1100" b="0" i="0" u="none" strike="noStrike">
                         <a:solidFill>
@@ -7987,7 +7988,7 @@
                         <a:rPr lang="es-ES" sz="1100" u="none" strike="noStrike">
                           <a:effectLst/>
                         </a:rPr>
-                        <a:t>0.68</a:t>
+                        <a:t>0.76</a:t>
                       </a:r>
                       <a:endParaRPr lang="es-ES" sz="1100" b="0" i="0" u="none" strike="noStrike">
                         <a:solidFill>
@@ -8010,7 +8011,7 @@
                         <a:rPr lang="es-ES" sz="1100" u="none" strike="noStrike">
                           <a:effectLst/>
                         </a:rPr>
-                        <a:t>06:05</a:t>
+                        <a:t>04:32</a:t>
                       </a:r>
                       <a:endParaRPr lang="es-ES" sz="1100" b="0" i="0" u="none" strike="noStrike">
                         <a:solidFill>
@@ -8073,7 +8074,7 @@
                         <a:rPr lang="es-ES" sz="1100" u="none" strike="noStrike">
                           <a:effectLst/>
                         </a:rPr>
-                        <a:t>4.35%</a:t>
+                        <a:t>3.74%</a:t>
                       </a:r>
                       <a:endParaRPr lang="es-ES" sz="1100" b="0" i="0" u="none" strike="noStrike">
                         <a:solidFill>
@@ -8096,7 +8097,7 @@
                         <a:rPr lang="es-ES" sz="1100" u="none" strike="noStrike">
                           <a:effectLst/>
                         </a:rPr>
-                        <a:t>1.87%</a:t>
+                        <a:t>1.13%</a:t>
                       </a:r>
                       <a:endParaRPr lang="es-ES" sz="1100" b="0" i="0" u="none" strike="noStrike">
                         <a:solidFill>
@@ -8119,7 +8120,7 @@
                         <a:rPr lang="es-ES" sz="1100" u="none" strike="noStrike">
                           <a:effectLst/>
                         </a:rPr>
-                        <a:t>0.43</a:t>
+                        <a:t>0.3</a:t>
                       </a:r>
                       <a:endParaRPr lang="es-ES" sz="1100" b="0" i="0" u="none" strike="noStrike">
                         <a:solidFill>
@@ -8142,7 +8143,7 @@
                         <a:rPr lang="es-ES" sz="1100" u="none" strike="noStrike">
                           <a:effectLst/>
                         </a:rPr>
-                        <a:t>2.48%</a:t>
+                        <a:t>2.61%</a:t>
                       </a:r>
                       <a:endParaRPr lang="es-ES" sz="1100" b="0" i="0" u="none" strike="noStrike">
                         <a:solidFill>
@@ -8213,7 +8214,7 @@
                         <a:rPr lang="es-ES" sz="1100" u="none" strike="noStrike">
                           <a:effectLst/>
                         </a:rPr>
-                        <a:t>57:00:00</a:t>
+                        <a:t>76:00:00</a:t>
                       </a:r>
                       <a:endParaRPr lang="es-ES" sz="1100" b="0" i="0" u="none" strike="noStrike">
                         <a:solidFill>
@@ -8236,7 +8237,7 @@
                         <a:rPr lang="es-ES" sz="1100" u="none" strike="noStrike">
                           <a:effectLst/>
                         </a:rPr>
-                        <a:t>30:19:00</a:t>
+                        <a:t>44:47:00</a:t>
                       </a:r>
                       <a:endParaRPr lang="es-ES" sz="1100" b="0" i="0" u="none" strike="noStrike">
                         <a:solidFill>
@@ -8259,7 +8260,7 @@
                         <a:rPr lang="es-ES" sz="1100" u="none" strike="noStrike">
                           <a:effectLst/>
                         </a:rPr>
-                        <a:t>0.53</a:t>
+                        <a:t>0.59</a:t>
                       </a:r>
                       <a:endParaRPr lang="es-ES" sz="1100" b="0" i="0" u="none" strike="noStrike">
                         <a:solidFill>
@@ -8282,7 +8283,7 @@
                         <a:rPr lang="es-ES" sz="1100" u="none" strike="noStrike">
                           <a:effectLst/>
                         </a:rPr>
-                        <a:t>26:41:00</a:t>
+                        <a:t>31:13:00</a:t>
                       </a:r>
                       <a:endParaRPr lang="es-ES" sz="1100" b="0" i="0" u="none" strike="noStrike">
                         <a:solidFill>
@@ -8305,7 +8306,7 @@
                         <a:rPr lang="es-ES" sz="1100" u="none" strike="noStrike">
                           <a:effectLst/>
                         </a:rPr>
-                        <a:t>46.70%</a:t>
+                        <a:t>41.05%</a:t>
                       </a:r>
                       <a:endParaRPr lang="es-ES" sz="1100" b="0" i="0" u="none" strike="noStrike">
                         <a:solidFill>
@@ -8351,7 +8352,7 @@
                         <a:rPr lang="es-ES" sz="1100" u="none" strike="noStrike">
                           <a:effectLst/>
                         </a:rPr>
-                        <a:t>13.10%</a:t>
+                        <a:t>16.80%</a:t>
                       </a:r>
                       <a:endParaRPr lang="es-ES" sz="1100" b="0" i="0" u="none" strike="noStrike">
                         <a:solidFill>
@@ -8374,7 +8375,7 @@
                         <a:rPr lang="es-ES" sz="1100" u="none" strike="noStrike">
                           <a:effectLst/>
                         </a:rPr>
-                        <a:t>4.19%</a:t>
+                        <a:t>5.33%</a:t>
                       </a:r>
                       <a:endParaRPr lang="es-ES" sz="1100" b="0" i="0" u="none" strike="noStrike">
                         <a:solidFill>
@@ -8420,7 +8421,7 @@
                         <a:rPr lang="es-ES" sz="1100" u="none" strike="noStrike">
                           <a:effectLst/>
                         </a:rPr>
-                        <a:t>8.91%</a:t>
+                        <a:t>11.47%</a:t>
                       </a:r>
                       <a:endParaRPr lang="es-ES" sz="1100" b="0" i="0" u="none" strike="noStrike">
                         <a:solidFill>
@@ -8443,7 +8444,7 @@
                         <a:rPr lang="es-ES" sz="1100" u="none" strike="noStrike">
                           <a:effectLst/>
                         </a:rPr>
-                        <a:t>68.02%</a:t>
+                        <a:t>68.27%</a:t>
                       </a:r>
                       <a:endParaRPr lang="es-ES" sz="1100" b="0" i="0" u="none" strike="noStrike">
                         <a:solidFill>
@@ -8514,7 +8515,7 @@
                         <a:rPr lang="es-ES" sz="1100" u="none" strike="noStrike">
                           <a:effectLst/>
                         </a:rPr>
-                        <a:t>10:06</a:t>
+                        <a:t>11:12</a:t>
                       </a:r>
                       <a:endParaRPr lang="es-ES" sz="1100" b="0" i="0" u="none" strike="noStrike">
                         <a:solidFill>
@@ -8537,7 +8538,7 @@
                         <a:rPr lang="es-ES" sz="1100" u="none" strike="noStrike">
                           <a:effectLst/>
                         </a:rPr>
-                        <a:t>0.53</a:t>
+                        <a:t>0.59</a:t>
                       </a:r>
                       <a:endParaRPr lang="es-ES" sz="1100" b="0" i="0" u="none" strike="noStrike">
                         <a:solidFill>
@@ -8560,7 +8561,7 @@
                         <a:rPr lang="es-ES" sz="1100" u="none" strike="noStrike">
                           <a:effectLst/>
                         </a:rPr>
-                        <a:t>47</a:t>
+                        <a:t>07:48</a:t>
                       </a:r>
                       <a:endParaRPr lang="es-ES" sz="1100" b="0" i="0" u="none" strike="noStrike">
                         <a:solidFill>
@@ -8629,7 +8630,7 @@
                         <a:rPr lang="es-ES" sz="1100" u="none" strike="noStrike">
                           <a:effectLst/>
                         </a:rPr>
-                        <a:t>4.36%</a:t>
+                        <a:t>4.20%</a:t>
                       </a:r>
                       <a:endParaRPr lang="es-ES" sz="1100" b="0" i="0" u="none" strike="noStrike">
                         <a:solidFill>
@@ -8652,7 +8653,7 @@
                         <a:rPr lang="es-ES" sz="1100" u="none" strike="noStrike">
                           <a:effectLst/>
                         </a:rPr>
-                        <a:t>1.40%</a:t>
+                        <a:t>1.33%</a:t>
                       </a:r>
                       <a:endParaRPr lang="es-ES" sz="1100" b="0" i="0" u="none" strike="noStrike">
                         <a:solidFill>
@@ -8698,7 +8699,7 @@
                         <a:rPr lang="es-ES" sz="1100" u="none" strike="noStrike">
                           <a:effectLst/>
                         </a:rPr>
-                        <a:t>2.96%</a:t>
+                        <a:t>2.87%</a:t>
                       </a:r>
                       <a:endParaRPr lang="es-ES" sz="1100" b="0" i="0" u="none" strike="noStrike">
                         <a:solidFill>
@@ -8769,7 +8770,7 @@
                         <a:rPr lang="es-ES" sz="1100" u="none" strike="noStrike">
                           <a:effectLst/>
                         </a:rPr>
-                        <a:t>18:08</a:t>
+                        <a:t>23:02</a:t>
                       </a:r>
                       <a:endParaRPr lang="es-ES" sz="1100" b="0" i="0" u="none" strike="noStrike">
                         <a:solidFill>
@@ -8792,7 +8793,7 @@
                         <a:rPr lang="es-ES" sz="1100" u="none" strike="noStrike">
                           <a:effectLst/>
                         </a:rPr>
-                        <a:t>29:15:00</a:t>
+                        <a:t>43:25:00</a:t>
                       </a:r>
                       <a:endParaRPr lang="es-ES" sz="1100" b="0" i="0" u="none" strike="noStrike">
                         <a:solidFill>
@@ -8815,7 +8816,7 @@
                         <a:rPr lang="es-ES" sz="1100" u="none" strike="noStrike">
                           <a:effectLst/>
                         </a:rPr>
-                        <a:t>1.61</a:t>
+                        <a:t>1.88</a:t>
                       </a:r>
                       <a:endParaRPr lang="es-ES" sz="1100" b="0" i="0" u="none" strike="noStrike">
                         <a:solidFill>
@@ -8927,12 +8928,12 @@
                     <a:p>
                       <a:pPr algn="r" fontAlgn="ctr"/>
                       <a:r>
-                        <a:rPr lang="es-ES" sz="1100" u="none" strike="noStrike" dirty="0">
+                        <a:rPr lang="es-ES" sz="1100" u="none" strike="noStrike">
                           <a:effectLst/>
                         </a:rPr>
                         <a:t> </a:t>
                       </a:r>
-                      <a:endParaRPr lang="es-ES" sz="1100" b="0" i="0" u="none" strike="noStrike" dirty="0">
+                      <a:endParaRPr lang="es-ES" sz="1100" b="0" i="0" u="none" strike="noStrike">
                         <a:solidFill>
                           <a:srgbClr val="000000"/>
                         </a:solidFill>
@@ -9020,7 +9021,7 @@
     </p:spTree>
     <p:extLst>
       <p:ext uri="{BB962C8B-B14F-4D97-AF65-F5344CB8AC3E}">
-        <p14:creationId xmlns:p14="http://schemas.microsoft.com/office/powerpoint/2010/main" val="3583180511"/>
+        <p14:creationId xmlns:p14="http://schemas.microsoft.com/office/powerpoint/2010/main" val="1788353592"/>
       </p:ext>
     </p:extLst>
   </p:cSld>
@@ -9170,15 +9171,31 @@
             </a:r>
             <a:r>
               <a:rPr lang="es-MX" sz="2400" dirty="0" smtClean="0"/>
-              <a:t>: Cambiando todas las semanas de 19 a 24 </a:t>
+              <a:t>: Cambiando 3 semanas a  28 </a:t>
             </a:r>
             <a:r>
               <a:rPr lang="es-MX" sz="2400" dirty="0" err="1" smtClean="0"/>
-              <a:t>hrs</a:t>
+              <a:t>task</a:t>
+            </a:r>
+            <a:r>
+              <a:rPr lang="es-MX" sz="2400" dirty="0"/>
+              <a:t> </a:t>
+            </a:r>
+            <a:r>
+              <a:rPr lang="es-MX" sz="2400" dirty="0" err="1" smtClean="0"/>
+              <a:t>Hrs</a:t>
             </a:r>
             <a:r>
               <a:rPr lang="es-MX" sz="2400" dirty="0" smtClean="0"/>
-              <a:t>. Hasta la primera quincena de octubre.</a:t>
+              <a:t>. Y las siguientes de 19 a 24 horas </a:t>
+            </a:r>
+            <a:r>
+              <a:rPr lang="es-MX" sz="2400" dirty="0"/>
+              <a:t>h</a:t>
+            </a:r>
+            <a:r>
+              <a:rPr lang="es-MX" sz="2400" dirty="0" smtClean="0"/>
+              <a:t>asta octubre.</a:t>
             </a:r>
           </a:p>
           <a:p>
@@ -9195,7 +9212,7 @@
             </a:r>
             <a:r>
               <a:rPr lang="es-MX" sz="2400" dirty="0" smtClean="0"/>
-              <a:t>: 14/10/2013.</a:t>
+              <a:t>: 27/10/2013.</a:t>
             </a:r>
             <a:endParaRPr lang="es-MX" sz="2400" dirty="0"/>
           </a:p>
@@ -9204,7 +9221,7 @@
     </p:spTree>
     <p:extLst>
       <p:ext uri="{BB962C8B-B14F-4D97-AF65-F5344CB8AC3E}">
-        <p14:creationId xmlns:p14="http://schemas.microsoft.com/office/powerpoint/2010/main" val="2527591449"/>
+        <p14:creationId xmlns:p14="http://schemas.microsoft.com/office/powerpoint/2010/main" val="3554888175"/>
       </p:ext>
     </p:extLst>
   </p:cSld>
@@ -9262,7 +9279,7 @@
           <a:p>
             <a:r>
               <a:rPr lang="es-MX" dirty="0" smtClean="0"/>
-              <a:t>Productos de la próxima semana</a:t>
+              <a:t>Productos Terminados este ciclo</a:t>
             </a:r>
             <a:endParaRPr lang="es-MX" dirty="0"/>
           </a:p>
@@ -9278,14 +9295,14 @@
             <p:ph idx="1"/>
             <p:extLst>
               <p:ext uri="{D42A27DB-BD31-4B8C-83A1-F6EECF244321}">
-                <p14:modId xmlns:p14="http://schemas.microsoft.com/office/powerpoint/2010/main" val="3504585564"/>
+                <p14:modId xmlns:p14="http://schemas.microsoft.com/office/powerpoint/2010/main" val="3786408862"/>
               </p:ext>
             </p:extLst>
           </p:nvPr>
         </p:nvGraphicFramePr>
         <p:xfrm>
           <a:off x="467544" y="1916832"/>
-          <a:ext cx="8157592" cy="3291840"/>
+          <a:ext cx="8157592" cy="1463040"/>
         </p:xfrm>
         <a:graphic>
           <a:graphicData uri="http://schemas.openxmlformats.org/drawingml/2006/table">
@@ -9578,332 +9595,6 @@
                   <a:tcPr/>
                 </a:tc>
               </a:tr>
-              <a:tr h="0">
-                <a:tc>
-                  <a:txBody>
-                    <a:bodyPr/>
-                    <a:lstStyle/>
-                    <a:p>
-                      <a:pPr marL="0" marR="0" indent="0" algn="l" defTabSz="914400" rtl="0" eaLnBrk="1" fontAlgn="b" latinLnBrk="0" hangingPunct="1">
-                        <a:lnSpc>
-                          <a:spcPct val="100000"/>
-                        </a:lnSpc>
-                        <a:spcBef>
-                          <a:spcPts val="0"/>
-                        </a:spcBef>
-                        <a:spcAft>
-                          <a:spcPts val="0"/>
-                        </a:spcAft>
-                        <a:buClrTx/>
-                        <a:buSzTx/>
-                        <a:buFontTx/>
-                        <a:buNone/>
-                        <a:tabLst/>
-                        <a:defRPr/>
-                      </a:pPr>
-                      <a:r>
-                        <a:rPr lang="es-MX" sz="1100" b="0" i="0" u="none" strike="noStrike" dirty="0" smtClean="0">
-                          <a:solidFill>
-                            <a:srgbClr val="000000"/>
-                          </a:solidFill>
-                          <a:effectLst/>
-                          <a:latin typeface="+mn-lt"/>
-                        </a:rPr>
-                        <a:t>Periodos</a:t>
-                      </a:r>
-                      <a:r>
-                        <a:rPr lang="es-MX" sz="1100" b="0" i="0" u="none" strike="noStrike" baseline="0" dirty="0" smtClean="0">
-                          <a:solidFill>
-                            <a:srgbClr val="000000"/>
-                          </a:solidFill>
-                          <a:effectLst/>
-                          <a:latin typeface="+mn-lt"/>
-                        </a:rPr>
-                        <a:t>– Administración – </a:t>
-                      </a:r>
-                      <a:r>
-                        <a:rPr lang="es-MX" sz="1100" b="0" i="0" u="none" strike="noStrike" baseline="0" dirty="0" err="1" smtClean="0">
-                          <a:solidFill>
-                            <a:srgbClr val="000000"/>
-                          </a:solidFill>
-                          <a:effectLst/>
-                          <a:latin typeface="+mn-lt"/>
-                        </a:rPr>
-                        <a:t>FormElement</a:t>
-                      </a:r>
-                      <a:r>
-                        <a:rPr lang="es-MX" sz="1100" b="0" i="0" u="none" strike="noStrike" baseline="0" dirty="0" smtClean="0">
-                          <a:solidFill>
-                            <a:srgbClr val="000000"/>
-                          </a:solidFill>
-                          <a:effectLst/>
-                          <a:latin typeface="+mn-lt"/>
-                        </a:rPr>
-                        <a:t> – Fecha de Fin</a:t>
-                      </a:r>
-                      <a:endParaRPr lang="es-MX" sz="1100" b="0" i="0" u="none" strike="noStrike" dirty="0">
-                        <a:solidFill>
-                          <a:srgbClr val="000000"/>
-                        </a:solidFill>
-                        <a:effectLst/>
-                        <a:latin typeface="Calibri"/>
-                      </a:endParaRPr>
-                    </a:p>
-                  </a:txBody>
-                  <a:tcPr marL="9525" marR="9525" marT="9525" marB="0" anchor="b"/>
-                </a:tc>
-                <a:tc>
-                  <a:txBody>
-                    <a:bodyPr/>
-                    <a:lstStyle/>
-                    <a:p>
-                      <a:pPr marL="0" marR="0" indent="0" algn="l" defTabSz="914400" rtl="0" eaLnBrk="1" fontAlgn="auto" latinLnBrk="0" hangingPunct="1">
-                        <a:lnSpc>
-                          <a:spcPct val="100000"/>
-                        </a:lnSpc>
-                        <a:spcBef>
-                          <a:spcPts val="0"/>
-                        </a:spcBef>
-                        <a:spcAft>
-                          <a:spcPts val="0"/>
-                        </a:spcAft>
-                        <a:buClrTx/>
-                        <a:buSzTx/>
-                        <a:buFontTx/>
-                        <a:buNone/>
-                        <a:tabLst/>
-                        <a:defRPr/>
-                      </a:pPr>
-                      <a:endParaRPr lang="es-MX" baseline="0" dirty="0" smtClean="0"/>
-                    </a:p>
-                  </a:txBody>
-                  <a:tcPr/>
-                </a:tc>
-              </a:tr>
-              <a:tr h="0">
-                <a:tc>
-                  <a:txBody>
-                    <a:bodyPr/>
-                    <a:lstStyle/>
-                    <a:p>
-                      <a:pPr algn="l" fontAlgn="b"/>
-                      <a:r>
-                        <a:rPr lang="es-MX" sz="1100" b="0" i="0" u="none" strike="noStrike" dirty="0" smtClean="0">
-                          <a:solidFill>
-                            <a:srgbClr val="000000"/>
-                          </a:solidFill>
-                          <a:effectLst/>
-                          <a:latin typeface="Calibri"/>
-                        </a:rPr>
-                        <a:t>Objetivos – Vista resumen - Configuración</a:t>
-                      </a:r>
-                      <a:endParaRPr lang="es-MX" sz="1100" b="0" i="0" u="none" strike="noStrike" dirty="0">
-                        <a:solidFill>
-                          <a:srgbClr val="000000"/>
-                        </a:solidFill>
-                        <a:effectLst/>
-                        <a:latin typeface="Calibri"/>
-                      </a:endParaRPr>
-                    </a:p>
-                  </a:txBody>
-                  <a:tcPr marL="9525" marR="9525" marT="9525" marB="0" anchor="b"/>
-                </a:tc>
-                <a:tc>
-                  <a:txBody>
-                    <a:bodyPr/>
-                    <a:lstStyle/>
-                    <a:p>
-                      <a:pPr marL="0" marR="0" indent="0" algn="l" defTabSz="914400" rtl="0" eaLnBrk="1" fontAlgn="auto" latinLnBrk="0" hangingPunct="1">
-                        <a:lnSpc>
-                          <a:spcPct val="100000"/>
-                        </a:lnSpc>
-                        <a:spcBef>
-                          <a:spcPts val="0"/>
-                        </a:spcBef>
-                        <a:spcAft>
-                          <a:spcPts val="0"/>
-                        </a:spcAft>
-                        <a:buClrTx/>
-                        <a:buSzTx/>
-                        <a:buFontTx/>
-                        <a:buNone/>
-                        <a:tabLst/>
-                        <a:defRPr/>
-                      </a:pPr>
-                      <a:endParaRPr lang="es-MX" baseline="0" dirty="0" smtClean="0"/>
-                    </a:p>
-                  </a:txBody>
-                  <a:tcPr/>
-                </a:tc>
-              </a:tr>
-              <a:tr h="0">
-                <a:tc>
-                  <a:txBody>
-                    <a:bodyPr/>
-                    <a:lstStyle/>
-                    <a:p>
-                      <a:pPr algn="l" fontAlgn="b"/>
-                      <a:r>
-                        <a:rPr lang="es-MX" sz="1100" b="0" i="0" u="none" strike="noStrike" dirty="0" smtClean="0">
-                          <a:solidFill>
-                            <a:srgbClr val="000000"/>
-                          </a:solidFill>
-                          <a:effectLst/>
-                          <a:latin typeface="+mn-lt"/>
-                        </a:rPr>
-                        <a:t>Objetivos – Vista resumen –Presentación</a:t>
-                      </a:r>
-                      <a:endParaRPr lang="es-MX" sz="1100" b="0" i="0" u="none" strike="noStrike" dirty="0">
-                        <a:solidFill>
-                          <a:srgbClr val="000000"/>
-                        </a:solidFill>
-                        <a:effectLst/>
-                        <a:latin typeface="+mn-lt"/>
-                      </a:endParaRPr>
-                    </a:p>
-                  </a:txBody>
-                  <a:tcPr marL="9525" marR="9525" marT="9525" marB="0" anchor="b"/>
-                </a:tc>
-                <a:tc>
-                  <a:txBody>
-                    <a:bodyPr/>
-                    <a:lstStyle/>
-                    <a:p>
-                      <a:pPr marL="0" marR="0" indent="0" algn="l" defTabSz="914400" rtl="0" eaLnBrk="1" fontAlgn="auto" latinLnBrk="0" hangingPunct="1">
-                        <a:lnSpc>
-                          <a:spcPct val="100000"/>
-                        </a:lnSpc>
-                        <a:spcBef>
-                          <a:spcPts val="0"/>
-                        </a:spcBef>
-                        <a:spcAft>
-                          <a:spcPts val="0"/>
-                        </a:spcAft>
-                        <a:buClrTx/>
-                        <a:buSzTx/>
-                        <a:buFontTx/>
-                        <a:buNone/>
-                        <a:tabLst/>
-                        <a:defRPr/>
-                      </a:pPr>
-                      <a:endParaRPr lang="es-MX" baseline="0" dirty="0" smtClean="0"/>
-                    </a:p>
-                  </a:txBody>
-                  <a:tcPr/>
-                </a:tc>
-              </a:tr>
-              <a:tr h="0">
-                <a:tc>
-                  <a:txBody>
-                    <a:bodyPr/>
-                    <a:lstStyle/>
-                    <a:p>
-                      <a:pPr algn="l" fontAlgn="b"/>
-                      <a:r>
-                        <a:rPr lang="es-MX" sz="1100" b="0" i="0" u="none" strike="noStrike" dirty="0" smtClean="0">
-                          <a:solidFill>
-                            <a:srgbClr val="000000"/>
-                          </a:solidFill>
-                          <a:effectLst/>
-                          <a:latin typeface="Calibri"/>
-                        </a:rPr>
-                        <a:t>Objetivos – Vista detalle – Configuración</a:t>
-                      </a:r>
-                      <a:endParaRPr lang="es-MX" sz="1100" b="0" i="0" u="none" strike="noStrike" dirty="0">
-                        <a:solidFill>
-                          <a:srgbClr val="000000"/>
-                        </a:solidFill>
-                        <a:effectLst/>
-                        <a:latin typeface="Calibri"/>
-                      </a:endParaRPr>
-                    </a:p>
-                  </a:txBody>
-                  <a:tcPr marL="9525" marR="9525" marT="9525" marB="0" anchor="b"/>
-                </a:tc>
-                <a:tc>
-                  <a:txBody>
-                    <a:bodyPr/>
-                    <a:lstStyle/>
-                    <a:p>
-                      <a:pPr marL="0" marR="0" indent="0" algn="l" defTabSz="914400" rtl="0" eaLnBrk="1" fontAlgn="auto" latinLnBrk="0" hangingPunct="1">
-                        <a:lnSpc>
-                          <a:spcPct val="100000"/>
-                        </a:lnSpc>
-                        <a:spcBef>
-                          <a:spcPts val="0"/>
-                        </a:spcBef>
-                        <a:spcAft>
-                          <a:spcPts val="0"/>
-                        </a:spcAft>
-                        <a:buClrTx/>
-                        <a:buSzTx/>
-                        <a:buFontTx/>
-                        <a:buNone/>
-                        <a:tabLst/>
-                        <a:defRPr/>
-                      </a:pPr>
-                      <a:endParaRPr lang="es-MX" baseline="0" dirty="0" smtClean="0"/>
-                    </a:p>
-                  </a:txBody>
-                  <a:tcPr/>
-                </a:tc>
-              </a:tr>
-              <a:tr h="0">
-                <a:tc>
-                  <a:txBody>
-                    <a:bodyPr/>
-                    <a:lstStyle/>
-                    <a:p>
-                      <a:pPr algn="l" fontAlgn="b"/>
-                      <a:r>
-                        <a:rPr lang="es-MX" sz="1100" b="0" i="0" u="none" strike="noStrike" dirty="0" smtClean="0">
-                          <a:solidFill>
-                            <a:srgbClr val="000000"/>
-                          </a:solidFill>
-                          <a:effectLst/>
-                          <a:latin typeface="Calibri"/>
-                        </a:rPr>
-                        <a:t>Objetivos – Casos de prueba integrales</a:t>
-                      </a:r>
-                      <a:endParaRPr lang="es-MX" sz="1100" b="0" i="0" u="none" strike="noStrike" dirty="0">
-                        <a:solidFill>
-                          <a:srgbClr val="000000"/>
-                        </a:solidFill>
-                        <a:effectLst/>
-                        <a:latin typeface="Calibri"/>
-                      </a:endParaRPr>
-                    </a:p>
-                  </a:txBody>
-                  <a:tcPr marL="9525" marR="9525" marT="9525" marB="0" anchor="b"/>
-                </a:tc>
-                <a:tc>
-                  <a:txBody>
-                    <a:bodyPr/>
-                    <a:lstStyle/>
-                    <a:p>
-                      <a:pPr marL="0" marR="0" indent="0" algn="l" defTabSz="914400" rtl="0" eaLnBrk="1" fontAlgn="auto" latinLnBrk="0" hangingPunct="1">
-                        <a:lnSpc>
-                          <a:spcPct val="100000"/>
-                        </a:lnSpc>
-                        <a:spcBef>
-                          <a:spcPts val="0"/>
-                        </a:spcBef>
-                        <a:spcAft>
-                          <a:spcPts val="0"/>
-                        </a:spcAft>
-                        <a:buClrTx/>
-                        <a:buSzTx/>
-                        <a:buFontTx/>
-                        <a:buNone/>
-                        <a:tabLst/>
-                        <a:defRPr/>
-                      </a:pPr>
-                      <a:endParaRPr lang="es-MX" baseline="0" dirty="0" smtClean="0"/>
-                    </a:p>
-                  </a:txBody>
-                  <a:tcPr/>
-                </a:tc>
-              </a:tr>
             </a:tbl>
           </a:graphicData>
         </a:graphic>
@@ -9911,7 +9602,7 @@
     </p:spTree>
     <p:extLst>
       <p:ext uri="{BB962C8B-B14F-4D97-AF65-F5344CB8AC3E}">
-        <p14:creationId xmlns:p14="http://schemas.microsoft.com/office/powerpoint/2010/main" val="2867012072"/>
+        <p14:creationId xmlns:p14="http://schemas.microsoft.com/office/powerpoint/2010/main" val="2520164136"/>
       </p:ext>
     </p:extLst>
   </p:cSld>
@@ -10021,29 +9712,6 @@
           <a:chExt cx="0" cy="0"/>
         </a:xfrm>
       </p:grpSpPr>
-      <p:sp>
-        <p:nvSpPr>
-          <p:cNvPr id="2" name="1 Título"/>
-          <p:cNvSpPr>
-            <a:spLocks noGrp="1"/>
-          </p:cNvSpPr>
-          <p:nvPr>
-            <p:ph type="title"/>
-          </p:nvPr>
-        </p:nvSpPr>
-        <p:spPr/>
-        <p:txBody>
-          <a:bodyPr/>
-          <a:lstStyle/>
-          <a:p>
-            <a:r>
-              <a:rPr lang="es-MX" dirty="0" smtClean="0"/>
-              <a:t>Productos Terminados</a:t>
-            </a:r>
-            <a:endParaRPr lang="es-ES" dirty="0"/>
-          </a:p>
-        </p:txBody>
-      </p:sp>
       <p:graphicFrame>
         <p:nvGraphicFramePr>
           <p:cNvPr id="4" name="3 Marcador de contenido"/>
@@ -10054,14 +9722,14 @@
             <p:ph idx="1"/>
             <p:extLst>
               <p:ext uri="{D42A27DB-BD31-4B8C-83A1-F6EECF244321}">
-                <p14:modId xmlns:p14="http://schemas.microsoft.com/office/powerpoint/2010/main" val="2998701232"/>
+                <p14:modId xmlns:p14="http://schemas.microsoft.com/office/powerpoint/2010/main" val="1912089754"/>
               </p:ext>
             </p:extLst>
           </p:nvPr>
         </p:nvGraphicFramePr>
         <p:xfrm>
           <a:off x="457200" y="1600200"/>
-          <a:ext cx="8229600" cy="2021840"/>
+          <a:ext cx="8157592" cy="1463040"/>
         </p:xfrm>
         <a:graphic>
           <a:graphicData uri="http://schemas.openxmlformats.org/drawingml/2006/table">
@@ -10070,9 +9738,68 @@
                 <a:tableStyleId>{21E4AEA4-8DFA-4A89-87EB-49C32662AFE0}</a:tableStyleId>
               </a:tblPr>
               <a:tblGrid>
-                <a:gridCol w="8229600"/>
+                <a:gridCol w="6505646"/>
+                <a:gridCol w="1651946"/>
               </a:tblGrid>
-              <a:tr h="370840">
+              <a:tr h="0">
+                <a:tc>
+                  <a:txBody>
+                    <a:bodyPr/>
+                    <a:lstStyle/>
+                    <a:p>
+                      <a:pPr algn="ctr"/>
+                      <a:r>
+                        <a:rPr lang="es-MX" dirty="0" smtClean="0"/>
+                        <a:t>Componente (grupo de tareas)</a:t>
+                      </a:r>
+                      <a:endParaRPr lang="es-MX" dirty="0"/>
+                    </a:p>
+                  </a:txBody>
+                  <a:tcPr/>
+                </a:tc>
+                <a:tc>
+                  <a:txBody>
+                    <a:bodyPr/>
+                    <a:lstStyle/>
+                    <a:p>
+                      <a:pPr algn="ctr"/>
+                      <a:r>
+                        <a:rPr lang="es-MX" dirty="0" smtClean="0"/>
+                        <a:t>Comentario</a:t>
+                      </a:r>
+                    </a:p>
+                  </a:txBody>
+                  <a:tcPr/>
+                </a:tc>
+              </a:tr>
+              <a:tr h="0">
+                <a:tc>
+                  <a:txBody>
+                    <a:bodyPr/>
+                    <a:lstStyle/>
+                    <a:p>
+                      <a:pPr algn="l" fontAlgn="b"/>
+                      <a:r>
+                        <a:rPr lang="es-MX" sz="1100" b="0" i="0" u="none" strike="noStrike" dirty="0" smtClean="0">
+                          <a:solidFill>
+                            <a:srgbClr val="000000"/>
+                          </a:solidFill>
+                          <a:effectLst/>
+                          <a:latin typeface="Calibri"/>
+                        </a:rPr>
+                        <a:t>Objetivos – Vista resumen - Configuración</a:t>
+                      </a:r>
+                      <a:endParaRPr lang="es-MX" sz="1100" b="0" i="0" u="none" strike="noStrike" dirty="0">
+                        <a:solidFill>
+                          <a:srgbClr val="000000"/>
+                        </a:solidFill>
+                        <a:effectLst/>
+                        <a:latin typeface="Calibri"/>
+                      </a:endParaRPr>
+                    </a:p>
+                  </a:txBody>
+                  <a:tcPr marL="9525" marR="9525" marT="9525" marB="0" anchor="b"/>
+                </a:tc>
                 <a:tc>
                   <a:txBody>
                     <a:bodyPr/>
@@ -10095,20 +9822,40 @@
                         <a:tabLst/>
                         <a:defRPr/>
                       </a:pPr>
-                      <a:endParaRPr lang="es-ES" sz="1800" kern="1200" baseline="0" dirty="0">
+                      <a:endParaRPr lang="es-MX" baseline="0" dirty="0" smtClean="0"/>
+                    </a:p>
+                  </a:txBody>
+                  <a:tcPr/>
+                </a:tc>
+              </a:tr>
+              <a:tr h="0">
+                <a:tc>
+                  <a:txBody>
+                    <a:bodyPr/>
+                    <a:lstStyle/>
+                    <a:p>
+                      <a:pPr algn="l" fontAlgn="b"/>
+                      <a:r>
+                        <a:rPr lang="es-MX" sz="1100" b="0" i="0" u="none" strike="noStrike" dirty="0" smtClean="0">
+                          <a:solidFill>
+                            <a:srgbClr val="000000"/>
+                          </a:solidFill>
+                          <a:effectLst/>
+                          <a:latin typeface="+mn-lt"/>
+                        </a:rPr>
+                        <a:t>Objetivos – Vista resumen –Presentación</a:t>
+                      </a:r>
+                      <a:endParaRPr lang="es-MX" sz="1100" b="0" i="0" u="none" strike="noStrike" dirty="0">
                         <a:solidFill>
-                          <a:schemeClr val="dk1"/>
+                          <a:srgbClr val="000000"/>
                         </a:solidFill>
+                        <a:effectLst/>
                         <a:latin typeface="+mn-lt"/>
-                        <a:ea typeface="+mn-ea"/>
-                        <a:cs typeface="+mn-cs"/>
                       </a:endParaRPr>
                     </a:p>
                   </a:txBody>
-                  <a:tcPr/>
-                </a:tc>
-              </a:tr>
-              <a:tr h="370840">
+                  <a:tcPr marL="9525" marR="9525" marT="9525" marB="0" anchor="b"/>
+                </a:tc>
                 <a:tc>
                   <a:txBody>
                     <a:bodyPr/>
@@ -10131,152 +9878,40 @@
                         <a:tabLst/>
                         <a:defRPr/>
                       </a:pPr>
-                      <a:r>
-                        <a:rPr lang="es-ES" sz="1800" kern="1200" dirty="0" smtClean="0">
+                      <a:endParaRPr lang="es-MX" baseline="0" dirty="0" smtClean="0"/>
+                    </a:p>
+                  </a:txBody>
+                  <a:tcPr/>
+                </a:tc>
+              </a:tr>
+              <a:tr h="0">
+                <a:tc>
+                  <a:txBody>
+                    <a:bodyPr/>
+                    <a:lstStyle/>
+                    <a:p>
+                      <a:pPr algn="l" fontAlgn="b"/>
+                      <a:r>
+                        <a:rPr lang="es-MX" sz="1100" b="0" i="0" u="none" strike="noStrike" dirty="0" smtClean="0">
                           <a:solidFill>
-                            <a:schemeClr val="dk1"/>
+                            <a:srgbClr val="000000"/>
                           </a:solidFill>
                           <a:effectLst/>
-                          <a:latin typeface="+mn-lt"/>
-                          <a:ea typeface="+mn-ea"/>
-                          <a:cs typeface="+mn-cs"/>
-                        </a:rPr>
-                        <a:t>/Proyecto/</a:t>
-                      </a:r>
-                      <a:r>
-                        <a:rPr lang="es-ES" sz="1800" kern="1200" dirty="0" err="1" smtClean="0">
-                          <a:solidFill>
-                            <a:schemeClr val="dk1"/>
-                          </a:solidFill>
-                          <a:effectLst/>
-                          <a:latin typeface="+mn-lt"/>
-                          <a:ea typeface="+mn-ea"/>
-                          <a:cs typeface="+mn-cs"/>
-                        </a:rPr>
-                        <a:t>SWBStrategy</a:t>
-                      </a:r>
-                      <a:r>
-                        <a:rPr lang="es-ES" sz="1800" kern="1200" dirty="0" smtClean="0">
-                          <a:solidFill>
-                            <a:schemeClr val="dk1"/>
-                          </a:solidFill>
-                          <a:effectLst/>
-                          <a:latin typeface="+mn-lt"/>
-                          <a:ea typeface="+mn-ea"/>
-                          <a:cs typeface="+mn-cs"/>
-                        </a:rPr>
-                        <a:t>/</a:t>
-                      </a:r>
-                      <a:r>
-                        <a:rPr lang="es-ES" sz="1800" kern="1200" dirty="0" err="1" smtClean="0">
-                          <a:solidFill>
-                            <a:schemeClr val="dk1"/>
-                          </a:solidFill>
-                          <a:effectLst/>
-                          <a:latin typeface="+mn-lt"/>
-                          <a:ea typeface="+mn-ea"/>
-                          <a:cs typeface="+mn-cs"/>
-                        </a:rPr>
-                        <a:t>Scorecard</a:t>
-                      </a:r>
-                      <a:r>
-                        <a:rPr lang="es-ES" sz="1800" kern="1200" dirty="0" smtClean="0">
-                          <a:solidFill>
-                            <a:schemeClr val="dk1"/>
-                          </a:solidFill>
-                          <a:effectLst/>
-                          <a:latin typeface="+mn-lt"/>
-                          <a:ea typeface="+mn-ea"/>
-                          <a:cs typeface="+mn-cs"/>
-                        </a:rPr>
-                        <a:t>/</a:t>
-                      </a:r>
-                      <a:r>
-                        <a:rPr lang="es-ES" sz="1800" kern="1200" dirty="0" err="1" smtClean="0">
-                          <a:solidFill>
-                            <a:schemeClr val="dk1"/>
-                          </a:solidFill>
-                          <a:effectLst/>
-                          <a:latin typeface="+mn-lt"/>
-                          <a:ea typeface="+mn-ea"/>
-                          <a:cs typeface="+mn-cs"/>
-                        </a:rPr>
-                        <a:t>Administracion</a:t>
-                      </a:r>
-                      <a:r>
-                        <a:rPr lang="es-ES" sz="1800" kern="1200" dirty="0" smtClean="0">
-                          <a:solidFill>
-                            <a:schemeClr val="dk1"/>
-                          </a:solidFill>
-                          <a:effectLst/>
-                          <a:latin typeface="+mn-lt"/>
-                          <a:ea typeface="+mn-ea"/>
-                          <a:cs typeface="+mn-cs"/>
-                        </a:rPr>
-                        <a:t>/Casos de prueba integrales para </a:t>
-                      </a:r>
-                      <a:r>
-                        <a:rPr lang="es-ES" sz="1800" kern="1200" dirty="0" err="1" smtClean="0">
-                          <a:solidFill>
-                            <a:schemeClr val="dk1"/>
-                          </a:solidFill>
-                          <a:effectLst/>
-                          <a:latin typeface="+mn-lt"/>
-                          <a:ea typeface="+mn-ea"/>
-                          <a:cs typeface="+mn-cs"/>
-                        </a:rPr>
-                        <a:t>FormElement</a:t>
-                      </a:r>
-                      <a:r>
-                        <a:rPr lang="es-ES" sz="1800" kern="1200" dirty="0" smtClean="0">
-                          <a:solidFill>
-                            <a:schemeClr val="dk1"/>
-                          </a:solidFill>
-                          <a:effectLst/>
-                          <a:latin typeface="+mn-lt"/>
-                          <a:ea typeface="+mn-ea"/>
-                          <a:cs typeface="+mn-cs"/>
-                        </a:rPr>
-                        <a:t>/- </a:t>
-                      </a:r>
-                      <a:r>
-                        <a:rPr lang="es-ES" sz="1800" kern="1200" dirty="0" err="1" smtClean="0">
-                          <a:solidFill>
-                            <a:schemeClr val="dk1"/>
-                          </a:solidFill>
-                          <a:effectLst/>
-                          <a:latin typeface="+mn-lt"/>
-                          <a:ea typeface="+mn-ea"/>
-                          <a:cs typeface="+mn-cs"/>
-                        </a:rPr>
-                        <a:t>Disenar</a:t>
-                      </a:r>
-                      <a:r>
-                        <a:rPr lang="es-ES" sz="1800" kern="1200" dirty="0" smtClean="0">
-                          <a:solidFill>
-                            <a:schemeClr val="dk1"/>
-                          </a:solidFill>
-                          <a:effectLst/>
-                          <a:latin typeface="+mn-lt"/>
-                          <a:ea typeface="+mn-ea"/>
-                          <a:cs typeface="+mn-cs"/>
-                        </a:rPr>
-                        <a:t> Caso de Prueba</a:t>
-                      </a:r>
-                      <a:endParaRPr lang="es-ES" sz="1800" kern="1200" baseline="0" dirty="0">
+                          <a:latin typeface="Calibri"/>
+                        </a:rPr>
+                        <a:t>Objetivos – Vista detalle – Configuración</a:t>
+                      </a:r>
+                      <a:endParaRPr lang="es-MX" sz="1100" b="0" i="0" u="none" strike="noStrike" dirty="0">
                         <a:solidFill>
-                          <a:schemeClr val="dk1"/>
+                          <a:srgbClr val="000000"/>
                         </a:solidFill>
-                        <a:latin typeface="+mn-lt"/>
-                        <a:ea typeface="+mn-ea"/>
-                        <a:cs typeface="+mn-cs"/>
+                        <a:effectLst/>
+                        <a:latin typeface="Calibri"/>
                       </a:endParaRPr>
                     </a:p>
                   </a:txBody>
-                  <a:tcPr/>
-                </a:tc>
-              </a:tr>
-              <a:tr h="370840">
+                  <a:tcPr marL="9525" marR="9525" marT="9525" marB="0" anchor="b"/>
+                </a:tc>
                 <a:tc>
                   <a:txBody>
                     <a:bodyPr/>
@@ -10299,254 +9934,7 @@
                         <a:tabLst/>
                         <a:defRPr/>
                       </a:pPr>
-                      <a:r>
-                        <a:rPr lang="es-ES" sz="1800" kern="1200" dirty="0" smtClean="0">
-                          <a:solidFill>
-                            <a:schemeClr val="dk1"/>
-                          </a:solidFill>
-                          <a:effectLst/>
-                          <a:latin typeface="+mn-lt"/>
-                          <a:ea typeface="+mn-ea"/>
-                          <a:cs typeface="+mn-cs"/>
-                        </a:rPr>
-                        <a:t>/Proyecto/</a:t>
-                      </a:r>
-                      <a:r>
-                        <a:rPr lang="es-ES" sz="1800" kern="1200" dirty="0" err="1" smtClean="0">
-                          <a:solidFill>
-                            <a:schemeClr val="dk1"/>
-                          </a:solidFill>
-                          <a:effectLst/>
-                          <a:latin typeface="+mn-lt"/>
-                          <a:ea typeface="+mn-ea"/>
-                          <a:cs typeface="+mn-cs"/>
-                        </a:rPr>
-                        <a:t>SWBStrategy</a:t>
-                      </a:r>
-                      <a:r>
-                        <a:rPr lang="es-ES" sz="1800" kern="1200" dirty="0" smtClean="0">
-                          <a:solidFill>
-                            <a:schemeClr val="dk1"/>
-                          </a:solidFill>
-                          <a:effectLst/>
-                          <a:latin typeface="+mn-lt"/>
-                          <a:ea typeface="+mn-ea"/>
-                          <a:cs typeface="+mn-cs"/>
-                        </a:rPr>
-                        <a:t>/Temas </a:t>
-                      </a:r>
-                      <a:r>
-                        <a:rPr lang="es-ES" sz="1800" kern="1200" dirty="0" err="1" smtClean="0">
-                          <a:solidFill>
-                            <a:schemeClr val="dk1"/>
-                          </a:solidFill>
-                          <a:effectLst/>
-                          <a:latin typeface="+mn-lt"/>
-                          <a:ea typeface="+mn-ea"/>
-                          <a:cs typeface="+mn-cs"/>
-                        </a:rPr>
-                        <a:t>Estrategicos</a:t>
-                      </a:r>
-                      <a:r>
-                        <a:rPr lang="es-ES" sz="1800" kern="1200" dirty="0" smtClean="0">
-                          <a:solidFill>
-                            <a:schemeClr val="dk1"/>
-                          </a:solidFill>
-                          <a:effectLst/>
-                          <a:latin typeface="+mn-lt"/>
-                          <a:ea typeface="+mn-ea"/>
-                          <a:cs typeface="+mn-cs"/>
-                        </a:rPr>
-                        <a:t>/</a:t>
-                      </a:r>
-                      <a:r>
-                        <a:rPr lang="es-ES" sz="1800" kern="1200" dirty="0" err="1" smtClean="0">
-                          <a:solidFill>
-                            <a:schemeClr val="dk1"/>
-                          </a:solidFill>
-                          <a:effectLst/>
-                          <a:latin typeface="+mn-lt"/>
-                          <a:ea typeface="+mn-ea"/>
-                          <a:cs typeface="+mn-cs"/>
-                        </a:rPr>
-                        <a:t>Administracion</a:t>
-                      </a:r>
-                      <a:r>
-                        <a:rPr lang="es-ES" sz="1800" kern="1200" dirty="0" smtClean="0">
-                          <a:solidFill>
-                            <a:schemeClr val="dk1"/>
-                          </a:solidFill>
-                          <a:effectLst/>
-                          <a:latin typeface="+mn-lt"/>
-                          <a:ea typeface="+mn-ea"/>
-                          <a:cs typeface="+mn-cs"/>
-                        </a:rPr>
-                        <a:t>/</a:t>
-                      </a:r>
-                      <a:r>
-                        <a:rPr lang="es-ES" sz="1800" kern="1200" dirty="0" err="1" smtClean="0">
-                          <a:solidFill>
-                            <a:schemeClr val="dk1"/>
-                          </a:solidFill>
-                          <a:effectLst/>
-                          <a:latin typeface="+mn-lt"/>
-                          <a:ea typeface="+mn-ea"/>
-                          <a:cs typeface="+mn-cs"/>
-                        </a:rPr>
-                        <a:t>Implementacion</a:t>
-                      </a:r>
-                      <a:r>
-                        <a:rPr lang="es-ES" sz="1800" kern="1200" dirty="0" smtClean="0">
-                          <a:solidFill>
-                            <a:schemeClr val="dk1"/>
-                          </a:solidFill>
-                          <a:effectLst/>
-                          <a:latin typeface="+mn-lt"/>
-                          <a:ea typeface="+mn-ea"/>
-                          <a:cs typeface="+mn-cs"/>
-                        </a:rPr>
-                        <a:t> en </a:t>
-                      </a:r>
-                      <a:r>
-                        <a:rPr lang="es-ES" sz="1800" kern="1200" dirty="0" err="1" smtClean="0">
-                          <a:solidFill>
-                            <a:schemeClr val="dk1"/>
-                          </a:solidFill>
-                          <a:effectLst/>
-                          <a:latin typeface="+mn-lt"/>
-                          <a:ea typeface="+mn-ea"/>
-                          <a:cs typeface="+mn-cs"/>
-                        </a:rPr>
-                        <a:t>ontologia</a:t>
-                      </a:r>
-                      <a:endParaRPr lang="es-ES" sz="1800" kern="1200" baseline="0" dirty="0">
-                        <a:solidFill>
-                          <a:schemeClr val="dk1"/>
-                        </a:solidFill>
-                        <a:latin typeface="+mn-lt"/>
-                        <a:ea typeface="+mn-ea"/>
-                        <a:cs typeface="+mn-cs"/>
-                      </a:endParaRPr>
-                    </a:p>
-                  </a:txBody>
-                  <a:tcPr/>
-                </a:tc>
-              </a:tr>
-              <a:tr h="370840">
-                <a:tc>
-                  <a:txBody>
-                    <a:bodyPr/>
-                    <a:lstStyle/>
-                    <a:p>
-                      <a:pPr marL="0" marR="0" indent="0" algn="l" defTabSz="914400" rtl="0" eaLnBrk="1" fontAlgn="auto" latinLnBrk="0" hangingPunct="1">
-                        <a:lnSpc>
-                          <a:spcPct val="100000"/>
-                        </a:lnSpc>
-                        <a:spcBef>
-                          <a:spcPts val="0"/>
-                        </a:spcBef>
-                        <a:spcAft>
-                          <a:spcPts val="0"/>
-                        </a:spcAft>
-                        <a:buClrTx/>
-                        <a:buSzTx/>
-                        <a:buFontTx/>
-                        <a:buNone/>
-                        <a:tabLst/>
-                        <a:defRPr/>
-                      </a:pPr>
-                      <a:r>
-                        <a:rPr lang="es-ES" sz="1800" kern="1200" dirty="0" smtClean="0">
-                          <a:solidFill>
-                            <a:schemeClr val="dk1"/>
-                          </a:solidFill>
-                          <a:effectLst/>
-                          <a:latin typeface="+mn-lt"/>
-                          <a:ea typeface="+mn-ea"/>
-                          <a:cs typeface="+mn-cs"/>
-                        </a:rPr>
-                        <a:t>Proyecto/</a:t>
-                      </a:r>
-                      <a:r>
-                        <a:rPr lang="es-ES" sz="1800" kern="1200" dirty="0" err="1" smtClean="0">
-                          <a:solidFill>
-                            <a:schemeClr val="dk1"/>
-                          </a:solidFill>
-                          <a:effectLst/>
-                          <a:latin typeface="+mn-lt"/>
-                          <a:ea typeface="+mn-ea"/>
-                          <a:cs typeface="+mn-cs"/>
-                        </a:rPr>
-                        <a:t>SWBStrategy</a:t>
-                      </a:r>
-                      <a:r>
-                        <a:rPr lang="es-ES" sz="1800" kern="1200" dirty="0" smtClean="0">
-                          <a:solidFill>
-                            <a:schemeClr val="dk1"/>
-                          </a:solidFill>
-                          <a:effectLst/>
-                          <a:latin typeface="+mn-lt"/>
-                          <a:ea typeface="+mn-ea"/>
-                          <a:cs typeface="+mn-cs"/>
-                        </a:rPr>
-                        <a:t>/Temas </a:t>
-                      </a:r>
-                      <a:r>
-                        <a:rPr lang="es-ES" sz="1800" kern="1200" dirty="0" err="1" smtClean="0">
-                          <a:solidFill>
-                            <a:schemeClr val="dk1"/>
-                          </a:solidFill>
-                          <a:effectLst/>
-                          <a:latin typeface="+mn-lt"/>
-                          <a:ea typeface="+mn-ea"/>
-                          <a:cs typeface="+mn-cs"/>
-                        </a:rPr>
-                        <a:t>Estrategicos</a:t>
-                      </a:r>
-                      <a:r>
-                        <a:rPr lang="es-ES" sz="1800" kern="1200" dirty="0" smtClean="0">
-                          <a:solidFill>
-                            <a:schemeClr val="dk1"/>
-                          </a:solidFill>
-                          <a:effectLst/>
-                          <a:latin typeface="+mn-lt"/>
-                          <a:ea typeface="+mn-ea"/>
-                          <a:cs typeface="+mn-cs"/>
-                        </a:rPr>
-                        <a:t>/</a:t>
-                      </a:r>
-                      <a:r>
-                        <a:rPr lang="es-ES" sz="1800" kern="1200" dirty="0" err="1" smtClean="0">
-                          <a:solidFill>
-                            <a:schemeClr val="dk1"/>
-                          </a:solidFill>
-                          <a:effectLst/>
-                          <a:latin typeface="+mn-lt"/>
-                          <a:ea typeface="+mn-ea"/>
-                          <a:cs typeface="+mn-cs"/>
-                        </a:rPr>
-                        <a:t>Administracion</a:t>
-                      </a:r>
-                      <a:r>
-                        <a:rPr lang="es-ES" sz="1800" kern="1200" dirty="0" smtClean="0">
-                          <a:solidFill>
-                            <a:schemeClr val="dk1"/>
-                          </a:solidFill>
-                          <a:effectLst/>
-                          <a:latin typeface="+mn-lt"/>
-                          <a:ea typeface="+mn-ea"/>
-                          <a:cs typeface="+mn-cs"/>
-                        </a:rPr>
-                        <a:t>/Casos de prueba integrales</a:t>
-                      </a:r>
-                      <a:endParaRPr lang="es-ES" sz="1800" kern="1200" baseline="0" dirty="0">
-                        <a:solidFill>
-                          <a:schemeClr val="dk1"/>
-                        </a:solidFill>
-                        <a:latin typeface="+mn-lt"/>
-                        <a:ea typeface="+mn-ea"/>
-                        <a:cs typeface="+mn-cs"/>
-                      </a:endParaRPr>
+                      <a:endParaRPr lang="es-MX" baseline="0" dirty="0" smtClean="0"/>
                     </a:p>
                   </a:txBody>
                   <a:tcPr/>
@@ -10556,10 +9944,35 @@
           </a:graphicData>
         </a:graphic>
       </p:graphicFrame>
+      <p:sp>
+        <p:nvSpPr>
+          <p:cNvPr id="5" name="1 Título"/>
+          <p:cNvSpPr>
+            <a:spLocks noGrp="1"/>
+          </p:cNvSpPr>
+          <p:nvPr>
+            <p:ph type="title"/>
+          </p:nvPr>
+        </p:nvSpPr>
+        <p:spPr/>
+        <p:txBody>
+          <a:bodyPr>
+            <a:normAutofit/>
+          </a:bodyPr>
+          <a:lstStyle/>
+          <a:p>
+            <a:r>
+              <a:rPr lang="es-MX" dirty="0" smtClean="0"/>
+              <a:t>Productos de la próxima semana</a:t>
+            </a:r>
+            <a:endParaRPr lang="es-MX" dirty="0"/>
+          </a:p>
+        </p:txBody>
+      </p:sp>
     </p:spTree>
     <p:extLst>
       <p:ext uri="{BB962C8B-B14F-4D97-AF65-F5344CB8AC3E}">
-        <p14:creationId xmlns:p14="http://schemas.microsoft.com/office/powerpoint/2010/main" val="1928069130"/>
+        <p14:creationId xmlns:p14="http://schemas.microsoft.com/office/powerpoint/2010/main" val="4020308786"/>
       </p:ext>
     </p:extLst>
   </p:cSld>
@@ -10848,15 +10261,7 @@
                       </a:r>
                       <a:r>
                         <a:rPr lang="es-MX" baseline="0" dirty="0" smtClean="0"/>
-                        <a:t> Actual </a:t>
-                      </a:r>
-                      <a:r>
-                        <a:rPr lang="es-MX" baseline="0" dirty="0" smtClean="0"/>
-                        <a:t>(01/07/2013</a:t>
-                      </a:r>
-                      <a:r>
-                        <a:rPr lang="es-MX" baseline="0" dirty="0" smtClean="0"/>
-                        <a:t>)</a:t>
+                        <a:t> Actual (01/07/2013)</a:t>
                       </a:r>
                       <a:endParaRPr lang="es-MX" dirty="0"/>
                     </a:p>
@@ -11168,7 +10573,7 @@
           <p:nvPr>
             <p:extLst>
               <p:ext uri="{D42A27DB-BD31-4B8C-83A1-F6EECF244321}">
-                <p14:modId xmlns:p14="http://schemas.microsoft.com/office/powerpoint/2010/main" val="1135151924"/>
+                <p14:modId xmlns:p14="http://schemas.microsoft.com/office/powerpoint/2010/main" val="2109741294"/>
               </p:ext>
             </p:extLst>
           </p:nvPr>
@@ -11290,6 +10695,14 @@
                     <a:bodyPr/>
                     <a:lstStyle/>
                     <a:p>
+                      <a:r>
+                        <a:rPr lang="es-MX" dirty="0" smtClean="0">
+                          <a:solidFill>
+                            <a:schemeClr val="tx1"/>
+                          </a:solidFill>
+                        </a:rPr>
+                        <a:t>14/09/2014</a:t>
+                      </a:r>
                       <a:endParaRPr lang="es-ES" dirty="0">
                         <a:solidFill>
                           <a:schemeClr val="tx1"/>
@@ -11313,7 +10726,7 @@
           <p:nvPr>
             <p:extLst>
               <p:ext uri="{D42A27DB-BD31-4B8C-83A1-F6EECF244321}">
-                <p14:modId xmlns:p14="http://schemas.microsoft.com/office/powerpoint/2010/main" val="1319446187"/>
+                <p14:modId xmlns:p14="http://schemas.microsoft.com/office/powerpoint/2010/main" val="2153340259"/>
               </p:ext>
             </p:extLst>
           </p:nvPr>
@@ -11736,7 +11149,7 @@
                         <a:rPr lang="es-ES" sz="1100" u="none" strike="noStrike" dirty="0" smtClean="0">
                           <a:effectLst/>
                         </a:rPr>
-                        <a:t>12:56</a:t>
+                        <a:t>13:06</a:t>
                       </a:r>
                       <a:endParaRPr lang="es-ES" sz="1100" b="0" i="0" u="none" strike="noStrike" dirty="0">
                         <a:solidFill>
@@ -11759,7 +11172,7 @@
                         <a:rPr lang="es-ES" sz="1100" u="none" strike="noStrike" dirty="0" smtClean="0">
                           <a:effectLst/>
                         </a:rPr>
-                        <a:t>0.65</a:t>
+                        <a:t>0.66</a:t>
                       </a:r>
                       <a:endParaRPr lang="es-ES" sz="1100" b="0" i="0" u="none" strike="noStrike" dirty="0">
                         <a:solidFill>
@@ -11786,7 +11199,7 @@
                           <a:effectLst/>
                           <a:latin typeface="Calibri"/>
                         </a:rPr>
-                        <a:t>3:04</a:t>
+                        <a:t>6:54</a:t>
                       </a:r>
                       <a:endParaRPr lang="es-ES" sz="1100" b="0" i="0" u="none" strike="noStrike" dirty="0">
                         <a:solidFill>
@@ -11832,13 +11245,7 @@
                         <a:rPr lang="es-ES" sz="1100" u="none" strike="noStrike" dirty="0" smtClean="0">
                           <a:effectLst/>
                         </a:rPr>
-                        <a:t>1.28</a:t>
-                      </a:r>
-                      <a:r>
-                        <a:rPr lang="es-ES" sz="1100" u="none" strike="noStrike" dirty="0" smtClean="0">
-                          <a:effectLst/>
-                        </a:rPr>
-                        <a:t>%</a:t>
+                        <a:t>1.28%</a:t>
                       </a:r>
                       <a:endParaRPr lang="es-ES" sz="1100" b="0" i="0" u="none" strike="noStrike" dirty="0">
                         <a:solidFill>
@@ -11965,7 +11372,7 @@
                         <a:rPr lang="es-ES" sz="1100" u="none" strike="noStrike" dirty="0" smtClean="0">
                           <a:effectLst/>
                         </a:rPr>
-                        <a:t>43:56</a:t>
+                        <a:t>44:06</a:t>
                       </a:r>
                       <a:endParaRPr lang="es-ES" sz="1100" b="0" i="0" u="none" strike="noStrike" dirty="0">
                         <a:solidFill>
@@ -12015,7 +11422,7 @@
                           <a:effectLst/>
                           <a:latin typeface="Calibri"/>
                         </a:rPr>
-                        <a:t>28:04</a:t>
+                        <a:t>27:54</a:t>
                       </a:r>
                       <a:endParaRPr lang="es-ES" sz="1100" b="0" i="0" u="none" strike="noStrike" dirty="0">
                         <a:solidFill>
@@ -12182,7 +11589,7 @@
                         <a:rPr lang="es-ES" sz="1100" u="none" strike="noStrike" dirty="0" smtClean="0">
                           <a:effectLst/>
                         </a:rPr>
-                        <a:t>10:59</a:t>
+                        <a:t>11:02</a:t>
                       </a:r>
                       <a:endParaRPr lang="es-ES" sz="1100" b="0" i="0" u="none" strike="noStrike" dirty="0">
                         <a:solidFill>
@@ -12232,7 +11639,7 @@
                           <a:effectLst/>
                           <a:latin typeface="Calibri"/>
                         </a:rPr>
-                        <a:t>7:01</a:t>
+                        <a:t>6:58</a:t>
                       </a:r>
                       <a:endParaRPr lang="es-ES" sz="1100" b="0" i="0" u="none" strike="noStrike" dirty="0">
                         <a:solidFill>
@@ -12422,7 +11829,7 @@
                         <a:rPr lang="es-ES" sz="1100" u="none" strike="noStrike" dirty="0" smtClean="0">
                           <a:effectLst/>
                         </a:rPr>
-                        <a:t>1.82</a:t>
+                        <a:t>1.83</a:t>
                       </a:r>
                       <a:endParaRPr lang="es-ES" sz="1100" b="0" i="0" u="none" strike="noStrike" dirty="0">
                         <a:solidFill>
@@ -12634,15 +12041,7 @@
             </a:pPr>
             <a:r>
               <a:rPr lang="es-MX" sz="2400" dirty="0" smtClean="0"/>
-              <a:t>Subestimación </a:t>
-            </a:r>
-            <a:r>
-              <a:rPr lang="es-MX" sz="2400" dirty="0" smtClean="0"/>
-              <a:t>de las actividades </a:t>
-            </a:r>
-            <a:r>
-              <a:rPr lang="es-MX" sz="2400" dirty="0" smtClean="0"/>
-              <a:t>planeadas</a:t>
+              <a:t>Subestimación de las actividades planeadas</a:t>
             </a:r>
           </a:p>
           <a:p>
@@ -12673,7 +12072,6 @@
               <a:rPr lang="es-MX" sz="2400" dirty="0" smtClean="0"/>
               <a:t>Adaptación del proceso completo de desarrollo de código y de desarrollo de ontologías</a:t>
             </a:r>
-            <a:endParaRPr lang="es-MX" sz="2400" dirty="0" smtClean="0"/>
           </a:p>
         </p:txBody>
       </p:sp>
@@ -12736,13 +12134,8 @@
             </a:r>
             <a:r>
               <a:rPr lang="es-MX" sz="2400" dirty="0" smtClean="0"/>
-              <a:t>: Administrar el tiempo para lograr las 4hrs diarias</a:t>
-            </a:r>
-            <a:r>
-              <a:rPr lang="es-MX" sz="2400" dirty="0" smtClean="0"/>
-              <a:t>. </a:t>
-            </a:r>
-            <a:endParaRPr lang="es-MX" sz="2400" dirty="0" smtClean="0"/>
+              <a:t>: Administrar el tiempo para lograr las 4hrs diarias. </a:t>
+            </a:r>
           </a:p>
           <a:p>
             <a:endParaRPr lang="es-MX" sz="2400" dirty="0"/>
@@ -12761,60 +12154,24 @@
               <a:t>: </a:t>
             </a:r>
             <a:r>
-              <a:rPr lang="es-MX" sz="2400" dirty="0">
-                <a:solidFill>
-                  <a:srgbClr val="FF0000"/>
-                </a:solidFill>
-              </a:rPr>
-              <a:t>Con 2 </a:t>
-            </a:r>
-            <a:r>
-              <a:rPr lang="es-MX" sz="2400" dirty="0" err="1" smtClean="0">
-                <a:solidFill>
-                  <a:srgbClr val="FF0000"/>
-                </a:solidFill>
-              </a:rPr>
+              <a:rPr lang="es-MX" sz="2400" dirty="0"/>
+              <a:t>Con 3 </a:t>
+            </a:r>
+            <a:r>
+              <a:rPr lang="es-MX" sz="2400" dirty="0" err="1"/>
               <a:t>hrs</a:t>
             </a:r>
             <a:r>
-              <a:rPr lang="es-MX" sz="2400" dirty="0" smtClean="0">
-                <a:solidFill>
-                  <a:srgbClr val="FF0000"/>
-                </a:solidFill>
-              </a:rPr>
-              <a:t> </a:t>
-            </a:r>
-            <a:r>
-              <a:rPr lang="es-MX" sz="2400" dirty="0">
-                <a:solidFill>
-                  <a:srgbClr val="FF0000"/>
-                </a:solidFill>
-              </a:rPr>
-              <a:t>adicionales y cumpliendo las 20 </a:t>
-            </a:r>
-            <a:r>
-              <a:rPr lang="es-MX" sz="2400" dirty="0" err="1" smtClean="0">
-                <a:solidFill>
-                  <a:srgbClr val="FF0000"/>
-                </a:solidFill>
-              </a:rPr>
+              <a:rPr lang="es-MX" sz="2400" dirty="0"/>
+              <a:t> adicionales y cumpliendo las 20 </a:t>
+            </a:r>
+            <a:r>
+              <a:rPr lang="es-MX" sz="2400" dirty="0" err="1"/>
               <a:t>hrs</a:t>
             </a:r>
             <a:r>
-              <a:rPr lang="es-MX" sz="2400" dirty="0" smtClean="0">
-                <a:solidFill>
-                  <a:srgbClr val="FF0000"/>
-                </a:solidFill>
-              </a:rPr>
-              <a:t> </a:t>
-            </a:r>
-            <a:r>
-              <a:rPr lang="es-MX" sz="2400" dirty="0">
-                <a:solidFill>
-                  <a:srgbClr val="FF0000"/>
-                </a:solidFill>
-              </a:rPr>
-              <a:t>la recuperación pronosticada es 28/10/2013</a:t>
+              <a:rPr lang="es-MX" sz="2400" dirty="0"/>
+              <a:t> la recuperación pronosticada es 21/10/2013</a:t>
             </a:r>
           </a:p>
         </p:txBody>
@@ -12928,11 +12285,7 @@
                     <a:p>
                       <a:r>
                         <a:rPr lang="es-ES" dirty="0" smtClean="0"/>
-                        <a:t>Terminar Mapa </a:t>
-                      </a:r>
-                      <a:r>
-                        <a:rPr lang="es-ES" dirty="0" smtClean="0"/>
-                        <a:t>Estratégico</a:t>
+                        <a:t>Terminar Mapa Estratégico</a:t>
                       </a:r>
                     </a:p>
                   </a:txBody>
@@ -13493,11 +12846,7 @@
                       </a:r>
                       <a:r>
                         <a:rPr lang="es-MX" baseline="0" dirty="0" smtClean="0"/>
-                        <a:t> Recurso </a:t>
-                      </a:r>
-                      <a:r>
-                        <a:rPr lang="es-MX" baseline="0" dirty="0" smtClean="0"/>
-                        <a:t>Asignación de periodos genérico aplicado a Indicadores y Objetivos</a:t>
+                        <a:t> Recurso Asignación de periodos genérico aplicado a Indicadores y Objetivos</a:t>
                       </a:r>
                     </a:p>
                     <a:p>
@@ -13656,7 +13005,7 @@
       </p:sp>
       <p:pic>
         <p:nvPicPr>
-          <p:cNvPr id="3" name="2 Imagen"/>
+          <p:cNvPr id="4" name="3 Imagen"/>
           <p:cNvPicPr>
             <a:picLocks noChangeAspect="1"/>
           </p:cNvPicPr>
@@ -13676,8 +13025,8 @@
         </p:blipFill>
         <p:spPr>
           <a:xfrm>
-            <a:off x="899593" y="1333500"/>
-            <a:ext cx="7527846" cy="5061510"/>
+            <a:off x="1187624" y="1344930"/>
+            <a:ext cx="6984776" cy="4670748"/>
           </a:xfrm>
           <a:prstGeom prst="rect">
             <a:avLst/>
@@ -13977,7 +13326,7 @@
           <p:nvPr>
             <p:extLst>
               <p:ext uri="{D42A27DB-BD31-4B8C-83A1-F6EECF244321}">
-                <p14:modId xmlns:p14="http://schemas.microsoft.com/office/powerpoint/2010/main" val="3464979404"/>
+                <p14:modId xmlns:p14="http://schemas.microsoft.com/office/powerpoint/2010/main" val="2017566871"/>
               </p:ext>
             </p:extLst>
           </p:nvPr>
@@ -14099,7 +13448,7 @@
                     <a:p>
                       <a:r>
                         <a:rPr lang="es-MX" dirty="0" smtClean="0"/>
-                        <a:t>40%</a:t>
+                        <a:t>60%</a:t>
                       </a:r>
                       <a:endParaRPr lang="es-MX" dirty="0"/>
                     </a:p>
@@ -14141,7 +13490,7 @@
                     <a:p>
                       <a:r>
                         <a:rPr lang="es-MX" dirty="0" smtClean="0"/>
-                        <a:t>58%</a:t>
+                        <a:t>38%</a:t>
                       </a:r>
                       <a:endParaRPr lang="es-MX" dirty="0"/>
                     </a:p>
@@ -14255,7 +13604,7 @@
                     <a:p>
                       <a:r>
                         <a:rPr lang="es-MX" dirty="0" smtClean="0"/>
-                        <a:t>47%</a:t>
+                        <a:t>58%</a:t>
                       </a:r>
                       <a:endParaRPr lang="es-MX" dirty="0"/>
                     </a:p>
@@ -14297,7 +13646,7 @@
                     <a:p>
                       <a:r>
                         <a:rPr lang="es-MX" dirty="0" smtClean="0"/>
-                        <a:t>63%</a:t>
+                        <a:t>40%</a:t>
                       </a:r>
                       <a:endParaRPr lang="es-MX" dirty="0"/>
                     </a:p>
@@ -14332,7 +13681,7 @@
           <p:nvPr>
             <p:extLst>
               <p:ext uri="{D42A27DB-BD31-4B8C-83A1-F6EECF244321}">
-                <p14:modId xmlns:p14="http://schemas.microsoft.com/office/powerpoint/2010/main" val="4165249884"/>
+                <p14:modId xmlns:p14="http://schemas.microsoft.com/office/powerpoint/2010/main" val="2085668641"/>
               </p:ext>
             </p:extLst>
           </p:nvPr>
@@ -14417,7 +13766,7 @@
                     <a:p>
                       <a:r>
                         <a:rPr lang="es-MX" sz="1000" dirty="0" smtClean="0"/>
-                        <a:t>17.53</a:t>
+                        <a:t>11.26</a:t>
                       </a:r>
                       <a:endParaRPr lang="es-MX" sz="1000" dirty="0"/>
                     </a:p>
@@ -14431,7 +13780,7 @@
                     <a:p>
                       <a:r>
                         <a:rPr lang="es-MX" sz="1000" dirty="0" smtClean="0"/>
-                        <a:t>2.03%</a:t>
+                        <a:t>1.99%</a:t>
                       </a:r>
                       <a:endParaRPr lang="es-MX" sz="1000" dirty="0"/>
                     </a:p>
@@ -14455,7 +13804,7 @@
                           <a:ea typeface="+mn-ea"/>
                           <a:cs typeface="+mn-cs"/>
                         </a:rPr>
-                        <a:t>68.66</a:t>
+                        <a:t>79.52</a:t>
                       </a:r>
                       <a:endParaRPr lang="es-MX" sz="1000" kern="1200" dirty="0">
                         <a:solidFill>
@@ -14484,7 +13833,7 @@
                           <a:ea typeface="+mn-ea"/>
                           <a:cs typeface="+mn-cs"/>
                         </a:rPr>
-                        <a:t>6.87%</a:t>
+                        <a:t>8.88%</a:t>
                       </a:r>
                       <a:endParaRPr lang="es-MX" sz="1000" kern="1200" dirty="0">
                         <a:solidFill>
@@ -14515,7 +13864,7 @@
                           <a:ea typeface="+mn-ea"/>
                           <a:cs typeface="+mn-cs"/>
                         </a:rPr>
-                        <a:t>22.89</a:t>
+                        <a:t>19.58</a:t>
                       </a:r>
                       <a:endParaRPr lang="es-MX" sz="1000" kern="1200" dirty="0">
                         <a:solidFill>
@@ -14544,7 +13893,7 @@
                           <a:ea typeface="+mn-ea"/>
                           <a:cs typeface="+mn-cs"/>
                         </a:rPr>
-                        <a:t>2.3%</a:t>
+                        <a:t>2.22%</a:t>
                       </a:r>
                       <a:endParaRPr lang="es-MX" sz="1000" kern="1200" dirty="0">
                         <a:solidFill>
@@ -14575,7 +13924,7 @@
                           <a:ea typeface="+mn-ea"/>
                           <a:cs typeface="+mn-cs"/>
                         </a:rPr>
-                        <a:t>-32.95</a:t>
+                        <a:t>-51.29</a:t>
                       </a:r>
                       <a:endParaRPr lang="es-MX" sz="1000" kern="1200" dirty="0">
                         <a:solidFill>
@@ -14614,7 +13963,7 @@
       </p:graphicFrame>
       <p:pic>
         <p:nvPicPr>
-          <p:cNvPr id="2" name="1 Imagen"/>
+          <p:cNvPr id="7" name="6 Imagen"/>
           <p:cNvPicPr>
             <a:picLocks noChangeAspect="1"/>
           </p:cNvPicPr>
@@ -14634,8 +13983,8 @@
         </p:blipFill>
         <p:spPr>
           <a:xfrm>
-            <a:off x="755576" y="1844824"/>
-            <a:ext cx="4518660" cy="1310640"/>
+            <a:off x="683568" y="1556792"/>
+            <a:ext cx="4678680" cy="1744980"/>
           </a:xfrm>
           <a:prstGeom prst="rect">
             <a:avLst/>
@@ -14644,7 +13993,7 @@
       </p:pic>
       <p:pic>
         <p:nvPicPr>
-          <p:cNvPr id="6" name="5 Imagen"/>
+          <p:cNvPr id="9" name="8 Imagen"/>
           <p:cNvPicPr>
             <a:picLocks noChangeAspect="1"/>
           </p:cNvPicPr>
@@ -14664,8 +14013,8 @@
         </p:blipFill>
         <p:spPr>
           <a:xfrm>
-            <a:off x="323528" y="5780789"/>
-            <a:ext cx="8686800" cy="449155"/>
+            <a:off x="539552" y="5805264"/>
+            <a:ext cx="8172400" cy="576064"/>
           </a:xfrm>
           <a:prstGeom prst="rect">
             <a:avLst/>
@@ -14728,12 +14077,216 @@
           <a:p>
             <a:r>
               <a:rPr lang="es-MX" dirty="0" smtClean="0"/>
-              <a:t>Aquí van datos de planeado, real y pronosticado</a:t>
+              <a:t>Fechas Planeadas, Reales y </a:t>
+            </a:r>
+            <a:r>
+              <a:rPr lang="es-MX" dirty="0"/>
+              <a:t>P</a:t>
+            </a:r>
+            <a:r>
+              <a:rPr lang="es-MX" dirty="0" smtClean="0"/>
+              <a:t>ronosticadas</a:t>
             </a:r>
             <a:endParaRPr lang="es-ES" dirty="0"/>
           </a:p>
         </p:txBody>
       </p:sp>
+      <p:graphicFrame>
+        <p:nvGraphicFramePr>
+          <p:cNvPr id="4" name="3 Tabla"/>
+          <p:cNvGraphicFramePr>
+            <a:graphicFrameLocks noGrp="1"/>
+          </p:cNvGraphicFramePr>
+          <p:nvPr>
+            <p:extLst>
+              <p:ext uri="{D42A27DB-BD31-4B8C-83A1-F6EECF244321}">
+                <p14:modId xmlns:p14="http://schemas.microsoft.com/office/powerpoint/2010/main" val="1018647630"/>
+              </p:ext>
+            </p:extLst>
+          </p:nvPr>
+        </p:nvGraphicFramePr>
+        <p:xfrm>
+          <a:off x="1475656" y="1916832"/>
+          <a:ext cx="6096000" cy="1280160"/>
+        </p:xfrm>
+        <a:graphic>
+          <a:graphicData uri="http://schemas.openxmlformats.org/drawingml/2006/table">
+            <a:tbl>
+              <a:tblPr firstRow="1" bandRow="1">
+                <a:tableStyleId>{5C22544A-7EE6-4342-B048-85BDC9FD1C3A}</a:tableStyleId>
+              </a:tblPr>
+              <a:tblGrid>
+                <a:gridCol w="1219200"/>
+                <a:gridCol w="1219200"/>
+                <a:gridCol w="1219200"/>
+                <a:gridCol w="1219200"/>
+                <a:gridCol w="1219200"/>
+              </a:tblGrid>
+              <a:tr h="370840">
+                <a:tc>
+                  <a:txBody>
+                    <a:bodyPr/>
+                    <a:lstStyle/>
+                    <a:p>
+                      <a:r>
+                        <a:rPr lang="es-MX" dirty="0" err="1" smtClean="0"/>
+                        <a:t>Baseline</a:t>
+                      </a:r>
+                      <a:endParaRPr lang="es-ES" dirty="0"/>
+                    </a:p>
+                  </a:txBody>
+                  <a:tcPr/>
+                </a:tc>
+                <a:tc>
+                  <a:txBody>
+                    <a:bodyPr/>
+                    <a:lstStyle/>
+                    <a:p>
+                      <a:r>
+                        <a:rPr lang="es-MX" dirty="0" smtClean="0"/>
+                        <a:t>Plan</a:t>
+                      </a:r>
+                      <a:endParaRPr lang="es-ES" dirty="0"/>
+                    </a:p>
+                  </a:txBody>
+                  <a:tcPr/>
+                </a:tc>
+                <a:tc>
+                  <a:txBody>
+                    <a:bodyPr/>
+                    <a:lstStyle/>
+                    <a:p>
+                      <a:r>
+                        <a:rPr lang="es-MX" dirty="0" smtClean="0"/>
+                        <a:t>Pronóstico</a:t>
+                      </a:r>
+                      <a:endParaRPr lang="es-ES" dirty="0"/>
+                    </a:p>
+                  </a:txBody>
+                  <a:tcPr/>
+                </a:tc>
+                <a:tc>
+                  <a:txBody>
+                    <a:bodyPr/>
+                    <a:lstStyle/>
+                    <a:p>
+                      <a:r>
+                        <a:rPr lang="es-MX" dirty="0" err="1" smtClean="0"/>
+                        <a:t>Replaneada</a:t>
+                      </a:r>
+                      <a:endParaRPr lang="es-ES" dirty="0"/>
+                    </a:p>
+                  </a:txBody>
+                  <a:tcPr/>
+                </a:tc>
+                <a:tc>
+                  <a:txBody>
+                    <a:bodyPr/>
+                    <a:lstStyle/>
+                    <a:p>
+                      <a:r>
+                        <a:rPr lang="es-MX" dirty="0" smtClean="0"/>
+                        <a:t>Optimizado</a:t>
+                      </a:r>
+                      <a:endParaRPr lang="es-ES" dirty="0"/>
+                    </a:p>
+                  </a:txBody>
+                  <a:tcPr/>
+                </a:tc>
+              </a:tr>
+              <a:tr h="370840">
+                <a:tc>
+                  <a:txBody>
+                    <a:bodyPr/>
+                    <a:lstStyle/>
+                    <a:p>
+                      <a:r>
+                        <a:rPr lang="es-MX" dirty="0" smtClean="0"/>
+                        <a:t>03/11/2013</a:t>
+                      </a:r>
+                      <a:endParaRPr lang="es-ES" dirty="0"/>
+                    </a:p>
+                  </a:txBody>
+                  <a:tcPr/>
+                </a:tc>
+                <a:tc>
+                  <a:txBody>
+                    <a:bodyPr/>
+                    <a:lstStyle/>
+                    <a:p>
+                      <a:pPr marL="0" marR="0" indent="0" algn="l" defTabSz="914400" rtl="0" eaLnBrk="1" fontAlgn="auto" latinLnBrk="0" hangingPunct="1">
+                        <a:lnSpc>
+                          <a:spcPct val="100000"/>
+                        </a:lnSpc>
+                        <a:spcBef>
+                          <a:spcPts val="0"/>
+                        </a:spcBef>
+                        <a:spcAft>
+                          <a:spcPts val="0"/>
+                        </a:spcAft>
+                        <a:buClrTx/>
+                        <a:buSzTx/>
+                        <a:buFontTx/>
+                        <a:buNone/>
+                        <a:tabLst/>
+                        <a:defRPr/>
+                      </a:pPr>
+                      <a:r>
+                        <a:rPr lang="es-MX" dirty="0" smtClean="0"/>
+                        <a:t>17/11/2013</a:t>
+                      </a:r>
+                      <a:endParaRPr lang="es-ES" dirty="0"/>
+                    </a:p>
+                  </a:txBody>
+                  <a:tcPr/>
+                </a:tc>
+                <a:tc>
+                  <a:txBody>
+                    <a:bodyPr/>
+                    <a:lstStyle/>
+                    <a:p>
+                      <a:r>
+                        <a:rPr lang="es-MX" dirty="0" smtClean="0"/>
+                        <a:t>15/09/2014</a:t>
+                      </a:r>
+                      <a:endParaRPr lang="es-ES" dirty="0"/>
+                    </a:p>
+                  </a:txBody>
+                  <a:tcPr/>
+                </a:tc>
+                <a:tc>
+                  <a:txBody>
+                    <a:bodyPr/>
+                    <a:lstStyle/>
+                    <a:p>
+                      <a:r>
+                        <a:rPr lang="es-MX" dirty="0" smtClean="0"/>
+                        <a:t>27/11/2013</a:t>
+                      </a:r>
+                      <a:endParaRPr lang="es-ES" dirty="0"/>
+                    </a:p>
+                  </a:txBody>
+                  <a:tcPr/>
+                </a:tc>
+                <a:tc>
+                  <a:txBody>
+                    <a:bodyPr/>
+                    <a:lstStyle/>
+                    <a:p>
+                      <a:r>
+                        <a:rPr lang="es-MX" dirty="0" smtClean="0"/>
+                        <a:t>30/07/2014</a:t>
+                      </a:r>
+                      <a:endParaRPr lang="es-ES" dirty="0"/>
+                    </a:p>
+                  </a:txBody>
+                  <a:tcPr/>
+                </a:tc>
+              </a:tr>
+            </a:tbl>
+          </a:graphicData>
+        </a:graphic>
+      </p:graphicFrame>
     </p:spTree>
     <p:extLst>
       <p:ext uri="{BB962C8B-B14F-4D97-AF65-F5344CB8AC3E}">
@@ -14864,7 +14417,7 @@
         </p:nvSpPr>
         <p:spPr>
           <a:xfrm>
-            <a:off x="304800" y="4437112"/>
+            <a:off x="283489" y="3944874"/>
             <a:ext cx="8534400" cy="533400"/>
           </a:xfrm>
           <a:prstGeom prst="rect">
@@ -14956,14 +14509,14 @@
           <p:nvPr>
             <p:extLst>
               <p:ext uri="{D42A27DB-BD31-4B8C-83A1-F6EECF244321}">
-                <p14:modId xmlns:p14="http://schemas.microsoft.com/office/powerpoint/2010/main" val="3938291821"/>
+                <p14:modId xmlns:p14="http://schemas.microsoft.com/office/powerpoint/2010/main" val="3291511919"/>
               </p:ext>
             </p:extLst>
           </p:nvPr>
         </p:nvGraphicFramePr>
         <p:xfrm>
           <a:off x="762000" y="2362200"/>
-          <a:ext cx="7315200" cy="1478280"/>
+          <a:ext cx="7315200" cy="701040"/>
         </p:xfrm>
         <a:graphic>
           <a:graphicData uri="http://schemas.openxmlformats.org/drawingml/2006/table">
@@ -15015,7 +14568,7 @@
                     <a:p>
                       <a:r>
                         <a:rPr lang="es-MX" sz="1700" dirty="0" smtClean="0"/>
-                        <a:t>Revisión de algunos artefactos de diseño desarrollados a la fecha.</a:t>
+                        <a:t>Ninguna</a:t>
                       </a:r>
                       <a:endParaRPr lang="es-MX" sz="1700" dirty="0"/>
                     </a:p>
@@ -15044,10 +14597,6 @@
                         <a:tabLst/>
                         <a:defRPr/>
                       </a:pPr>
-                      <a:r>
-                        <a:rPr lang="es-MX" sz="1700" dirty="0" smtClean="0"/>
-                        <a:t>Se realizaron comentarios a los propietarios de los artefactos revisados.</a:t>
-                      </a:r>
                       <a:endParaRPr lang="es-MX" sz="1700" dirty="0"/>
                     </a:p>
                   </a:txBody>
@@ -15068,7 +14617,7 @@
         </p:nvSpPr>
         <p:spPr>
           <a:xfrm>
-            <a:off x="340545" y="4994076"/>
+            <a:off x="283489" y="4478274"/>
             <a:ext cx="8534400" cy="533400"/>
           </a:xfrm>
           <a:prstGeom prst="rect">
@@ -15077,11 +14626,11 @@
         </p:spPr>
         <p:txBody>
           <a:bodyPr vert="horz" lIns="91440" tIns="45720" rIns="91440" bIns="45720" rtlCol="0">
-            <a:normAutofit/>
+            <a:normAutofit fontScale="85000" lnSpcReduction="20000"/>
           </a:bodyPr>
           <a:lstStyle/>
           <a:p>
-            <a:pPr marL="342900" marR="0" lvl="0" indent="-342900" algn="l" defTabSz="914400" rtl="0" eaLnBrk="1" fontAlgn="auto" latinLnBrk="0" hangingPunct="1">
+            <a:pPr marL="177800" marR="0" lvl="0" defTabSz="914400" rtl="0" eaLnBrk="1" fontAlgn="auto" latinLnBrk="0" hangingPunct="1">
               <a:lnSpc>
                 <a:spcPct val="100000"/>
               </a:lnSpc>
@@ -15113,8 +14662,73 @@
                 <a:ea typeface="+mn-ea"/>
                 <a:cs typeface="+mn-cs"/>
               </a:rPr>
-              <a:t>Revisar avances de las tareas ejecutadas en la semana</a:t>
-            </a:r>
+              <a:t>Revisar con el equipo la forma en que</a:t>
+            </a:r>
+            <a:r>
+              <a:rPr kumimoji="0" lang="es-MX" sz="2000" b="0" i="0" strike="noStrike" kern="1200" cap="none" spc="0" normalizeH="0" noProof="0" dirty="0" smtClean="0">
+                <a:ln>
+                  <a:noFill/>
+                </a:ln>
+                <a:solidFill>
+                  <a:schemeClr val="tx1"/>
+                </a:solidFill>
+                <a:effectLst/>
+                <a:uLnTx/>
+                <a:uFillTx/>
+                <a:latin typeface="+mn-lt"/>
+                <a:ea typeface="+mn-ea"/>
+                <a:cs typeface="+mn-cs"/>
+              </a:rPr>
+              <a:t> se va a trabajar el desarrollo de los casos de uso en Enterprise </a:t>
+            </a:r>
+            <a:r>
+              <a:rPr kumimoji="0" lang="es-MX" sz="2000" b="0" i="0" strike="noStrike" kern="1200" cap="none" spc="0" normalizeH="0" noProof="0" dirty="0" err="1" smtClean="0">
+                <a:ln>
+                  <a:noFill/>
+                </a:ln>
+                <a:solidFill>
+                  <a:schemeClr val="tx1"/>
+                </a:solidFill>
+                <a:effectLst/>
+                <a:uLnTx/>
+                <a:uFillTx/>
+                <a:latin typeface="+mn-lt"/>
+                <a:ea typeface="+mn-ea"/>
+                <a:cs typeface="+mn-cs"/>
+              </a:rPr>
+              <a:t>Architect</a:t>
+            </a:r>
+            <a:r>
+              <a:rPr kumimoji="0" lang="es-MX" sz="2000" b="0" i="0" strike="noStrike" kern="1200" cap="none" spc="0" normalizeH="0" noProof="0" dirty="0" smtClean="0">
+                <a:ln>
+                  <a:noFill/>
+                </a:ln>
+                <a:solidFill>
+                  <a:schemeClr val="tx1"/>
+                </a:solidFill>
+                <a:effectLst/>
+                <a:uLnTx/>
+                <a:uFillTx/>
+                <a:latin typeface="+mn-lt"/>
+                <a:ea typeface="+mn-ea"/>
+                <a:cs typeface="+mn-cs"/>
+              </a:rPr>
+              <a:t>.</a:t>
+            </a:r>
+            <a:endParaRPr kumimoji="0" lang="es-MX" sz="2000" b="0" i="0" strike="noStrike" kern="1200" cap="none" spc="0" normalizeH="0" baseline="0" noProof="0" dirty="0" smtClean="0">
+              <a:ln>
+                <a:noFill/>
+              </a:ln>
+              <a:solidFill>
+                <a:schemeClr val="tx1"/>
+              </a:solidFill>
+              <a:effectLst/>
+              <a:uLnTx/>
+              <a:uFillTx/>
+              <a:latin typeface="+mn-lt"/>
+              <a:ea typeface="+mn-ea"/>
+              <a:cs typeface="+mn-cs"/>
+            </a:endParaRPr>
           </a:p>
           <a:p>
             <a:pPr marL="342900" marR="0" lvl="0" indent="-342900" algn="l" defTabSz="914400" rtl="0" eaLnBrk="1" fontAlgn="auto" latinLnBrk="0" hangingPunct="1">
@@ -15154,7 +14768,7 @@
     </p:spTree>
     <p:extLst>
       <p:ext uri="{BB962C8B-B14F-4D97-AF65-F5344CB8AC3E}">
-        <p14:creationId xmlns:p14="http://schemas.microsoft.com/office/powerpoint/2010/main" val="831941051"/>
+        <p14:creationId xmlns:p14="http://schemas.microsoft.com/office/powerpoint/2010/main" val="2791914884"/>
       </p:ext>
     </p:extLst>
   </p:cSld>
@@ -15215,6 +14829,438 @@
           </a:p>
         </p:txBody>
       </p:sp>
+      <p:graphicFrame>
+        <p:nvGraphicFramePr>
+          <p:cNvPr id="3" name="2 Tabla"/>
+          <p:cNvGraphicFramePr>
+            <a:graphicFrameLocks noGrp="1"/>
+          </p:cNvGraphicFramePr>
+          <p:nvPr>
+            <p:extLst>
+              <p:ext uri="{D42A27DB-BD31-4B8C-83A1-F6EECF244321}">
+                <p14:modId xmlns:p14="http://schemas.microsoft.com/office/powerpoint/2010/main" val="2702746883"/>
+              </p:ext>
+            </p:extLst>
+          </p:nvPr>
+        </p:nvGraphicFramePr>
+        <p:xfrm>
+          <a:off x="1524000" y="1397000"/>
+          <a:ext cx="6096000" cy="2123440"/>
+        </p:xfrm>
+        <a:graphic>
+          <a:graphicData uri="http://schemas.openxmlformats.org/drawingml/2006/table">
+            <a:tbl>
+              <a:tblPr firstRow="1" bandRow="1">
+                <a:tableStyleId>{5C22544A-7EE6-4342-B048-85BDC9FD1C3A}</a:tableStyleId>
+              </a:tblPr>
+              <a:tblGrid>
+                <a:gridCol w="1524000"/>
+                <a:gridCol w="1524000"/>
+                <a:gridCol w="1524000"/>
+                <a:gridCol w="1524000"/>
+              </a:tblGrid>
+              <a:tr h="370840">
+                <a:tc>
+                  <a:txBody>
+                    <a:bodyPr/>
+                    <a:lstStyle/>
+                    <a:p>
+                      <a:r>
+                        <a:rPr lang="es-MX" dirty="0" err="1" smtClean="0"/>
+                        <a:t>Team</a:t>
+                      </a:r>
+                      <a:r>
+                        <a:rPr lang="es-MX" dirty="0" smtClean="0"/>
+                        <a:t> </a:t>
+                      </a:r>
+                      <a:r>
+                        <a:rPr lang="es-MX" dirty="0" err="1" smtClean="0"/>
+                        <a:t>member</a:t>
+                      </a:r>
+                      <a:endParaRPr lang="es-ES" dirty="0"/>
+                    </a:p>
+                  </a:txBody>
+                  <a:tcPr/>
+                </a:tc>
+                <a:tc>
+                  <a:txBody>
+                    <a:bodyPr/>
+                    <a:lstStyle/>
+                    <a:p>
+                      <a:r>
+                        <a:rPr lang="es-MX" dirty="0" smtClean="0"/>
+                        <a:t>Velocidad</a:t>
+                      </a:r>
+                      <a:endParaRPr lang="es-ES" dirty="0"/>
+                    </a:p>
+                  </a:txBody>
+                  <a:tcPr/>
+                </a:tc>
+                <a:tc>
+                  <a:txBody>
+                    <a:bodyPr/>
+                    <a:lstStyle/>
+                    <a:p>
+                      <a:r>
+                        <a:rPr lang="es-MX" dirty="0" smtClean="0"/>
+                        <a:t>Fecha Pronosticada</a:t>
+                      </a:r>
+                      <a:endParaRPr lang="es-ES" dirty="0"/>
+                    </a:p>
+                  </a:txBody>
+                  <a:tcPr/>
+                </a:tc>
+                <a:tc>
+                  <a:txBody>
+                    <a:bodyPr/>
+                    <a:lstStyle/>
+                    <a:p>
+                      <a:r>
+                        <a:rPr lang="es-MX" dirty="0" err="1" smtClean="0"/>
+                        <a:t>Defase</a:t>
+                      </a:r>
+                      <a:r>
+                        <a:rPr lang="es-MX" dirty="0" smtClean="0"/>
+                        <a:t> en semanas</a:t>
+                      </a:r>
+                      <a:endParaRPr lang="es-ES" dirty="0"/>
+                    </a:p>
+                  </a:txBody>
+                  <a:tcPr/>
+                </a:tc>
+              </a:tr>
+              <a:tr h="370840">
+                <a:tc>
+                  <a:txBody>
+                    <a:bodyPr/>
+                    <a:lstStyle/>
+                    <a:p>
+                      <a:r>
+                        <a:rPr lang="es-MX" dirty="0" smtClean="0"/>
+                        <a:t>CIRI</a:t>
+                      </a:r>
+                      <a:endParaRPr lang="es-ES" dirty="0"/>
+                    </a:p>
+                  </a:txBody>
+                  <a:tcPr/>
+                </a:tc>
+                <a:tc>
+                  <a:txBody>
+                    <a:bodyPr/>
+                    <a:lstStyle/>
+                    <a:p>
+                      <a:r>
+                        <a:rPr lang="es-MX" dirty="0" smtClean="0"/>
+                        <a:t>13.05</a:t>
+                      </a:r>
+                      <a:endParaRPr lang="es-ES" dirty="0"/>
+                    </a:p>
+                  </a:txBody>
+                  <a:tcPr/>
+                </a:tc>
+                <a:tc>
+                  <a:txBody>
+                    <a:bodyPr/>
+                    <a:lstStyle/>
+                    <a:p>
+                      <a:r>
+                        <a:rPr lang="es-MX" dirty="0" smtClean="0"/>
+                        <a:t>21/05/2014</a:t>
+                      </a:r>
+                      <a:endParaRPr lang="es-ES" dirty="0"/>
+                    </a:p>
+                  </a:txBody>
+                  <a:tcPr/>
+                </a:tc>
+                <a:tc>
+                  <a:txBody>
+                    <a:bodyPr/>
+                    <a:lstStyle/>
+                    <a:p>
+                      <a:r>
+                        <a:rPr lang="es-MX" dirty="0" smtClean="0"/>
+                        <a:t>29</a:t>
+                      </a:r>
+                      <a:endParaRPr lang="es-ES" dirty="0"/>
+                    </a:p>
+                  </a:txBody>
+                  <a:tcPr/>
+                </a:tc>
+              </a:tr>
+              <a:tr h="370840">
+                <a:tc>
+                  <a:txBody>
+                    <a:bodyPr/>
+                    <a:lstStyle/>
+                    <a:p>
+                      <a:r>
+                        <a:rPr lang="es-MX" dirty="0" smtClean="0"/>
+                        <a:t>JRJN</a:t>
+                      </a:r>
+                      <a:endParaRPr lang="es-ES" dirty="0"/>
+                    </a:p>
+                  </a:txBody>
+                  <a:tcPr/>
+                </a:tc>
+                <a:tc>
+                  <a:txBody>
+                    <a:bodyPr/>
+                    <a:lstStyle/>
+                    <a:p>
+                      <a:r>
+                        <a:rPr lang="es-MX" dirty="0" smtClean="0"/>
+                        <a:t>11.12</a:t>
+                      </a:r>
+                      <a:endParaRPr lang="es-ES" dirty="0"/>
+                    </a:p>
+                  </a:txBody>
+                  <a:tcPr/>
+                </a:tc>
+                <a:tc>
+                  <a:txBody>
+                    <a:bodyPr/>
+                    <a:lstStyle/>
+                    <a:p>
+                      <a:r>
+                        <a:rPr lang="es-MX" dirty="0" smtClean="0"/>
+                        <a:t>25/08/2014</a:t>
+                      </a:r>
+                      <a:endParaRPr lang="es-ES" dirty="0"/>
+                    </a:p>
+                  </a:txBody>
+                  <a:tcPr/>
+                </a:tc>
+                <a:tc>
+                  <a:txBody>
+                    <a:bodyPr/>
+                    <a:lstStyle/>
+                    <a:p>
+                      <a:r>
+                        <a:rPr lang="es-MX" dirty="0" smtClean="0"/>
+                        <a:t>43</a:t>
+                      </a:r>
+                      <a:endParaRPr lang="es-ES" dirty="0"/>
+                    </a:p>
+                  </a:txBody>
+                  <a:tcPr/>
+                </a:tc>
+              </a:tr>
+              <a:tr h="370840">
+                <a:tc>
+                  <a:txBody>
+                    <a:bodyPr/>
+                    <a:lstStyle/>
+                    <a:p>
+                      <a:r>
+                        <a:rPr lang="es-MX" dirty="0" smtClean="0"/>
+                        <a:t>MEJS</a:t>
+                      </a:r>
+                      <a:endParaRPr lang="es-ES" dirty="0"/>
+                    </a:p>
+                  </a:txBody>
+                  <a:tcPr/>
+                </a:tc>
+                <a:tc>
+                  <a:txBody>
+                    <a:bodyPr/>
+                    <a:lstStyle/>
+                    <a:p>
+                      <a:r>
+                        <a:rPr lang="es-MX" dirty="0" smtClean="0"/>
+                        <a:t>11.02</a:t>
+                      </a:r>
+                      <a:endParaRPr lang="es-ES" dirty="0"/>
+                    </a:p>
+                  </a:txBody>
+                  <a:tcPr/>
+                </a:tc>
+                <a:tc>
+                  <a:txBody>
+                    <a:bodyPr/>
+                    <a:lstStyle/>
+                    <a:p>
+                      <a:r>
+                        <a:rPr lang="es-MX" dirty="0" smtClean="0"/>
+                        <a:t>15/09/2014</a:t>
+                      </a:r>
+                      <a:endParaRPr lang="es-ES" dirty="0"/>
+                    </a:p>
+                  </a:txBody>
+                  <a:tcPr/>
+                </a:tc>
+                <a:tc>
+                  <a:txBody>
+                    <a:bodyPr/>
+                    <a:lstStyle/>
+                    <a:p>
+                      <a:r>
+                        <a:rPr lang="es-MX" dirty="0" smtClean="0"/>
+                        <a:t>46</a:t>
+                      </a:r>
+                      <a:endParaRPr lang="es-ES" dirty="0"/>
+                    </a:p>
+                  </a:txBody>
+                  <a:tcPr/>
+                </a:tc>
+              </a:tr>
+              <a:tr h="370840">
+                <a:tc>
+                  <a:txBody>
+                    <a:bodyPr/>
+                    <a:lstStyle/>
+                    <a:p>
+                      <a:r>
+                        <a:rPr lang="es-MX" dirty="0" smtClean="0"/>
+                        <a:t>Total semanas</a:t>
+                      </a:r>
+                      <a:endParaRPr lang="es-ES" dirty="0"/>
+                    </a:p>
+                  </a:txBody>
+                  <a:tcPr/>
+                </a:tc>
+                <a:tc>
+                  <a:txBody>
+                    <a:bodyPr/>
+                    <a:lstStyle/>
+                    <a:p>
+                      <a:endParaRPr lang="es-ES" dirty="0"/>
+                    </a:p>
+                  </a:txBody>
+                  <a:tcPr/>
+                </a:tc>
+                <a:tc>
+                  <a:txBody>
+                    <a:bodyPr/>
+                    <a:lstStyle/>
+                    <a:p>
+                      <a:endParaRPr lang="es-ES" dirty="0"/>
+                    </a:p>
+                  </a:txBody>
+                  <a:tcPr/>
+                </a:tc>
+                <a:tc>
+                  <a:txBody>
+                    <a:bodyPr/>
+                    <a:lstStyle/>
+                    <a:p>
+                      <a:r>
+                        <a:rPr lang="es-MX" dirty="0" smtClean="0"/>
+                        <a:t>118</a:t>
+                      </a:r>
+                      <a:endParaRPr lang="es-ES" dirty="0"/>
+                    </a:p>
+                  </a:txBody>
+                  <a:tcPr/>
+                </a:tc>
+              </a:tr>
+            </a:tbl>
+          </a:graphicData>
+        </a:graphic>
+      </p:graphicFrame>
+      <p:graphicFrame>
+        <p:nvGraphicFramePr>
+          <p:cNvPr id="4" name="3 Tabla"/>
+          <p:cNvGraphicFramePr>
+            <a:graphicFrameLocks noGrp="1"/>
+          </p:cNvGraphicFramePr>
+          <p:nvPr>
+            <p:extLst>
+              <p:ext uri="{D42A27DB-BD31-4B8C-83A1-F6EECF244321}">
+                <p14:modId xmlns:p14="http://schemas.microsoft.com/office/powerpoint/2010/main" val="679449285"/>
+              </p:ext>
+            </p:extLst>
+          </p:nvPr>
+        </p:nvGraphicFramePr>
+        <p:xfrm>
+          <a:off x="1547664" y="3933056"/>
+          <a:ext cx="6096000" cy="1010920"/>
+        </p:xfrm>
+        <a:graphic>
+          <a:graphicData uri="http://schemas.openxmlformats.org/drawingml/2006/table">
+            <a:tbl>
+              <a:tblPr firstRow="1" bandRow="1">
+                <a:tableStyleId>{5C22544A-7EE6-4342-B048-85BDC9FD1C3A}</a:tableStyleId>
+              </a:tblPr>
+              <a:tblGrid>
+                <a:gridCol w="3048000"/>
+                <a:gridCol w="3048000"/>
+              </a:tblGrid>
+              <a:tr h="370840">
+                <a:tc>
+                  <a:txBody>
+                    <a:bodyPr/>
+                    <a:lstStyle/>
+                    <a:p>
+                      <a:r>
+                        <a:rPr lang="es-MX" dirty="0" smtClean="0"/>
+                        <a:t>Semanas</a:t>
+                      </a:r>
+                      <a:r>
+                        <a:rPr lang="es-MX" baseline="0" dirty="0" smtClean="0"/>
+                        <a:t> Restantes para final proyecto planeado</a:t>
+                      </a:r>
+                      <a:endParaRPr lang="es-ES" dirty="0"/>
+                    </a:p>
+                  </a:txBody>
+                  <a:tcPr/>
+                </a:tc>
+                <a:tc>
+                  <a:txBody>
+                    <a:bodyPr/>
+                    <a:lstStyle/>
+                    <a:p>
+                      <a:r>
+                        <a:rPr lang="es-MX" dirty="0" smtClean="0"/>
+                        <a:t>18</a:t>
+                      </a:r>
+                      <a:endParaRPr lang="es-ES" dirty="0"/>
+                    </a:p>
+                  </a:txBody>
+                  <a:tcPr/>
+                </a:tc>
+              </a:tr>
+              <a:tr h="370840">
+                <a:tc>
+                  <a:txBody>
+                    <a:bodyPr/>
+                    <a:lstStyle/>
+                    <a:p>
+                      <a:r>
+                        <a:rPr lang="es-MX" dirty="0" smtClean="0"/>
+                        <a:t>Recursos</a:t>
+                      </a:r>
+                      <a:r>
+                        <a:rPr lang="es-MX" baseline="0" dirty="0" smtClean="0"/>
+                        <a:t> adicionales</a:t>
+                      </a:r>
+                      <a:endParaRPr lang="es-ES" dirty="0"/>
+                    </a:p>
+                  </a:txBody>
+                  <a:tcPr/>
+                </a:tc>
+                <a:tc>
+                  <a:txBody>
+                    <a:bodyPr/>
+                    <a:lstStyle/>
+                    <a:p>
+                      <a:r>
+                        <a:rPr lang="es-MX" smtClean="0"/>
+                        <a:t>6.55</a:t>
+                      </a:r>
+                      <a:r>
+                        <a:rPr lang="es-MX" baseline="0" smtClean="0"/>
+                        <a:t> </a:t>
+                      </a:r>
+                      <a:endParaRPr lang="es-ES" dirty="0"/>
+                    </a:p>
+                  </a:txBody>
+                  <a:tcPr/>
+                </a:tc>
+              </a:tr>
+            </a:tbl>
+          </a:graphicData>
+        </a:graphic>
+      </p:graphicFrame>
     </p:spTree>
     <p:extLst>
       <p:ext uri="{BB962C8B-B14F-4D97-AF65-F5344CB8AC3E}">
@@ -16417,13 +16463,13 @@
           <a:p>
             <a:r>
               <a:rPr lang="es-MX" dirty="0" smtClean="0"/>
-              <a:t>37 errores en total</a:t>
+              <a:t>46 errores en total</a:t>
             </a:r>
           </a:p>
           <a:p>
             <a:r>
               <a:rPr lang="es-MX" dirty="0" smtClean="0"/>
-              <a:t>Necesario mejorar el tiempo de revisiones de diseño</a:t>
+              <a:t>Demasiados errores eliminados hasta la etapa de pruebas</a:t>
             </a:r>
             <a:endParaRPr lang="es-ES" dirty="0"/>
           </a:p>
@@ -16431,7 +16477,7 @@
       </p:sp>
       <p:pic>
         <p:nvPicPr>
-          <p:cNvPr id="6" name="5 Imagen"/>
+          <p:cNvPr id="7" name="6 Imagen"/>
           <p:cNvPicPr>
             <a:picLocks noChangeAspect="1"/>
           </p:cNvPicPr>
@@ -16451,8 +16497,8 @@
         </p:blipFill>
         <p:spPr>
           <a:xfrm>
-            <a:off x="4572000" y="2361291"/>
-            <a:ext cx="4104456" cy="2916651"/>
+            <a:off x="4381931" y="2388773"/>
+            <a:ext cx="4006493" cy="2730088"/>
           </a:xfrm>
           <a:prstGeom prst="rect">
             <a:avLst/>
@@ -16462,7 +16508,7 @@
     </p:spTree>
     <p:extLst>
       <p:ext uri="{BB962C8B-B14F-4D97-AF65-F5344CB8AC3E}">
-        <p14:creationId xmlns:p14="http://schemas.microsoft.com/office/powerpoint/2010/main" val="1729684875"/>
+        <p14:creationId xmlns:p14="http://schemas.microsoft.com/office/powerpoint/2010/main" val="1140336298"/>
       </p:ext>
     </p:extLst>
   </p:cSld>
@@ -16518,18 +16564,108 @@
         </p:blipFill>
         <p:spPr>
           <a:xfrm>
-            <a:off x="611560" y="764703"/>
-            <a:ext cx="7704856" cy="4750663"/>
+            <a:off x="1331640" y="3846491"/>
+            <a:ext cx="5544616" cy="2495935"/>
           </a:xfrm>
           <a:prstGeom prst="rect">
             <a:avLst/>
           </a:prstGeom>
         </p:spPr>
       </p:pic>
+      <p:pic>
+        <p:nvPicPr>
+          <p:cNvPr id="3" name="2 Imagen"/>
+          <p:cNvPicPr>
+            <a:picLocks noChangeAspect="1"/>
+          </p:cNvPicPr>
+          <p:nvPr/>
+        </p:nvPicPr>
+        <p:blipFill>
+          <a:blip r:embed="rId3">
+            <a:extLst>
+              <a:ext uri="{28A0092B-C50C-407E-A947-70E740481C1C}">
+                <a14:useLocalDpi xmlns:a14="http://schemas.microsoft.com/office/drawing/2010/main" val="0"/>
+              </a:ext>
+            </a:extLst>
+          </a:blip>
+          <a:stretch>
+            <a:fillRect/>
+          </a:stretch>
+        </p:blipFill>
+        <p:spPr>
+          <a:xfrm>
+            <a:off x="1391586" y="942975"/>
+            <a:ext cx="5424724" cy="2414018"/>
+          </a:xfrm>
+          <a:prstGeom prst="rect">
+            <a:avLst/>
+          </a:prstGeom>
+        </p:spPr>
+      </p:pic>
+      <p:sp>
+        <p:nvSpPr>
+          <p:cNvPr id="4" name="3 CuadroTexto"/>
+          <p:cNvSpPr txBox="1"/>
+          <p:nvPr/>
+        </p:nvSpPr>
+        <p:spPr>
+          <a:xfrm>
+            <a:off x="1043608" y="620688"/>
+            <a:ext cx="2592288" cy="369332"/>
+          </a:xfrm>
+          <a:prstGeom prst="rect">
+            <a:avLst/>
+          </a:prstGeom>
+          <a:noFill/>
+        </p:spPr>
+        <p:txBody>
+          <a:bodyPr wrap="square" rtlCol="0">
+            <a:spAutoFit/>
+          </a:bodyPr>
+          <a:lstStyle/>
+          <a:p>
+            <a:r>
+              <a:rPr lang="es-MX" dirty="0" smtClean="0"/>
+              <a:t>Esta semana</a:t>
+            </a:r>
+            <a:endParaRPr lang="es-ES" dirty="0"/>
+          </a:p>
+        </p:txBody>
+      </p:sp>
+      <p:sp>
+        <p:nvSpPr>
+          <p:cNvPr id="5" name="4 CuadroTexto"/>
+          <p:cNvSpPr txBox="1"/>
+          <p:nvPr/>
+        </p:nvSpPr>
+        <p:spPr>
+          <a:xfrm>
+            <a:off x="1043608" y="3496481"/>
+            <a:ext cx="2016224" cy="369332"/>
+          </a:xfrm>
+          <a:prstGeom prst="rect">
+            <a:avLst/>
+          </a:prstGeom>
+          <a:noFill/>
+        </p:spPr>
+        <p:txBody>
+          <a:bodyPr wrap="square" rtlCol="0">
+            <a:spAutoFit/>
+          </a:bodyPr>
+          <a:lstStyle/>
+          <a:p>
+            <a:r>
+              <a:rPr lang="es-MX" dirty="0" smtClean="0"/>
+              <a:t>Semana anterior</a:t>
+            </a:r>
+            <a:endParaRPr lang="es-ES" dirty="0"/>
+          </a:p>
+        </p:txBody>
+      </p:sp>
     </p:spTree>
     <p:extLst>
       <p:ext uri="{BB962C8B-B14F-4D97-AF65-F5344CB8AC3E}">
-        <p14:creationId xmlns:p14="http://schemas.microsoft.com/office/powerpoint/2010/main" val="3155492209"/>
+        <p14:creationId xmlns:p14="http://schemas.microsoft.com/office/powerpoint/2010/main" val="3413444957"/>
       </p:ext>
     </p:extLst>
   </p:cSld>
@@ -16563,34 +16699,6 @@
           <a:chExt cx="0" cy="0"/>
         </a:xfrm>
       </p:grpSpPr>
-      <p:sp>
-        <p:nvSpPr>
-          <p:cNvPr id="3" name="1 Título"/>
-          <p:cNvSpPr>
-            <a:spLocks noGrp="1"/>
-          </p:cNvSpPr>
-          <p:nvPr>
-            <p:ph type="title"/>
-          </p:nvPr>
-        </p:nvSpPr>
-        <p:spPr>
-          <a:xfrm>
-            <a:off x="457200" y="274638"/>
-            <a:ext cx="8229600" cy="778098"/>
-          </a:xfrm>
-        </p:spPr>
-        <p:txBody>
-          <a:bodyPr/>
-          <a:lstStyle/>
-          <a:p>
-            <a:r>
-              <a:rPr lang="es-MX" dirty="0" smtClean="0"/>
-              <a:t>Plan de Calidad</a:t>
-            </a:r>
-            <a:endParaRPr lang="es-MX" dirty="0"/>
-          </a:p>
-        </p:txBody>
-      </p:sp>
       <p:pic>
         <p:nvPicPr>
           <p:cNvPr id="2" name="1 Imagen"/>
@@ -16613,7 +16721,7 @@
         </p:blipFill>
         <p:spPr>
           <a:xfrm>
-            <a:off x="714797" y="1614478"/>
+            <a:off x="5364088" y="1643479"/>
             <a:ext cx="2665462" cy="4450096"/>
           </a:xfrm>
           <a:prstGeom prst="rect">
@@ -16629,7 +16737,7 @@
         </p:nvSpPr>
         <p:spPr>
           <a:xfrm>
-            <a:off x="611560" y="1268760"/>
+            <a:off x="3203848" y="543957"/>
             <a:ext cx="2736304" cy="369332"/>
           </a:xfrm>
           <a:prstGeom prst="rect">
@@ -16643,6 +16751,7 @@
           </a:bodyPr>
           <a:lstStyle/>
           <a:p>
+            <a:pPr algn="ctr"/>
             <a:r>
               <a:rPr lang="es-MX" dirty="0" smtClean="0"/>
               <a:t>Defectos Inyectados</a:t>
@@ -16653,7 +16762,7 @@
       </p:sp>
       <p:pic>
         <p:nvPicPr>
-          <p:cNvPr id="5" name="4 Imagen"/>
+          <p:cNvPr id="7" name="6 Imagen"/>
           <p:cNvPicPr>
             <a:picLocks noChangeAspect="1"/>
           </p:cNvPicPr>
@@ -16661,6 +16770,133 @@
         </p:nvPicPr>
         <p:blipFill>
           <a:blip r:embed="rId3">
+            <a:extLst>
+              <a:ext uri="{28A0092B-C50C-407E-A947-70E740481C1C}">
+                <a14:useLocalDpi xmlns:a14="http://schemas.microsoft.com/office/drawing/2010/main" val="0"/>
+              </a:ext>
+            </a:extLst>
+          </a:blip>
+          <a:stretch>
+            <a:fillRect/>
+          </a:stretch>
+        </p:blipFill>
+        <p:spPr>
+          <a:xfrm>
+            <a:off x="827584" y="1643479"/>
+            <a:ext cx="2809404" cy="4450096"/>
+          </a:xfrm>
+          <a:prstGeom prst="rect">
+            <a:avLst/>
+          </a:prstGeom>
+        </p:spPr>
+      </p:pic>
+      <p:sp>
+        <p:nvSpPr>
+          <p:cNvPr id="9" name="8 CuadroTexto"/>
+          <p:cNvSpPr txBox="1"/>
+          <p:nvPr/>
+        </p:nvSpPr>
+        <p:spPr>
+          <a:xfrm>
+            <a:off x="1403648" y="1108845"/>
+            <a:ext cx="1354282" cy="369332"/>
+          </a:xfrm>
+          <a:prstGeom prst="rect">
+            <a:avLst/>
+          </a:prstGeom>
+          <a:noFill/>
+        </p:spPr>
+        <p:txBody>
+          <a:bodyPr wrap="none" rtlCol="0">
+            <a:spAutoFit/>
+          </a:bodyPr>
+          <a:lstStyle/>
+          <a:p>
+            <a:r>
+              <a:rPr lang="es-MX" dirty="0" smtClean="0"/>
+              <a:t>Esta semana</a:t>
+            </a:r>
+            <a:endParaRPr lang="es-ES" dirty="0"/>
+          </a:p>
+        </p:txBody>
+      </p:sp>
+      <p:sp>
+        <p:nvSpPr>
+          <p:cNvPr id="10" name="9 CuadroTexto"/>
+          <p:cNvSpPr txBox="1"/>
+          <p:nvPr/>
+        </p:nvSpPr>
+        <p:spPr>
+          <a:xfrm>
+            <a:off x="5826132" y="1138983"/>
+            <a:ext cx="1741374" cy="369332"/>
+          </a:xfrm>
+          <a:prstGeom prst="rect">
+            <a:avLst/>
+          </a:prstGeom>
+          <a:noFill/>
+        </p:spPr>
+        <p:txBody>
+          <a:bodyPr wrap="none" rtlCol="0">
+            <a:spAutoFit/>
+          </a:bodyPr>
+          <a:lstStyle/>
+          <a:p>
+            <a:r>
+              <a:rPr lang="es-MX" dirty="0" smtClean="0"/>
+              <a:t>Semana anterior</a:t>
+            </a:r>
+            <a:endParaRPr lang="es-ES" dirty="0"/>
+          </a:p>
+        </p:txBody>
+      </p:sp>
+    </p:spTree>
+    <p:extLst>
+      <p:ext uri="{BB962C8B-B14F-4D97-AF65-F5344CB8AC3E}">
+        <p14:creationId xmlns:p14="http://schemas.microsoft.com/office/powerpoint/2010/main" val="3074851876"/>
+      </p:ext>
+    </p:extLst>
+  </p:cSld>
+  <p:clrMapOvr>
+    <a:masterClrMapping/>
+  </p:clrMapOvr>
+  <p:timing>
+    <p:tnLst>
+      <p:par>
+        <p:cTn id="1" dur="indefinite" restart="never" nodeType="tmRoot"/>
+      </p:par>
+    </p:tnLst>
+  </p:timing>
+</p:sld>
+</file>
+
+<file path=ppt/slides/slide36.xml><?xml version="1.0" encoding="utf-8"?>
+<p:sld xmlns:a="http://schemas.openxmlformats.org/drawingml/2006/main" xmlns:r="http://schemas.openxmlformats.org/officeDocument/2006/relationships" xmlns:p="http://schemas.openxmlformats.org/presentationml/2006/main">
+  <p:cSld>
+    <p:spTree>
+      <p:nvGrpSpPr>
+        <p:cNvPr id="1" name=""/>
+        <p:cNvGrpSpPr/>
+        <p:nvPr/>
+      </p:nvGrpSpPr>
+      <p:grpSpPr>
+        <a:xfrm>
+          <a:off x="0" y="0"/>
+          <a:ext cx="0" cy="0"/>
+          <a:chOff x="0" y="0"/>
+          <a:chExt cx="0" cy="0"/>
+        </a:xfrm>
+      </p:grpSpPr>
+      <p:pic>
+        <p:nvPicPr>
+          <p:cNvPr id="4" name="3 Imagen"/>
+          <p:cNvPicPr>
+            <a:picLocks noChangeAspect="1"/>
+          </p:cNvPicPr>
+          <p:nvPr/>
+        </p:nvPicPr>
+        <p:blipFill>
+          <a:blip r:embed="rId2">
             <a:extLst>
               <a:ext uri="{28A0092B-C50C-407E-A947-70E740481C1C}">
                 <a14:useLocalDpi xmlns:a14="http://schemas.microsoft.com/office/drawing/2010/main" val="0"/>
@@ -16683,14 +16919,14 @@
       </p:pic>
       <p:sp>
         <p:nvSpPr>
-          <p:cNvPr id="6" name="5 CuadroTexto"/>
+          <p:cNvPr id="5" name="4 CuadroTexto"/>
           <p:cNvSpPr txBox="1"/>
           <p:nvPr/>
         </p:nvSpPr>
         <p:spPr>
           <a:xfrm>
-            <a:off x="5156795" y="1268760"/>
-            <a:ext cx="2592288" cy="369332"/>
+            <a:off x="3491880" y="567938"/>
+            <a:ext cx="2232248" cy="369332"/>
           </a:xfrm>
           <a:prstGeom prst="rect">
             <a:avLst/>
@@ -16711,10 +16947,100 @@
           </a:p>
         </p:txBody>
       </p:sp>
+      <p:sp>
+        <p:nvSpPr>
+          <p:cNvPr id="6" name="5 CuadroTexto"/>
+          <p:cNvSpPr txBox="1"/>
+          <p:nvPr/>
+        </p:nvSpPr>
+        <p:spPr>
+          <a:xfrm>
+            <a:off x="1403648" y="1108845"/>
+            <a:ext cx="1354282" cy="369332"/>
+          </a:xfrm>
+          <a:prstGeom prst="rect">
+            <a:avLst/>
+          </a:prstGeom>
+          <a:noFill/>
+        </p:spPr>
+        <p:txBody>
+          <a:bodyPr wrap="none" rtlCol="0">
+            <a:spAutoFit/>
+          </a:bodyPr>
+          <a:lstStyle/>
+          <a:p>
+            <a:r>
+              <a:rPr lang="es-MX" dirty="0" smtClean="0"/>
+              <a:t>Esta semana</a:t>
+            </a:r>
+            <a:endParaRPr lang="es-ES" dirty="0"/>
+          </a:p>
+        </p:txBody>
+      </p:sp>
+      <p:sp>
+        <p:nvSpPr>
+          <p:cNvPr id="7" name="6 CuadroTexto"/>
+          <p:cNvSpPr txBox="1"/>
+          <p:nvPr/>
+        </p:nvSpPr>
+        <p:spPr>
+          <a:xfrm>
+            <a:off x="5826132" y="1138983"/>
+            <a:ext cx="1741374" cy="369332"/>
+          </a:xfrm>
+          <a:prstGeom prst="rect">
+            <a:avLst/>
+          </a:prstGeom>
+          <a:noFill/>
+        </p:spPr>
+        <p:txBody>
+          <a:bodyPr wrap="none" rtlCol="0">
+            <a:spAutoFit/>
+          </a:bodyPr>
+          <a:lstStyle/>
+          <a:p>
+            <a:r>
+              <a:rPr lang="es-MX" dirty="0" smtClean="0"/>
+              <a:t>Semana anterior</a:t>
+            </a:r>
+            <a:endParaRPr lang="es-ES" dirty="0"/>
+          </a:p>
+        </p:txBody>
+      </p:sp>
+      <p:pic>
+        <p:nvPicPr>
+          <p:cNvPr id="8" name="7 Imagen"/>
+          <p:cNvPicPr>
+            <a:picLocks noChangeAspect="1"/>
+          </p:cNvPicPr>
+          <p:nvPr/>
+        </p:nvPicPr>
+        <p:blipFill>
+          <a:blip r:embed="rId3">
+            <a:extLst>
+              <a:ext uri="{28A0092B-C50C-407E-A947-70E740481C1C}">
+                <a14:useLocalDpi xmlns:a14="http://schemas.microsoft.com/office/drawing/2010/main" val="0"/>
+              </a:ext>
+            </a:extLst>
+          </a:blip>
+          <a:stretch>
+            <a:fillRect/>
+          </a:stretch>
+        </p:blipFill>
+        <p:spPr>
+          <a:xfrm>
+            <a:off x="1043608" y="1766547"/>
+            <a:ext cx="3240360" cy="3475459"/>
+          </a:xfrm>
+          <a:prstGeom prst="rect">
+            <a:avLst/>
+          </a:prstGeom>
+        </p:spPr>
+      </p:pic>
     </p:spTree>
     <p:extLst>
       <p:ext uri="{BB962C8B-B14F-4D97-AF65-F5344CB8AC3E}">
-        <p14:creationId xmlns:p14="http://schemas.microsoft.com/office/powerpoint/2010/main" val="3162942088"/>
+        <p14:creationId xmlns:p14="http://schemas.microsoft.com/office/powerpoint/2010/main" val="3359581122"/>
       </p:ext>
     </p:extLst>
   </p:cSld>
@@ -17894,14 +18220,14 @@
           <p:nvPr>
             <p:extLst>
               <p:ext uri="{D42A27DB-BD31-4B8C-83A1-F6EECF244321}">
-                <p14:modId xmlns:p14="http://schemas.microsoft.com/office/powerpoint/2010/main" val="3058433110"/>
+                <p14:modId xmlns:p14="http://schemas.microsoft.com/office/powerpoint/2010/main" val="2212527693"/>
               </p:ext>
             </p:extLst>
           </p:nvPr>
         </p:nvGraphicFramePr>
         <p:xfrm>
-          <a:off x="762000" y="2133600"/>
-          <a:ext cx="7315200" cy="1219200"/>
+          <a:off x="755576" y="2364572"/>
+          <a:ext cx="7315200" cy="2346960"/>
         </p:xfrm>
         <a:graphic>
           <a:graphicData uri="http://schemas.openxmlformats.org/drawingml/2006/table">
@@ -17910,8 +18236,8 @@
                 <a:tableStyleId>{21E4AEA4-8DFA-4A89-87EB-49C32662AFE0}</a:tableStyleId>
               </a:tblPr>
               <a:tblGrid>
-                <a:gridCol w="3657600"/>
-                <a:gridCol w="3657600"/>
+                <a:gridCol w="4170040"/>
+                <a:gridCol w="3145160"/>
               </a:tblGrid>
               <a:tr h="335280">
                 <a:tc>
@@ -17939,6 +18265,49 @@
                         <a:rPr lang="es-MX" sz="1700" dirty="0" smtClean="0"/>
                         <a:t>Comentario</a:t>
                       </a:r>
+                      <a:endParaRPr lang="es-MX" sz="1700" dirty="0"/>
+                    </a:p>
+                  </a:txBody>
+                  <a:tcPr/>
+                </a:tc>
+              </a:tr>
+              <a:tr h="335280">
+                <a:tc>
+                  <a:txBody>
+                    <a:bodyPr/>
+                    <a:lstStyle/>
+                    <a:p>
+                      <a:pPr marL="0" marR="0" indent="0" algn="l" defTabSz="914400" rtl="0" eaLnBrk="1" fontAlgn="auto" latinLnBrk="0" hangingPunct="1">
+                        <a:lnSpc>
+                          <a:spcPct val="100000"/>
+                        </a:lnSpc>
+                        <a:spcBef>
+                          <a:spcPts val="0"/>
+                        </a:spcBef>
+                        <a:spcAft>
+                          <a:spcPts val="0"/>
+                        </a:spcAft>
+                        <a:buClrTx/>
+                        <a:buSzTx/>
+                        <a:buFontTx/>
+                        <a:buNone/>
+                        <a:tabLst/>
+                        <a:defRPr/>
+                      </a:pPr>
+                      <a:r>
+                        <a:rPr lang="es-MX" sz="1700" dirty="0" smtClean="0"/>
+                        <a:t>Adición de información en la presentación del estado de calidad para las juntas semanales.</a:t>
+                      </a:r>
+                      <a:endParaRPr lang="es-MX" sz="1700" baseline="0" dirty="0" smtClean="0"/>
+                    </a:p>
+                  </a:txBody>
+                  <a:tcPr/>
+                </a:tc>
+                <a:tc>
+                  <a:txBody>
+                    <a:bodyPr/>
+                    <a:lstStyle/>
+                    <a:p>
                       <a:endParaRPr lang="es-MX" sz="1700" dirty="0"/>
                     </a:p>
                   </a:txBody>
@@ -18043,7 +18412,7 @@
     </p:spTree>
     <p:extLst>
       <p:ext uri="{BB962C8B-B14F-4D97-AF65-F5344CB8AC3E}">
-        <p14:creationId xmlns:p14="http://schemas.microsoft.com/office/powerpoint/2010/main" val="96261511"/>
+        <p14:creationId xmlns:p14="http://schemas.microsoft.com/office/powerpoint/2010/main" val="1257596808"/>
       </p:ext>
     </p:extLst>
   </p:cSld>
@@ -18431,7 +18800,7 @@
           <p:nvPr>
             <p:extLst>
               <p:ext uri="{D42A27DB-BD31-4B8C-83A1-F6EECF244321}">
-                <p14:modId xmlns:p14="http://schemas.microsoft.com/office/powerpoint/2010/main" val="4114145214"/>
+                <p14:modId xmlns:p14="http://schemas.microsoft.com/office/powerpoint/2010/main" val="924213667"/>
               </p:ext>
             </p:extLst>
           </p:nvPr>
@@ -18529,9 +18898,8 @@
                       </a:r>
                       <a:r>
                         <a:rPr lang="es-MX" sz="1700" dirty="0" smtClean="0"/>
-                        <a:t> eliminarse del WBS</a:t>
-                      </a:r>
-                      <a:endParaRPr lang="es-MX" sz="1700" dirty="0" smtClean="0"/>
+                        <a:t> ser eliminados del WBS</a:t>
+                      </a:r>
                     </a:p>
                   </a:txBody>
                   <a:tcPr/>
@@ -18762,14 +19130,14 @@
           <p:nvPr>
             <p:extLst>
               <p:ext uri="{D42A27DB-BD31-4B8C-83A1-F6EECF244321}">
-                <p14:modId xmlns:p14="http://schemas.microsoft.com/office/powerpoint/2010/main" val="3179631010"/>
+                <p14:modId xmlns:p14="http://schemas.microsoft.com/office/powerpoint/2010/main" val="2903560515"/>
               </p:ext>
             </p:extLst>
           </p:nvPr>
         </p:nvGraphicFramePr>
         <p:xfrm>
-          <a:off x="762000" y="2133600"/>
-          <a:ext cx="7315200" cy="1219200"/>
+          <a:off x="755576" y="2348880"/>
+          <a:ext cx="7315200" cy="1828800"/>
         </p:xfrm>
         <a:graphic>
           <a:graphicData uri="http://schemas.openxmlformats.org/drawingml/2006/table">
@@ -18821,6 +19189,32 @@
                     <a:p>
                       <a:r>
                         <a:rPr lang="es-MX" sz="1700" dirty="0" smtClean="0"/>
+                        <a:t>Actualización del Proceso de Desarrollo de Código en base al PIP generado</a:t>
+                      </a:r>
+                      <a:endParaRPr lang="es-MX" sz="1700" dirty="0"/>
+                    </a:p>
+                  </a:txBody>
+                  <a:tcPr/>
+                </a:tc>
+                <a:tc>
+                  <a:txBody>
+                    <a:bodyPr/>
+                    <a:lstStyle/>
+                    <a:p>
+                      <a:endParaRPr lang="es-MX" sz="1700" dirty="0"/>
+                    </a:p>
+                  </a:txBody>
+                  <a:tcPr/>
+                </a:tc>
+              </a:tr>
+              <a:tr h="335280">
+                <a:tc>
+                  <a:txBody>
+                    <a:bodyPr/>
+                    <a:lstStyle/>
+                    <a:p>
+                      <a:r>
+                        <a:rPr lang="es-MX" sz="1700" dirty="0" smtClean="0"/>
                         <a:t>Revisión de la ejecución del proceso de desarrollo de código por</a:t>
                       </a:r>
                       <a:r>
@@ -18837,14 +19231,6 @@
                     <a:bodyPr/>
                     <a:lstStyle/>
                     <a:p>
-                      <a:r>
-                        <a:rPr lang="es-MX" sz="1700" dirty="0" smtClean="0"/>
-                        <a:t>No se están capturando los tamaños reales</a:t>
-                      </a:r>
-                      <a:r>
-                        <a:rPr lang="es-MX" sz="1700" baseline="0" dirty="0" smtClean="0"/>
-                        <a:t> de los productos terminados.</a:t>
-                      </a:r>
                       <a:endParaRPr lang="es-MX" sz="1700" dirty="0"/>
                     </a:p>
                   </a:txBody>
@@ -18855,10 +19241,248 @@
           </a:graphicData>
         </a:graphic>
       </p:graphicFrame>
+      <p:sp>
+        <p:nvSpPr>
+          <p:cNvPr id="5" name="Content Placeholder 2"/>
+          <p:cNvSpPr txBox="1">
+            <a:spLocks/>
+          </p:cNvSpPr>
+          <p:nvPr/>
+        </p:nvSpPr>
+        <p:spPr>
+          <a:xfrm>
+            <a:off x="279202" y="4478274"/>
+            <a:ext cx="8534400" cy="533400"/>
+          </a:xfrm>
+          <a:prstGeom prst="rect">
+            <a:avLst/>
+          </a:prstGeom>
+        </p:spPr>
+        <p:txBody>
+          <a:bodyPr vert="horz" lIns="91440" tIns="45720" rIns="91440" bIns="45720" rtlCol="0">
+            <a:normAutofit/>
+          </a:bodyPr>
+          <a:lstStyle/>
+          <a:p>
+            <a:pPr marL="342900" marR="0" lvl="0" indent="-342900" algn="l" defTabSz="914400" rtl="0" eaLnBrk="1" fontAlgn="auto" latinLnBrk="0" hangingPunct="1">
+              <a:lnSpc>
+                <a:spcPct val="100000"/>
+              </a:lnSpc>
+              <a:spcBef>
+                <a:spcPct val="20000"/>
+              </a:spcBef>
+              <a:spcAft>
+                <a:spcPts val="0"/>
+              </a:spcAft>
+              <a:buClrTx/>
+              <a:buSzTx/>
+              <a:buFont typeface="Arial" pitchFamily="34" charset="0"/>
+              <a:buNone/>
+              <a:tabLst/>
+              <a:defRPr/>
+            </a:pPr>
+            <a:r>
+              <a:rPr kumimoji="0" lang="es-MX" sz="2000" b="0" i="0" u="sng" strike="noStrike" kern="1200" cap="none" spc="0" normalizeH="0" baseline="0" noProof="0" dirty="0" smtClean="0">
+                <a:ln>
+                  <a:noFill/>
+                </a:ln>
+                <a:solidFill>
+                  <a:schemeClr val="tx1"/>
+                </a:solidFill>
+                <a:effectLst/>
+                <a:uLnTx/>
+                <a:uFillTx/>
+                <a:latin typeface="+mn-lt"/>
+                <a:ea typeface="+mn-ea"/>
+                <a:cs typeface="+mn-cs"/>
+              </a:rPr>
+              <a:t>Pendientes /Atrasos</a:t>
+            </a:r>
+          </a:p>
+          <a:p>
+            <a:pPr marL="342900" marR="0" lvl="0" indent="-342900" algn="l" defTabSz="914400" rtl="0" eaLnBrk="1" fontAlgn="auto" latinLnBrk="0" hangingPunct="1">
+              <a:lnSpc>
+                <a:spcPct val="100000"/>
+              </a:lnSpc>
+              <a:spcBef>
+                <a:spcPct val="20000"/>
+              </a:spcBef>
+              <a:spcAft>
+                <a:spcPts val="0"/>
+              </a:spcAft>
+              <a:buClrTx/>
+              <a:buSzTx/>
+              <a:buFont typeface="Arial" pitchFamily="34" charset="0"/>
+              <a:buNone/>
+              <a:tabLst/>
+              <a:defRPr/>
+            </a:pPr>
+            <a:endParaRPr kumimoji="0" lang="es-MX" sz="2000" b="0" i="0" u="sng" strike="noStrike" kern="1200" cap="none" spc="0" normalizeH="0" baseline="0" noProof="0" dirty="0" smtClean="0">
+              <a:ln>
+                <a:noFill/>
+              </a:ln>
+              <a:solidFill>
+                <a:schemeClr val="tx1"/>
+              </a:solidFill>
+              <a:effectLst/>
+              <a:uLnTx/>
+              <a:uFillTx/>
+              <a:latin typeface="+mn-lt"/>
+              <a:ea typeface="+mn-ea"/>
+              <a:cs typeface="+mn-cs"/>
+            </a:endParaRPr>
+          </a:p>
+        </p:txBody>
+      </p:sp>
+      <p:sp>
+        <p:nvSpPr>
+          <p:cNvPr id="6" name="Content Placeholder 2"/>
+          <p:cNvSpPr txBox="1">
+            <a:spLocks/>
+          </p:cNvSpPr>
+          <p:nvPr/>
+        </p:nvSpPr>
+        <p:spPr>
+          <a:xfrm>
+            <a:off x="258927" y="5011674"/>
+            <a:ext cx="8534400" cy="533400"/>
+          </a:xfrm>
+          <a:prstGeom prst="rect">
+            <a:avLst/>
+          </a:prstGeom>
+        </p:spPr>
+        <p:txBody>
+          <a:bodyPr vert="horz" lIns="91440" tIns="45720" rIns="91440" bIns="45720" rtlCol="0">
+            <a:normAutofit fontScale="85000" lnSpcReduction="20000"/>
+          </a:bodyPr>
+          <a:lstStyle/>
+          <a:p>
+            <a:pPr marL="177800" marR="0" lvl="0" defTabSz="914400" rtl="0" eaLnBrk="1" fontAlgn="auto" latinLnBrk="0" hangingPunct="1">
+              <a:lnSpc>
+                <a:spcPct val="100000"/>
+              </a:lnSpc>
+              <a:spcBef>
+                <a:spcPct val="20000"/>
+              </a:spcBef>
+              <a:spcAft>
+                <a:spcPts val="0"/>
+              </a:spcAft>
+              <a:buClrTx/>
+              <a:buSzTx/>
+              <a:buFont typeface="Arial" pitchFamily="34" charset="0"/>
+              <a:buNone/>
+              <a:tabLst/>
+              <a:defRPr/>
+            </a:pPr>
+            <a:r>
+              <a:rPr lang="es-MX" sz="2000" dirty="0"/>
+              <a:t>M</a:t>
+            </a:r>
+            <a:r>
+              <a:rPr kumimoji="0" lang="es-MX" sz="2000" b="0" i="0" strike="noStrike" kern="1200" cap="none" spc="0" normalizeH="0" baseline="0" noProof="0" dirty="0" err="1" smtClean="0">
+                <a:ln>
+                  <a:noFill/>
+                </a:ln>
+                <a:solidFill>
+                  <a:schemeClr val="tx1"/>
+                </a:solidFill>
+                <a:effectLst/>
+                <a:uLnTx/>
+                <a:uFillTx/>
+                <a:latin typeface="+mn-lt"/>
+                <a:ea typeface="+mn-ea"/>
+                <a:cs typeface="+mn-cs"/>
+              </a:rPr>
+              <a:t>odificar</a:t>
+            </a:r>
+            <a:r>
+              <a:rPr kumimoji="0" lang="es-MX" sz="2000" b="0" i="0" strike="noStrike" kern="1200" cap="none" spc="0" normalizeH="0" baseline="0" noProof="0" dirty="0" smtClean="0">
+                <a:ln>
+                  <a:noFill/>
+                </a:ln>
+                <a:solidFill>
+                  <a:schemeClr val="tx1"/>
+                </a:solidFill>
+                <a:effectLst/>
+                <a:uLnTx/>
+                <a:uFillTx/>
+                <a:latin typeface="+mn-lt"/>
+                <a:ea typeface="+mn-ea"/>
+                <a:cs typeface="+mn-cs"/>
+              </a:rPr>
+              <a:t> el Proceso</a:t>
+            </a:r>
+            <a:r>
+              <a:rPr kumimoji="0" lang="es-MX" sz="2000" b="0" i="0" strike="noStrike" kern="1200" cap="none" spc="0" normalizeH="0" noProof="0" dirty="0" smtClean="0">
+                <a:ln>
+                  <a:noFill/>
+                </a:ln>
+                <a:solidFill>
+                  <a:schemeClr val="tx1"/>
+                </a:solidFill>
+                <a:effectLst/>
+                <a:uLnTx/>
+                <a:uFillTx/>
+                <a:latin typeface="+mn-lt"/>
+                <a:ea typeface="+mn-ea"/>
+                <a:cs typeface="+mn-cs"/>
+              </a:rPr>
+              <a:t> de Desarrollo de Ontologías, en base a las necesidades detectadas previamente.</a:t>
+            </a:r>
+            <a:endParaRPr kumimoji="0" lang="es-MX" sz="2000" b="0" i="0" strike="noStrike" kern="1200" cap="none" spc="0" normalizeH="0" baseline="0" noProof="0" dirty="0" smtClean="0">
+              <a:ln>
+                <a:noFill/>
+              </a:ln>
+              <a:solidFill>
+                <a:schemeClr val="tx1"/>
+              </a:solidFill>
+              <a:effectLst/>
+              <a:uLnTx/>
+              <a:uFillTx/>
+              <a:latin typeface="+mn-lt"/>
+              <a:ea typeface="+mn-ea"/>
+              <a:cs typeface="+mn-cs"/>
+            </a:endParaRPr>
+          </a:p>
+          <a:p>
+            <a:pPr marL="342900" marR="0" lvl="0" indent="-342900" algn="l" defTabSz="914400" rtl="0" eaLnBrk="1" fontAlgn="auto" latinLnBrk="0" hangingPunct="1">
+              <a:lnSpc>
+                <a:spcPct val="100000"/>
+              </a:lnSpc>
+              <a:spcBef>
+                <a:spcPct val="20000"/>
+              </a:spcBef>
+              <a:spcAft>
+                <a:spcPts val="0"/>
+              </a:spcAft>
+              <a:buClrTx/>
+              <a:buSzTx/>
+              <a:buFont typeface="Arial" pitchFamily="34" charset="0"/>
+              <a:buNone/>
+              <a:tabLst/>
+              <a:defRPr/>
+            </a:pPr>
+            <a:endParaRPr kumimoji="0" lang="es-MX" sz="2000" b="0" i="0" u="sng" strike="noStrike" kern="1200" cap="none" spc="0" normalizeH="0" baseline="0" noProof="0" dirty="0" smtClean="0">
+              <a:ln>
+                <a:noFill/>
+              </a:ln>
+              <a:solidFill>
+                <a:schemeClr val="tx1"/>
+              </a:solidFill>
+              <a:effectLst/>
+              <a:uLnTx/>
+              <a:uFillTx/>
+              <a:latin typeface="+mn-lt"/>
+              <a:ea typeface="+mn-ea"/>
+              <a:cs typeface="+mn-cs"/>
+            </a:endParaRPr>
+          </a:p>
+        </p:txBody>
+      </p:sp>
     </p:spTree>
     <p:extLst>
       <p:ext uri="{BB962C8B-B14F-4D97-AF65-F5344CB8AC3E}">
-        <p14:creationId xmlns:p14="http://schemas.microsoft.com/office/powerpoint/2010/main" val="1483900708"/>
+        <p14:creationId xmlns:p14="http://schemas.microsoft.com/office/powerpoint/2010/main" val="895564850"/>
       </p:ext>
     </p:extLst>
   </p:cSld>

--- a/swbproys/gestor-bsc/doc/weekly/04_20130701/Junta semanal interna.pptx
+++ b/swbproys/gestor-bsc/doc/weekly/04_20130701/Junta semanal interna.pptx
@@ -17151,99 +17151,6 @@
           </a:p>
         </p:txBody>
       </p:sp>
-      <p:sp>
-        <p:nvSpPr>
-          <p:cNvPr id="5" name="Content Placeholder 2"/>
-          <p:cNvSpPr txBox="1">
-            <a:spLocks/>
-          </p:cNvSpPr>
-          <p:nvPr/>
-        </p:nvSpPr>
-        <p:spPr>
-          <a:xfrm>
-            <a:off x="345385" y="4149080"/>
-            <a:ext cx="8534400" cy="533400"/>
-          </a:xfrm>
-          <a:prstGeom prst="rect">
-            <a:avLst/>
-          </a:prstGeom>
-        </p:spPr>
-        <p:txBody>
-          <a:bodyPr vert="horz" lIns="91440" tIns="45720" rIns="91440" bIns="45720" rtlCol="0">
-            <a:normAutofit/>
-          </a:bodyPr>
-          <a:lstStyle/>
-          <a:p>
-            <a:pPr marL="342900" marR="0" lvl="0" indent="-342900" algn="l" defTabSz="914400" rtl="0" eaLnBrk="1" fontAlgn="auto" latinLnBrk="0" hangingPunct="1">
-              <a:lnSpc>
-                <a:spcPct val="100000"/>
-              </a:lnSpc>
-              <a:spcBef>
-                <a:spcPct val="20000"/>
-              </a:spcBef>
-              <a:spcAft>
-                <a:spcPts val="0"/>
-              </a:spcAft>
-              <a:buClrTx/>
-              <a:buSzTx/>
-              <a:buFont typeface="Arial" pitchFamily="34" charset="0"/>
-              <a:buNone/>
-              <a:tabLst/>
-              <a:defRPr/>
-            </a:pPr>
-            <a:r>
-              <a:rPr kumimoji="0" lang="es-MX" sz="2000" b="0" i="0" u="sng" strike="noStrike" kern="1200" cap="none" spc="0" normalizeH="0" baseline="0" noProof="0" dirty="0" smtClean="0">
-                <a:ln>
-                  <a:noFill/>
-                </a:ln>
-                <a:solidFill>
-                  <a:schemeClr val="tx1"/>
-                </a:solidFill>
-                <a:effectLst/>
-                <a:uLnTx/>
-                <a:uFillTx/>
-                <a:latin typeface="+mn-lt"/>
-                <a:ea typeface="+mn-ea"/>
-                <a:cs typeface="+mn-cs"/>
-              </a:rPr>
-              <a:t>Pendientes /Atrasos</a:t>
-            </a:r>
-          </a:p>
-          <a:p>
-            <a:pPr marL="342900" marR="0" lvl="0" indent="-342900" algn="l" defTabSz="914400" rtl="0" eaLnBrk="1" fontAlgn="auto" latinLnBrk="0" hangingPunct="1">
-              <a:lnSpc>
-                <a:spcPct val="100000"/>
-              </a:lnSpc>
-              <a:spcBef>
-                <a:spcPct val="20000"/>
-              </a:spcBef>
-              <a:spcAft>
-                <a:spcPts val="0"/>
-              </a:spcAft>
-              <a:buClrTx/>
-              <a:buSzTx/>
-              <a:buFont typeface="Arial" pitchFamily="34" charset="0"/>
-              <a:buNone/>
-              <a:tabLst/>
-              <a:defRPr/>
-            </a:pPr>
-            <a:endParaRPr kumimoji="0" lang="es-MX" sz="2000" b="0" i="0" u="sng" strike="noStrike" kern="1200" cap="none" spc="0" normalizeH="0" baseline="0" noProof="0" dirty="0" smtClean="0">
-              <a:ln>
-                <a:noFill/>
-              </a:ln>
-              <a:solidFill>
-                <a:schemeClr val="tx1"/>
-              </a:solidFill>
-              <a:effectLst/>
-              <a:uLnTx/>
-              <a:uFillTx/>
-              <a:latin typeface="+mn-lt"/>
-              <a:ea typeface="+mn-ea"/>
-              <a:cs typeface="+mn-cs"/>
-            </a:endParaRPr>
-          </a:p>
-        </p:txBody>
-      </p:sp>
       <p:graphicFrame>
         <p:nvGraphicFramePr>
           <p:cNvPr id="6" name="Table 5"/>
@@ -17253,14 +17160,14 @@
           <p:nvPr>
             <p:extLst>
               <p:ext uri="{D42A27DB-BD31-4B8C-83A1-F6EECF244321}">
-                <p14:modId xmlns:p14="http://schemas.microsoft.com/office/powerpoint/2010/main" val="3105697667"/>
+                <p14:modId xmlns:p14="http://schemas.microsoft.com/office/powerpoint/2010/main" val="2156096923"/>
               </p:ext>
             </p:extLst>
           </p:nvPr>
         </p:nvGraphicFramePr>
         <p:xfrm>
           <a:off x="755576" y="2066061"/>
-          <a:ext cx="7315200" cy="1996440"/>
+          <a:ext cx="7315200" cy="2865120"/>
         </p:xfrm>
         <a:graphic>
           <a:graphicData uri="http://schemas.openxmlformats.org/drawingml/2006/table">
@@ -17313,7 +17220,7 @@
                       <a:r>
                         <a:rPr lang="es-MX" sz="1700" dirty="0" smtClean="0">
                           <a:solidFill>
-                            <a:srgbClr val="FF0000"/>
+                            <a:schemeClr val="tx1"/>
                           </a:solidFill>
                         </a:rPr>
                         <a:t>Revisión de clases en </a:t>
@@ -17321,14 +17228,14 @@
                       <a:r>
                         <a:rPr lang="es-MX" sz="1700" dirty="0" err="1" smtClean="0">
                           <a:solidFill>
-                            <a:srgbClr val="FF0000"/>
+                            <a:schemeClr val="tx1"/>
                           </a:solidFill>
                         </a:rPr>
                         <a:t>subversion</a:t>
                       </a:r>
                       <a:endParaRPr lang="es-MX" sz="1700" dirty="0">
                         <a:solidFill>
-                          <a:srgbClr val="FF0000"/>
+                          <a:schemeClr val="tx1"/>
                         </a:solidFill>
                       </a:endParaRPr>
                     </a:p>
@@ -17360,7 +17267,7 @@
                       <a:r>
                         <a:rPr lang="es-MX" sz="1700" dirty="0" smtClean="0">
                           <a:solidFill>
-                            <a:srgbClr val="FF0000"/>
+                            <a:schemeClr val="tx1"/>
                           </a:solidFill>
                         </a:rPr>
                         <a:t>Revisar que se cumplan</a:t>
@@ -17368,15 +17275,31 @@
                       <a:r>
                         <a:rPr lang="es-MX" sz="1700" baseline="0" dirty="0" smtClean="0">
                           <a:solidFill>
-                            <a:srgbClr val="FF0000"/>
+                            <a:schemeClr val="tx1"/>
                           </a:solidFill>
                         </a:rPr>
-                        <a:t> con las convenciones de código, debido a que no  están documentadas las clases. Existen muchas líneas de código comentadas no utilizadas. Verificar que su </a:t>
+                        <a:t> con las convenciones de código, debido a que no  están documentadas las clases. Existen muchas líneas de código comentadas no </a:t>
+                      </a:r>
+                      <a:r>
+                        <a:rPr lang="es-MX" sz="1700" baseline="0" dirty="0" smtClean="0">
+                          <a:solidFill>
+                            <a:schemeClr val="tx1"/>
+                          </a:solidFill>
+                        </a:rPr>
+                        <a:t>utilizadas. Quitar los comentarios de consola. Verificar </a:t>
+                      </a:r>
+                      <a:r>
+                        <a:rPr lang="es-MX" sz="1700" baseline="0" dirty="0" smtClean="0">
+                          <a:solidFill>
+                            <a:schemeClr val="tx1"/>
+                          </a:solidFill>
+                        </a:rPr>
+                        <a:t>que su </a:t>
                       </a:r>
                       <a:r>
                         <a:rPr lang="es-MX" sz="1700" baseline="0" dirty="0" err="1" smtClean="0">
                           <a:solidFill>
-                            <a:srgbClr val="FF0000"/>
+                            <a:schemeClr val="tx1"/>
                           </a:solidFill>
                         </a:rPr>
                         <a:t>checklist</a:t>
@@ -17384,97 +17307,17 @@
                       <a:r>
                         <a:rPr lang="es-MX" sz="1700" baseline="0" dirty="0" smtClean="0">
                           <a:solidFill>
-                            <a:srgbClr val="FF0000"/>
+                            <a:schemeClr val="tx1"/>
                           </a:solidFill>
                         </a:rPr>
                         <a:t> de revisión contemple estos detalles.</a:t>
                       </a:r>
                       <a:endParaRPr lang="es-MX" sz="1700" dirty="0" smtClean="0">
                         <a:solidFill>
-                          <a:srgbClr val="FF0000"/>
+                          <a:schemeClr val="tx1"/>
                         </a:solidFill>
                       </a:endParaRPr>
                     </a:p>
-                    <a:p>
-                      <a:endParaRPr lang="es-MX" sz="1700" dirty="0">
-                        <a:solidFill>
-                          <a:srgbClr val="FF0000"/>
-                        </a:solidFill>
-                      </a:endParaRPr>
-                    </a:p>
-                  </a:txBody>
-                  <a:tcPr/>
-                </a:tc>
-              </a:tr>
-            </a:tbl>
-          </a:graphicData>
-        </a:graphic>
-      </p:graphicFrame>
-      <p:graphicFrame>
-        <p:nvGraphicFramePr>
-          <p:cNvPr id="7" name="Table 6"/>
-          <p:cNvGraphicFramePr>
-            <a:graphicFrameLocks noGrp="1"/>
-          </p:cNvGraphicFramePr>
-          <p:nvPr>
-            <p:extLst>
-              <p:ext uri="{D42A27DB-BD31-4B8C-83A1-F6EECF244321}">
-                <p14:modId xmlns:p14="http://schemas.microsoft.com/office/powerpoint/2010/main" val="2362282225"/>
-              </p:ext>
-            </p:extLst>
-          </p:nvPr>
-        </p:nvGraphicFramePr>
-        <p:xfrm>
-          <a:off x="611560" y="4869160"/>
-          <a:ext cx="7315200" cy="1051560"/>
-        </p:xfrm>
-        <a:graphic>
-          <a:graphicData uri="http://schemas.openxmlformats.org/drawingml/2006/table">
-            <a:tbl>
-              <a:tblPr firstRow="1" bandRow="1">
-                <a:tableStyleId>{21E4AEA4-8DFA-4A89-87EB-49C32662AFE0}</a:tableStyleId>
-              </a:tblPr>
-              <a:tblGrid>
-                <a:gridCol w="3657600"/>
-                <a:gridCol w="3657600"/>
-              </a:tblGrid>
-              <a:tr h="335280">
-                <a:tc>
-                  <a:txBody>
-                    <a:bodyPr/>
-                    <a:lstStyle/>
-                    <a:p>
-                      <a:pPr algn="ctr"/>
-                      <a:r>
-                        <a:rPr lang="es-MX" sz="1700" dirty="0" smtClean="0"/>
-                        <a:t>Tarea</a:t>
-                      </a:r>
-                      <a:endParaRPr lang="es-MX" sz="1700" dirty="0"/>
-                    </a:p>
-                  </a:txBody>
-                  <a:tcPr/>
-                </a:tc>
-                <a:tc>
-                  <a:txBody>
-                    <a:bodyPr/>
-                    <a:lstStyle/>
-                    <a:p>
-                      <a:pPr algn="ctr"/>
-                      <a:r>
-                        <a:rPr lang="es-MX" sz="1700" dirty="0" smtClean="0"/>
-                        <a:t>Comentario</a:t>
-                      </a:r>
-                      <a:endParaRPr lang="es-MX" sz="1700" dirty="0"/>
-                    </a:p>
-                  </a:txBody>
-                  <a:tcPr/>
-                </a:tc>
-              </a:tr>
-              <a:tr h="335280">
-                <a:tc>
-                  <a:txBody>
-                    <a:bodyPr/>
-                    <a:lstStyle/>
                     <a:p>
                       <a:endParaRPr lang="es-MX" sz="1700" dirty="0">
                         <a:solidFill>
@@ -17485,12 +17328,45 @@
                   </a:txBody>
                   <a:tcPr/>
                 </a:tc>
-                <a:tc>
-                  <a:txBody>
-                    <a:bodyPr/>
-                    <a:lstStyle/>
-                    <a:p>
-                      <a:pPr algn="ctr"/>
+              </a:tr>
+              <a:tr h="335280">
+                <a:tc>
+                  <a:txBody>
+                    <a:bodyPr/>
+                    <a:lstStyle/>
+                    <a:p>
+                      <a:r>
+                        <a:rPr lang="es-MX" sz="1700" dirty="0" smtClean="0">
+                          <a:solidFill>
+                            <a:schemeClr val="tx1"/>
+                          </a:solidFill>
+                        </a:rPr>
+                        <a:t>Definir comentarios</a:t>
+                      </a:r>
+                      <a:r>
+                        <a:rPr lang="es-MX" sz="1700" baseline="0" dirty="0" smtClean="0">
+                          <a:solidFill>
+                            <a:schemeClr val="tx1"/>
+                          </a:solidFill>
+                        </a:rPr>
+                        <a:t> de interfaces y clases en </a:t>
+                      </a:r>
+                      <a:r>
+                        <a:rPr lang="es-MX" sz="1700" baseline="0" dirty="0" err="1" smtClean="0">
+                          <a:solidFill>
+                            <a:schemeClr val="tx1"/>
+                          </a:solidFill>
+                        </a:rPr>
+                        <a:t>ontologia</a:t>
+                      </a:r>
+                      <a:r>
+                        <a:rPr lang="es-MX" sz="1700" baseline="0" dirty="0" smtClean="0">
+                          <a:solidFill>
+                            <a:schemeClr val="tx1"/>
+                          </a:solidFill>
+                        </a:rPr>
+                        <a:t> </a:t>
+                      </a:r>
                       <a:endParaRPr lang="es-MX" sz="1700" dirty="0">
                         <a:solidFill>
                           <a:schemeClr val="tx1"/>
@@ -17500,25 +17376,16 @@
                   </a:txBody>
                   <a:tcPr/>
                 </a:tc>
-              </a:tr>
-              <a:tr h="335280">
-                <a:tc>
-                  <a:txBody>
-                    <a:bodyPr/>
-                    <a:lstStyle/>
-                    <a:p>
-                      <a:endParaRPr lang="es-MX" sz="1700" dirty="0"/>
-                    </a:p>
-                  </a:txBody>
-                  <a:tcPr/>
-                </a:tc>
-                <a:tc>
-                  <a:txBody>
-                    <a:bodyPr/>
-                    <a:lstStyle/>
-                    <a:p>
-                      <a:pPr algn="ctr"/>
-                      <a:endParaRPr lang="es-MX" sz="1700" dirty="0"/>
+                <a:tc>
+                  <a:txBody>
+                    <a:bodyPr/>
+                    <a:lstStyle/>
+                    <a:p>
+                      <a:endParaRPr lang="es-MX" sz="1700" dirty="0">
+                        <a:solidFill>
+                          <a:schemeClr val="tx1"/>
+                        </a:solidFill>
+                      </a:endParaRPr>
                     </a:p>
                   </a:txBody>
                   <a:tcPr/>

--- a/swbproys/gestor-bsc/doc/weekly/04_20130701/Junta semanal interna.pptx
+++ b/swbproys/gestor-bsc/doc/weekly/04_20130701/Junta semanal interna.pptx
@@ -3846,7 +3846,7 @@
         <p:spPr>
           <a:xfrm>
             <a:off x="381000" y="1066800"/>
-            <a:ext cx="8534400" cy="1143000"/>
+            <a:ext cx="8534400" cy="489992"/>
           </a:xfrm>
         </p:spPr>
         <p:txBody>
@@ -3860,29 +3860,13 @@
             </a:pPr>
             <a:r>
               <a:rPr lang="es-MX" sz="2400" dirty="0" smtClean="0"/>
-              <a:t>Responsable: Carlos Ramos Incháustegui</a:t>
-            </a:r>
-          </a:p>
-          <a:p>
-            <a:pPr>
-              <a:buNone/>
-            </a:pPr>
-            <a:endParaRPr lang="es-MX" sz="1100" dirty="0" smtClean="0"/>
-          </a:p>
-          <a:p>
-            <a:pPr>
-              <a:buNone/>
-            </a:pPr>
-            <a:r>
-              <a:rPr lang="es-MX" sz="2000" u="sng" dirty="0" smtClean="0"/>
-              <a:t>Ejecutadas en la semana</a:t>
-            </a:r>
-          </a:p>
-          <a:p>
-            <a:pPr>
-              <a:buNone/>
-            </a:pPr>
-            <a:endParaRPr lang="es-MX" sz="2000" u="sng" dirty="0" smtClean="0"/>
+              <a:t>Responsable: Carlos Ramos </a:t>
+            </a:r>
+            <a:r>
+              <a:rPr lang="es-MX" sz="2400" dirty="0" smtClean="0"/>
+              <a:t>Incháustegui</a:t>
+            </a:r>
+            <a:endParaRPr lang="es-MX" sz="2400" dirty="0" smtClean="0"/>
           </a:p>
         </p:txBody>
       </p:sp>
@@ -3895,14 +3879,14 @@
           <p:nvPr>
             <p:extLst>
               <p:ext uri="{D42A27DB-BD31-4B8C-83A1-F6EECF244321}">
-                <p14:modId xmlns:p14="http://schemas.microsoft.com/office/powerpoint/2010/main" val="775934697"/>
+                <p14:modId xmlns:p14="http://schemas.microsoft.com/office/powerpoint/2010/main" val="3413634650"/>
               </p:ext>
             </p:extLst>
           </p:nvPr>
         </p:nvGraphicFramePr>
         <p:xfrm>
-          <a:off x="762000" y="2204864"/>
-          <a:ext cx="7315200" cy="1219200"/>
+          <a:off x="762000" y="1556792"/>
+          <a:ext cx="7315200" cy="2484120"/>
         </p:xfrm>
         <a:graphic>
           <a:graphicData uri="http://schemas.openxmlformats.org/drawingml/2006/table">
@@ -3923,7 +3907,7 @@
                       <a:pPr algn="ctr"/>
                       <a:r>
                         <a:rPr lang="es-MX" sz="1700" dirty="0" smtClean="0"/>
-                        <a:t>Tarea</a:t>
+                        <a:t>Tareas ejecutadas en la semana</a:t>
                       </a:r>
                       <a:endParaRPr lang="es-MX" sz="1700" dirty="0"/>
                     </a:p>
@@ -3953,12 +3937,26 @@
                     <a:lstStyle/>
                     <a:p>
                       <a:r>
-                        <a:rPr lang="es-MX" sz="1700" dirty="0" smtClean="0"/>
-                        <a:t>Pruebas internas</a:t>
-                      </a:r>
-                      <a:r>
-                        <a:rPr lang="es-MX" sz="1700" baseline="0" dirty="0" smtClean="0"/>
-                        <a:t> </a:t>
+                        <a:rPr lang="es-MX" sz="1600" baseline="0" dirty="0" smtClean="0"/>
+                        <a:t>Asignar períodos a elementos </a:t>
+                      </a:r>
+                      <a:endParaRPr lang="es-MX" sz="1600" baseline="0" dirty="0" smtClean="0"/>
+                    </a:p>
+                  </a:txBody>
+                  <a:tcPr/>
+                </a:tc>
+                <a:tc>
+                  <a:txBody>
+                    <a:bodyPr/>
+                    <a:lstStyle/>
+                    <a:p>
+                      <a:pPr marL="0" indent="0">
+                        <a:buFont typeface="Arial" pitchFamily="34" charset="0"/>
+                        <a:buNone/>
+                      </a:pPr>
+                      <a:r>
+                        <a:rPr lang="es-MX" sz="1600" baseline="0" dirty="0" smtClean="0"/>
+                        <a:t>Probar por:</a:t>
                       </a:r>
                     </a:p>
                     <a:p>
@@ -3967,23 +3965,73 @@
                         <a:buChar char="•"/>
                       </a:pPr>
                       <a:r>
-                        <a:rPr lang="es-MX" sz="1700" baseline="0" dirty="0" smtClean="0"/>
-                        <a:t>Evidencias de pruebas realizadas.</a:t>
-                      </a:r>
-                    </a:p>
-                  </a:txBody>
-                  <a:tcPr/>
-                </a:tc>
-                <a:tc>
-                  <a:txBody>
-                    <a:bodyPr/>
-                    <a:lstStyle/>
-                    <a:p>
-                      <a:r>
-                        <a:rPr lang="es-MX" sz="1700" baseline="0" dirty="0" smtClean="0"/>
-                        <a:t>A petición del equipo llevaremos documentos de evidencias de las pruebas realizadas.</a:t>
-                      </a:r>
-                      <a:endParaRPr lang="es-MX" sz="1700" dirty="0"/>
+                        <a:rPr lang="es-MX" sz="1600" baseline="0" dirty="0" smtClean="0"/>
+                        <a:t>Comportamiento (eliminar, desactivar)</a:t>
+                      </a:r>
+                    </a:p>
+                    <a:p>
+                      <a:pPr marL="285750" indent="-285750">
+                        <a:buFont typeface="Arial" pitchFamily="34" charset="0"/>
+                        <a:buChar char="•"/>
+                      </a:pPr>
+                      <a:r>
+                        <a:rPr lang="es-MX" sz="1600" baseline="0" dirty="0" smtClean="0"/>
+                        <a:t>Validez (asignar sólo activos y accesibles por el usuario)</a:t>
+                      </a:r>
+                      <a:endParaRPr lang="es-MX" sz="1600" baseline="0" dirty="0" smtClean="0"/>
+                    </a:p>
+                  </a:txBody>
+                  <a:tcPr/>
+                </a:tc>
+              </a:tr>
+              <a:tr h="335280">
+                <a:tc>
+                  <a:txBody>
+                    <a:bodyPr/>
+                    <a:lstStyle/>
+                    <a:p>
+                      <a:r>
+                        <a:rPr lang="es-MX" sz="1600" baseline="0" dirty="0" smtClean="0"/>
+                        <a:t>Asignar estados a elementos</a:t>
+                      </a:r>
+                      <a:endParaRPr lang="es-MX" sz="1600" baseline="0" dirty="0" smtClean="0"/>
+                    </a:p>
+                  </a:txBody>
+                  <a:tcPr/>
+                </a:tc>
+                <a:tc>
+                  <a:txBody>
+                    <a:bodyPr/>
+                    <a:lstStyle/>
+                    <a:p>
+                      <a:pPr marL="0" indent="0">
+                        <a:buFont typeface="Arial" pitchFamily="34" charset="0"/>
+                        <a:buNone/>
+                      </a:pPr>
+                      <a:r>
+                        <a:rPr lang="es-MX" sz="1600" baseline="0" dirty="0" smtClean="0"/>
+                        <a:t>Probar por:</a:t>
+                      </a:r>
+                    </a:p>
+                    <a:p>
+                      <a:pPr marL="285750" indent="-285750">
+                        <a:buFont typeface="Arial" pitchFamily="34" charset="0"/>
+                        <a:buChar char="•"/>
+                      </a:pPr>
+                      <a:r>
+                        <a:rPr lang="es-MX" sz="1600" baseline="0" dirty="0" smtClean="0"/>
+                        <a:t>Comportamiento (eliminar, desactivar)</a:t>
+                      </a:r>
+                    </a:p>
+                    <a:p>
+                      <a:pPr marL="285750" indent="-285750">
+                        <a:buFont typeface="Arial" pitchFamily="34" charset="0"/>
+                        <a:buChar char="•"/>
+                      </a:pPr>
+                      <a:r>
+                        <a:rPr lang="es-MX" sz="1600" baseline="0" dirty="0" smtClean="0"/>
+                        <a:t>Validez (asignar sólo activos y accesibles por el usuario)</a:t>
+                      </a:r>
                     </a:p>
                   </a:txBody>
                   <a:tcPr/>
@@ -3993,99 +4041,6 @@
           </a:graphicData>
         </a:graphic>
       </p:graphicFrame>
-      <p:sp>
-        <p:nvSpPr>
-          <p:cNvPr id="5" name="Content Placeholder 2"/>
-          <p:cNvSpPr txBox="1">
-            <a:spLocks/>
-          </p:cNvSpPr>
-          <p:nvPr/>
-        </p:nvSpPr>
-        <p:spPr>
-          <a:xfrm>
-            <a:off x="323528" y="3789040"/>
-            <a:ext cx="8534400" cy="533400"/>
-          </a:xfrm>
-          <a:prstGeom prst="rect">
-            <a:avLst/>
-          </a:prstGeom>
-        </p:spPr>
-        <p:txBody>
-          <a:bodyPr vert="horz" lIns="91440" tIns="45720" rIns="91440" bIns="45720" rtlCol="0">
-            <a:normAutofit/>
-          </a:bodyPr>
-          <a:lstStyle/>
-          <a:p>
-            <a:pPr marL="342900" marR="0" lvl="0" indent="-342900" algn="l" defTabSz="914400" rtl="0" eaLnBrk="1" fontAlgn="auto" latinLnBrk="0" hangingPunct="1">
-              <a:lnSpc>
-                <a:spcPct val="100000"/>
-              </a:lnSpc>
-              <a:spcBef>
-                <a:spcPct val="20000"/>
-              </a:spcBef>
-              <a:spcAft>
-                <a:spcPts val="0"/>
-              </a:spcAft>
-              <a:buClrTx/>
-              <a:buSzTx/>
-              <a:buFont typeface="Arial" pitchFamily="34" charset="0"/>
-              <a:buNone/>
-              <a:tabLst/>
-              <a:defRPr/>
-            </a:pPr>
-            <a:r>
-              <a:rPr kumimoji="0" lang="es-MX" sz="2000" b="0" i="0" u="sng" strike="noStrike" kern="1200" cap="none" spc="0" normalizeH="0" baseline="0" noProof="0" dirty="0" smtClean="0">
-                <a:ln>
-                  <a:noFill/>
-                </a:ln>
-                <a:solidFill>
-                  <a:schemeClr val="tx1"/>
-                </a:solidFill>
-                <a:effectLst/>
-                <a:uLnTx/>
-                <a:uFillTx/>
-                <a:latin typeface="+mn-lt"/>
-                <a:ea typeface="+mn-ea"/>
-                <a:cs typeface="+mn-cs"/>
-              </a:rPr>
-              <a:t>Pendientes /Atrasos</a:t>
-            </a:r>
-          </a:p>
-          <a:p>
-            <a:pPr marL="342900" marR="0" lvl="0" indent="-342900" algn="l" defTabSz="914400" rtl="0" eaLnBrk="1" fontAlgn="auto" latinLnBrk="0" hangingPunct="1">
-              <a:lnSpc>
-                <a:spcPct val="100000"/>
-              </a:lnSpc>
-              <a:spcBef>
-                <a:spcPct val="20000"/>
-              </a:spcBef>
-              <a:spcAft>
-                <a:spcPts val="0"/>
-              </a:spcAft>
-              <a:buClrTx/>
-              <a:buSzTx/>
-              <a:buFont typeface="Arial" pitchFamily="34" charset="0"/>
-              <a:buNone/>
-              <a:tabLst/>
-              <a:defRPr/>
-            </a:pPr>
-            <a:endParaRPr kumimoji="0" lang="es-MX" sz="2000" b="0" i="0" u="sng" strike="noStrike" kern="1200" cap="none" spc="0" normalizeH="0" baseline="0" noProof="0" dirty="0" smtClean="0">
-              <a:ln>
-                <a:noFill/>
-              </a:ln>
-              <a:solidFill>
-                <a:schemeClr val="tx1"/>
-              </a:solidFill>
-              <a:effectLst/>
-              <a:uLnTx/>
-              <a:uFillTx/>
-              <a:latin typeface="+mn-lt"/>
-              <a:ea typeface="+mn-ea"/>
-              <a:cs typeface="+mn-cs"/>
-            </a:endParaRPr>
-          </a:p>
-        </p:txBody>
-      </p:sp>
       <p:graphicFrame>
         <p:nvGraphicFramePr>
           <p:cNvPr id="7" name="Table 5"/>
@@ -4095,14 +4050,14 @@
           <p:nvPr>
             <p:extLst>
               <p:ext uri="{D42A27DB-BD31-4B8C-83A1-F6EECF244321}">
-                <p14:modId xmlns:p14="http://schemas.microsoft.com/office/powerpoint/2010/main" val="2827763377"/>
+                <p14:modId xmlns:p14="http://schemas.microsoft.com/office/powerpoint/2010/main" val="67057957"/>
               </p:ext>
             </p:extLst>
           </p:nvPr>
         </p:nvGraphicFramePr>
         <p:xfrm>
-          <a:off x="743123" y="4365104"/>
-          <a:ext cx="7315200" cy="1219200"/>
+          <a:off x="743123" y="4149080"/>
+          <a:ext cx="7315200" cy="2484120"/>
         </p:xfrm>
         <a:graphic>
           <a:graphicData uri="http://schemas.openxmlformats.org/drawingml/2006/table">
@@ -4123,7 +4078,11 @@
                       <a:pPr algn="ctr"/>
                       <a:r>
                         <a:rPr lang="es-MX" sz="1700" dirty="0" smtClean="0"/>
-                        <a:t>Tarea</a:t>
+                        <a:t>Tarea pendientes</a:t>
+                      </a:r>
+                      <a:r>
+                        <a:rPr lang="es-MX" sz="1700" baseline="0" dirty="0" smtClean="0"/>
+                        <a:t> y atrasos</a:t>
                       </a:r>
                       <a:endParaRPr lang="es-MX" sz="1700" dirty="0"/>
                     </a:p>
@@ -4153,10 +4112,10 @@
                     <a:lstStyle/>
                     <a:p>
                       <a:r>
-                        <a:rPr lang="es-MX" sz="1700" dirty="0" smtClean="0"/>
+                        <a:rPr lang="es-MX" sz="1600" dirty="0" smtClean="0"/>
                         <a:t>Pruebas integrales</a:t>
                       </a:r>
-                      <a:endParaRPr lang="es-MX" sz="1700" baseline="0" dirty="0" smtClean="0"/>
+                      <a:endParaRPr lang="es-MX" sz="1600" baseline="0" dirty="0" smtClean="0"/>
                     </a:p>
                     <a:p>
                       <a:pPr marL="285750" indent="-285750">
@@ -4164,8 +4123,8 @@
                         <a:buChar char="•"/>
                       </a:pPr>
                       <a:r>
-                        <a:rPr lang="es-MX" sz="1700" baseline="0" dirty="0" smtClean="0"/>
-                        <a:t>Períodos</a:t>
+                        <a:rPr lang="es-MX" sz="1600" baseline="0" dirty="0" smtClean="0"/>
+                        <a:t>Objetivos</a:t>
                       </a:r>
                     </a:p>
                     <a:p>
@@ -4174,23 +4133,161 @@
                         <a:buChar char="•"/>
                       </a:pPr>
                       <a:r>
-                        <a:rPr lang="es-MX" sz="1700" baseline="0" dirty="0" smtClean="0"/>
-                        <a:t>Estados</a:t>
-                      </a:r>
-                    </a:p>
-                  </a:txBody>
-                  <a:tcPr/>
-                </a:tc>
-                <a:tc>
-                  <a:txBody>
-                    <a:bodyPr/>
-                    <a:lstStyle/>
-                    <a:p>
-                      <a:r>
-                        <a:rPr lang="es-MX" sz="1700" dirty="0" smtClean="0"/>
-                        <a:t>Ninguna</a:t>
-                      </a:r>
-                      <a:endParaRPr lang="es-MX" sz="1700" dirty="0"/>
+                        <a:rPr lang="es-MX" sz="1600" baseline="0" dirty="0" smtClean="0"/>
+                        <a:t>Indicadores</a:t>
+                      </a:r>
+                      <a:endParaRPr lang="es-MX" sz="1600" baseline="0" dirty="0" smtClean="0"/>
+                    </a:p>
+                  </a:txBody>
+                  <a:tcPr/>
+                </a:tc>
+                <a:tc>
+                  <a:txBody>
+                    <a:bodyPr/>
+                    <a:lstStyle/>
+                    <a:p>
+                      <a:pPr marL="0" indent="0">
+                        <a:buFont typeface="Arial" pitchFamily="34" charset="0"/>
+                        <a:buNone/>
+                      </a:pPr>
+                      <a:r>
+                        <a:rPr lang="es-MX" sz="1600" dirty="0" smtClean="0"/>
+                        <a:t>Probar por:</a:t>
+                      </a:r>
+                    </a:p>
+                    <a:p>
+                      <a:pPr marL="285750" indent="-285750">
+                        <a:buFont typeface="Arial" pitchFamily="34" charset="0"/>
+                        <a:buChar char="•"/>
+                      </a:pPr>
+                      <a:r>
+                        <a:rPr lang="es-MX" sz="1600" dirty="0" smtClean="0"/>
+                        <a:t>Asignación coherente</a:t>
+                      </a:r>
+                      <a:r>
+                        <a:rPr lang="es-MX" sz="1600" baseline="0" dirty="0" smtClean="0"/>
+                        <a:t> de períodos</a:t>
+                      </a:r>
+                    </a:p>
+                    <a:p>
+                      <a:pPr marL="285750" indent="-285750">
+                        <a:buFont typeface="Arial" pitchFamily="34" charset="0"/>
+                        <a:buChar char="•"/>
+                      </a:pPr>
+                      <a:r>
+                        <a:rPr lang="es-MX" sz="1600" baseline="0" dirty="0" smtClean="0"/>
+                        <a:t>Asignación coherente de periodicidad</a:t>
+                      </a:r>
+                    </a:p>
+                    <a:p>
+                      <a:pPr marL="285750" indent="-285750">
+                        <a:buFont typeface="Arial" pitchFamily="34" charset="0"/>
+                        <a:buChar char="•"/>
+                      </a:pPr>
+                      <a:r>
+                        <a:rPr lang="es-MX" sz="1600" baseline="0" dirty="0" smtClean="0"/>
+                        <a:t>Asignación coherente de estados</a:t>
+                      </a:r>
+                    </a:p>
+                  </a:txBody>
+                  <a:tcPr/>
+                </a:tc>
+              </a:tr>
+              <a:tr h="335280">
+                <a:tc>
+                  <a:txBody>
+                    <a:bodyPr/>
+                    <a:lstStyle/>
+                    <a:p>
+                      <a:pPr marL="0" marR="0" indent="0" algn="l" defTabSz="914400" rtl="0" eaLnBrk="1" fontAlgn="auto" latinLnBrk="0" hangingPunct="1">
+                        <a:lnSpc>
+                          <a:spcPct val="100000"/>
+                        </a:lnSpc>
+                        <a:spcBef>
+                          <a:spcPts val="0"/>
+                        </a:spcBef>
+                        <a:spcAft>
+                          <a:spcPts val="0"/>
+                        </a:spcAft>
+                        <a:buClrTx/>
+                        <a:buSzTx/>
+                        <a:buFont typeface="Arial" pitchFamily="34" charset="0"/>
+                        <a:buNone/>
+                        <a:tabLst/>
+                        <a:defRPr/>
+                      </a:pPr>
+                      <a:r>
+                        <a:rPr lang="es-MX" sz="1600" baseline="0" dirty="0" smtClean="0"/>
+                        <a:t>Pruebas unitarias para:</a:t>
+                      </a:r>
+                    </a:p>
+                    <a:p>
+                      <a:pPr marL="285750" marR="0" indent="-285750" algn="l" defTabSz="914400" rtl="0" eaLnBrk="1" fontAlgn="auto" latinLnBrk="0" hangingPunct="1">
+                        <a:lnSpc>
+                          <a:spcPct val="100000"/>
+                        </a:lnSpc>
+                        <a:spcBef>
+                          <a:spcPts val="0"/>
+                        </a:spcBef>
+                        <a:spcAft>
+                          <a:spcPts val="0"/>
+                        </a:spcAft>
+                        <a:buClrTx/>
+                        <a:buSzTx/>
+                        <a:buFont typeface="Arial" pitchFamily="34" charset="0"/>
+                        <a:buChar char="•"/>
+                        <a:tabLst/>
+                        <a:defRPr/>
+                      </a:pPr>
+                      <a:r>
+                        <a:rPr lang="es-MX" sz="1600" baseline="0" dirty="0" smtClean="0"/>
+                        <a:t>Asignar periodicidad a elementos</a:t>
+                      </a:r>
+                    </a:p>
+                    <a:p>
+                      <a:pPr marL="0" indent="0">
+                        <a:buFont typeface="Arial" pitchFamily="34" charset="0"/>
+                        <a:buNone/>
+                      </a:pPr>
+                      <a:endParaRPr lang="es-MX" sz="1600" baseline="0" dirty="0" smtClean="0"/>
+                    </a:p>
+                  </a:txBody>
+                  <a:tcPr/>
+                </a:tc>
+                <a:tc>
+                  <a:txBody>
+                    <a:bodyPr/>
+                    <a:lstStyle/>
+                    <a:p>
+                      <a:pPr marL="0" indent="0">
+                        <a:buFont typeface="Arial" pitchFamily="34" charset="0"/>
+                        <a:buNone/>
+                      </a:pPr>
+                      <a:r>
+                        <a:rPr lang="es-MX" sz="1600" baseline="0" dirty="0" smtClean="0"/>
+                        <a:t>Probar por:</a:t>
+                      </a:r>
+                    </a:p>
+                    <a:p>
+                      <a:pPr marL="285750" indent="-285750">
+                        <a:buFont typeface="Arial" pitchFamily="34" charset="0"/>
+                        <a:buChar char="•"/>
+                      </a:pPr>
+                      <a:r>
+                        <a:rPr lang="es-MX" sz="1600" baseline="0" dirty="0" smtClean="0"/>
+                        <a:t>Comportamiento (eliminar, desactivar)</a:t>
+                      </a:r>
+                    </a:p>
+                    <a:p>
+                      <a:pPr marL="285750" indent="-285750">
+                        <a:buFont typeface="Arial" pitchFamily="34" charset="0"/>
+                        <a:buChar char="•"/>
+                      </a:pPr>
+                      <a:r>
+                        <a:rPr lang="es-MX" sz="1600" baseline="0" dirty="0" smtClean="0"/>
+                        <a:t>Validez (asignar sólo activos y accesibles por el usuario)</a:t>
+                      </a:r>
+                      <a:endParaRPr lang="es-MX" sz="1600" baseline="0" dirty="0" smtClean="0"/>
                     </a:p>
                   </a:txBody>
                   <a:tcPr/>
@@ -4453,11 +4550,13 @@
         <p:spPr>
           <a:xfrm>
             <a:off x="457200" y="274638"/>
-            <a:ext cx="8229600" cy="1143000"/>
+            <a:ext cx="8229600" cy="706090"/>
           </a:xfrm>
         </p:spPr>
         <p:txBody>
-          <a:bodyPr/>
+          <a:bodyPr>
+            <a:normAutofit fontScale="90000"/>
+          </a:bodyPr>
           <a:lstStyle/>
           <a:p>
             <a:r>
@@ -4480,7 +4579,7 @@
         </p:nvSpPr>
         <p:spPr>
           <a:xfrm>
-            <a:off x="457200" y="3611488"/>
+            <a:off x="457200" y="3501008"/>
             <a:ext cx="8229600" cy="609600"/>
           </a:xfrm>
         </p:spPr>
@@ -4507,13 +4606,13 @@
           <p:nvPr>
             <p:extLst>
               <p:ext uri="{D42A27DB-BD31-4B8C-83A1-F6EECF244321}">
-                <p14:modId xmlns:p14="http://schemas.microsoft.com/office/powerpoint/2010/main" val="4149347257"/>
+                <p14:modId xmlns:p14="http://schemas.microsoft.com/office/powerpoint/2010/main" val="1223407604"/>
               </p:ext>
             </p:extLst>
           </p:nvPr>
         </p:nvGraphicFramePr>
         <p:xfrm>
-          <a:off x="1219200" y="4393912"/>
+          <a:off x="1219200" y="4110608"/>
           <a:ext cx="6705600" cy="1483360"/>
         </p:xfrm>
         <a:graphic>
@@ -4549,7 +4648,15 @@
                       </a:r>
                       <a:r>
                         <a:rPr lang="es-MX" baseline="0" dirty="0" smtClean="0"/>
-                        <a:t> Actual (24/06/2013)</a:t>
+                        <a:t> Actual </a:t>
+                      </a:r>
+                      <a:r>
+                        <a:rPr lang="es-MX" baseline="0" dirty="0" smtClean="0"/>
+                        <a:t>(01/07/2013</a:t>
+                      </a:r>
+                      <a:r>
+                        <a:rPr lang="es-MX" baseline="0" dirty="0" smtClean="0"/>
+                        <a:t>)</a:t>
                       </a:r>
                       <a:endParaRPr lang="es-MX" dirty="0"/>
                     </a:p>
@@ -4853,1235 +4960,198 @@
           </a:graphicData>
         </a:graphic>
       </p:graphicFrame>
+      <p:pic>
+        <p:nvPicPr>
+          <p:cNvPr id="1025" name="Picture 1"/>
+          <p:cNvPicPr>
+            <a:picLocks noChangeAspect="1" noChangeArrowheads="1"/>
+          </p:cNvPicPr>
+          <p:nvPr/>
+        </p:nvPicPr>
+        <p:blipFill>
+          <a:blip r:embed="rId2">
+            <a:extLst>
+              <a:ext uri="{28A0092B-C50C-407E-A947-70E740481C1C}">
+                <a14:useLocalDpi xmlns:a14="http://schemas.microsoft.com/office/drawing/2010/main" val="0"/>
+              </a:ext>
+            </a:extLst>
+          </a:blip>
+          <a:srcRect/>
+          <a:stretch>
+            <a:fillRect/>
+          </a:stretch>
+        </p:blipFill>
+        <p:spPr bwMode="auto">
+          <a:xfrm>
+            <a:off x="276225" y="1124744"/>
+            <a:ext cx="8591550" cy="2295525"/>
+          </a:xfrm>
+          <a:prstGeom prst="rect">
+            <a:avLst/>
+          </a:prstGeom>
+          <a:noFill/>
+          <a:ln>
+            <a:noFill/>
+          </a:ln>
+          <a:effectLst/>
+          <a:extLst>
+            <a:ext uri="{909E8E84-426E-40DD-AFC4-6F175D3DCCD1}">
+              <a14:hiddenFill xmlns:a14="http://schemas.microsoft.com/office/drawing/2010/main">
+                <a:solidFill>
+                  <a:schemeClr val="accent1"/>
+                </a:solidFill>
+              </a14:hiddenFill>
+            </a:ext>
+            <a:ext uri="{91240B29-F687-4F45-9708-019B960494DF}">
+              <a14:hiddenLine xmlns:a14="http://schemas.microsoft.com/office/drawing/2010/main" w="9525">
+                <a:solidFill>
+                  <a:schemeClr val="tx1"/>
+                </a:solidFill>
+                <a:miter lim="800000"/>
+                <a:headEnd/>
+                <a:tailEnd/>
+              </a14:hiddenLine>
+            </a:ext>
+            <a:ext uri="{AF507438-7753-43E0-B8FC-AC1667EBCBE1}">
+              <a14:hiddenEffects xmlns:a14="http://schemas.microsoft.com/office/drawing/2010/main">
+                <a:effectLst>
+                  <a:outerShdw dist="35921" dir="2700000" algn="ctr" rotWithShape="0">
+                    <a:schemeClr val="bg2"/>
+                  </a:outerShdw>
+                </a:effectLst>
+              </a14:hiddenEffects>
+            </a:ext>
+          </a:extLst>
+        </p:spPr>
+      </p:pic>
       <p:graphicFrame>
         <p:nvGraphicFramePr>
-          <p:cNvPr id="6" name="5 Tabla"/>
+          <p:cNvPr id="9" name="8 Tabla"/>
           <p:cNvGraphicFramePr>
             <a:graphicFrameLocks noGrp="1"/>
           </p:cNvGraphicFramePr>
           <p:nvPr>
             <p:extLst>
               <p:ext uri="{D42A27DB-BD31-4B8C-83A1-F6EECF244321}">
-                <p14:modId xmlns:p14="http://schemas.microsoft.com/office/powerpoint/2010/main" val="214957242"/>
+                <p14:modId xmlns:p14="http://schemas.microsoft.com/office/powerpoint/2010/main" val="1219531785"/>
               </p:ext>
             </p:extLst>
           </p:nvPr>
         </p:nvGraphicFramePr>
         <p:xfrm>
-          <a:off x="673100" y="1268760"/>
-          <a:ext cx="7797800" cy="2286000"/>
+          <a:off x="1223250" y="5745192"/>
+          <a:ext cx="6696744" cy="741680"/>
         </p:xfrm>
         <a:graphic>
           <a:graphicData uri="http://schemas.openxmlformats.org/drawingml/2006/table">
             <a:tbl>
-              <a:tblPr>
-                <a:tableStyleId>{5C22544A-7EE6-4342-B048-85BDC9FD1C3A}</a:tableStyleId>
+              <a:tblPr firstRow="1" bandRow="1">
+                <a:effectLst>
+                  <a:outerShdw blurRad="50800" dist="38100" dir="2700000" algn="tl" rotWithShape="0">
+                    <a:prstClr val="black">
+                      <a:alpha val="40000"/>
+                    </a:prstClr>
+                  </a:outerShdw>
+                </a:effectLst>
+                <a:tableStyleId>{1E171933-4619-4E11-9A3F-F7608DF75F80}</a:tableStyleId>
               </a:tblPr>
               <a:tblGrid>
-                <a:gridCol w="1701800"/>
-                <a:gridCol w="762000"/>
-                <a:gridCol w="762000"/>
-                <a:gridCol w="762000"/>
-                <a:gridCol w="762000"/>
-                <a:gridCol w="762000"/>
-                <a:gridCol w="762000"/>
-                <a:gridCol w="762000"/>
-                <a:gridCol w="762000"/>
+                <a:gridCol w="2292653"/>
+                <a:gridCol w="2202045"/>
+                <a:gridCol w="2202046"/>
               </a:tblGrid>
-              <a:tr h="190500">
-                <a:tc>
-                  <a:txBody>
-                    <a:bodyPr/>
-                    <a:lstStyle/>
-                    <a:p>
-                      <a:pPr algn="r" fontAlgn="ctr"/>
-                      <a:r>
-                        <a:rPr lang="es-MX" sz="1100" u="none" strike="noStrike" dirty="0">
-                          <a:effectLst/>
-                        </a:rPr>
-                        <a:t> </a:t>
-                      </a:r>
-                      <a:endParaRPr lang="es-MX" sz="1100" b="0" i="0" u="none" strike="noStrike" dirty="0">
-                        <a:solidFill>
-                          <a:srgbClr val="000000"/>
-                        </a:solidFill>
-                        <a:effectLst/>
-                        <a:latin typeface="Calibri"/>
-                      </a:endParaRPr>
-                    </a:p>
-                  </a:txBody>
-                  <a:tcPr marL="9525" marR="9525" marT="9525" marB="0" anchor="ctr"/>
-                </a:tc>
-                <a:tc gridSpan="3">
-                  <a:txBody>
-                    <a:bodyPr/>
-                    <a:lstStyle/>
-                    <a:p>
-                      <a:pPr algn="ctr" fontAlgn="b"/>
-                      <a:r>
-                        <a:rPr lang="es-MX" sz="1100" u="none" strike="noStrike">
-                          <a:effectLst/>
-                        </a:rPr>
-                        <a:t>Horas Directas</a:t>
-                      </a:r>
-                      <a:endParaRPr lang="es-MX" sz="1100" b="1" i="0" u="none" strike="noStrike">
-                        <a:solidFill>
-                          <a:srgbClr val="000000"/>
-                        </a:solidFill>
-                        <a:effectLst/>
-                        <a:latin typeface="Calibri"/>
-                      </a:endParaRPr>
-                    </a:p>
-                  </a:txBody>
-                  <a:tcPr marL="9525" marR="9525" marT="9525" marB="0" anchor="b"/>
-                </a:tc>
-                <a:tc hMerge="1">
-                  <a:txBody>
-                    <a:bodyPr/>
-                    <a:lstStyle/>
-                    <a:p>
-                      <a:endParaRPr lang="es-MX"/>
-                    </a:p>
-                  </a:txBody>
-                  <a:tcPr/>
-                </a:tc>
-                <a:tc hMerge="1">
-                  <a:txBody>
-                    <a:bodyPr/>
-                    <a:lstStyle/>
-                    <a:p>
-                      <a:endParaRPr lang="es-MX"/>
-                    </a:p>
-                  </a:txBody>
-                  <a:tcPr/>
-                </a:tc>
-                <a:tc>
-                  <a:txBody>
-                    <a:bodyPr/>
-                    <a:lstStyle/>
-                    <a:p>
-                      <a:pPr algn="r" fontAlgn="ctr"/>
-                      <a:r>
-                        <a:rPr lang="es-MX" sz="1100" u="none" strike="noStrike">
-                          <a:effectLst/>
-                        </a:rPr>
-                        <a:t> </a:t>
-                      </a:r>
-                      <a:endParaRPr lang="es-MX" sz="1100" b="0" i="0" u="none" strike="noStrike">
-                        <a:solidFill>
-                          <a:srgbClr val="000000"/>
-                        </a:solidFill>
-                        <a:effectLst/>
-                        <a:latin typeface="Calibri"/>
-                      </a:endParaRPr>
-                    </a:p>
-                  </a:txBody>
-                  <a:tcPr marL="9525" marR="9525" marT="9525" marB="0" anchor="ctr"/>
-                </a:tc>
-                <a:tc gridSpan="3">
-                  <a:txBody>
-                    <a:bodyPr/>
-                    <a:lstStyle/>
-                    <a:p>
-                      <a:pPr algn="ctr" fontAlgn="b"/>
-                      <a:r>
-                        <a:rPr lang="es-MX" sz="1100" u="none" strike="noStrike">
-                          <a:effectLst/>
-                        </a:rPr>
-                        <a:t>Valor Ganado (EV)</a:t>
-                      </a:r>
-                      <a:endParaRPr lang="es-MX" sz="1100" b="1" i="0" u="none" strike="noStrike">
-                        <a:solidFill>
-                          <a:srgbClr val="000000"/>
-                        </a:solidFill>
-                        <a:effectLst/>
-                        <a:latin typeface="Calibri"/>
-                      </a:endParaRPr>
-                    </a:p>
-                  </a:txBody>
-                  <a:tcPr marL="9525" marR="9525" marT="9525" marB="0" anchor="b"/>
-                </a:tc>
-                <a:tc hMerge="1">
-                  <a:txBody>
-                    <a:bodyPr/>
-                    <a:lstStyle/>
-                    <a:p>
-                      <a:endParaRPr lang="es-MX"/>
-                    </a:p>
-                  </a:txBody>
-                  <a:tcPr/>
-                </a:tc>
-                <a:tc hMerge="1">
-                  <a:txBody>
-                    <a:bodyPr/>
-                    <a:lstStyle/>
-                    <a:p>
-                      <a:endParaRPr lang="es-MX"/>
-                    </a:p>
-                  </a:txBody>
-                  <a:tcPr/>
-                </a:tc>
-                <a:tc>
-                  <a:txBody>
-                    <a:bodyPr/>
-                    <a:lstStyle/>
-                    <a:p>
-                      <a:pPr algn="l" fontAlgn="b"/>
-                      <a:endParaRPr lang="es-MX" sz="1100" b="0" i="0" u="none" strike="noStrike">
-                        <a:solidFill>
-                          <a:srgbClr val="000000"/>
-                        </a:solidFill>
-                        <a:effectLst/>
-                        <a:latin typeface="Calibri"/>
-                      </a:endParaRPr>
-                    </a:p>
-                  </a:txBody>
-                  <a:tcPr marL="9525" marR="9525" marT="9525" marB="0" anchor="b"/>
+              <a:tr h="370840">
+                <a:tc>
+                  <a:txBody>
+                    <a:bodyPr/>
+                    <a:lstStyle/>
+                    <a:p>
+                      <a:pPr algn="ctr"/>
+                      <a:r>
+                        <a:rPr lang="es-MX" dirty="0" smtClean="0"/>
+                        <a:t>Fecha Planeada</a:t>
+                      </a:r>
+                      <a:endParaRPr lang="es-MX" dirty="0"/>
+                    </a:p>
+                  </a:txBody>
+                  <a:tcPr/>
+                </a:tc>
+                <a:tc>
+                  <a:txBody>
+                    <a:bodyPr/>
+                    <a:lstStyle/>
+                    <a:p>
+                      <a:pPr algn="ctr"/>
+                      <a:r>
+                        <a:rPr lang="es-MX" dirty="0" smtClean="0"/>
+                        <a:t>Fecha Actual </a:t>
+                      </a:r>
+                      <a:endParaRPr lang="es-MX" dirty="0"/>
+                    </a:p>
+                  </a:txBody>
+                  <a:tcPr/>
+                </a:tc>
+                <a:tc>
+                  <a:txBody>
+                    <a:bodyPr/>
+                    <a:lstStyle/>
+                    <a:p>
+                      <a:pPr algn="ctr"/>
+                      <a:r>
+                        <a:rPr lang="es-MX" dirty="0" smtClean="0"/>
+                        <a:t>Fecha Pronosticada</a:t>
+                      </a:r>
+                      <a:endParaRPr lang="es-MX" dirty="0"/>
+                    </a:p>
+                  </a:txBody>
+                  <a:tcPr/>
                 </a:tc>
               </a:tr>
-              <a:tr h="190500">
-                <a:tc>
-                  <a:txBody>
-                    <a:bodyPr/>
-                    <a:lstStyle/>
-                    <a:p>
-                      <a:pPr algn="r" fontAlgn="ctr"/>
-                      <a:r>
-                        <a:rPr lang="es-MX" sz="1100" u="none" strike="noStrike">
-                          <a:effectLst/>
-                        </a:rPr>
-                        <a:t> </a:t>
-                      </a:r>
-                      <a:endParaRPr lang="es-MX" sz="1100" b="0" i="0" u="none" strike="noStrike">
-                        <a:solidFill>
-                          <a:srgbClr val="000000"/>
-                        </a:solidFill>
-                        <a:effectLst/>
-                        <a:latin typeface="Calibri"/>
-                      </a:endParaRPr>
-                    </a:p>
-                  </a:txBody>
-                  <a:tcPr marL="9525" marR="9525" marT="9525" marB="0" anchor="ctr"/>
-                </a:tc>
-                <a:tc>
-                  <a:txBody>
-                    <a:bodyPr/>
-                    <a:lstStyle/>
-                    <a:p>
-                      <a:pPr algn="ctr" fontAlgn="b"/>
-                      <a:r>
-                        <a:rPr lang="es-MX" sz="1100" u="none" strike="noStrike">
-                          <a:effectLst/>
-                        </a:rPr>
-                        <a:t>Plan</a:t>
-                      </a:r>
-                      <a:endParaRPr lang="es-MX" sz="1100" b="1" i="0" u="none" strike="noStrike">
-                        <a:solidFill>
-                          <a:srgbClr val="000000"/>
-                        </a:solidFill>
-                        <a:effectLst/>
-                        <a:latin typeface="Calibri"/>
-                      </a:endParaRPr>
-                    </a:p>
-                  </a:txBody>
-                  <a:tcPr marL="9525" marR="9525" marT="9525" marB="0" anchor="b"/>
-                </a:tc>
-                <a:tc>
-                  <a:txBody>
-                    <a:bodyPr/>
-                    <a:lstStyle/>
-                    <a:p>
-                      <a:pPr algn="ctr" fontAlgn="b"/>
-                      <a:r>
-                        <a:rPr lang="es-MX" sz="1100" u="none" strike="noStrike">
-                          <a:effectLst/>
-                        </a:rPr>
-                        <a:t>Actual</a:t>
-                      </a:r>
-                      <a:endParaRPr lang="es-MX" sz="1100" b="1" i="0" u="none" strike="noStrike">
-                        <a:solidFill>
-                          <a:srgbClr val="000000"/>
-                        </a:solidFill>
-                        <a:effectLst/>
-                        <a:latin typeface="Calibri"/>
-                      </a:endParaRPr>
-                    </a:p>
-                  </a:txBody>
-                  <a:tcPr marL="9525" marR="9525" marT="9525" marB="0" anchor="b"/>
-                </a:tc>
-                <a:tc>
-                  <a:txBody>
-                    <a:bodyPr/>
-                    <a:lstStyle/>
-                    <a:p>
-                      <a:pPr algn="ctr" fontAlgn="b"/>
-                      <a:r>
-                        <a:rPr lang="es-MX" sz="1100" u="none" strike="noStrike">
-                          <a:effectLst/>
-                        </a:rPr>
-                        <a:t>Actual/Plan</a:t>
-                      </a:r>
-                      <a:endParaRPr lang="es-MX" sz="1100" b="1" i="0" u="none" strike="noStrike">
-                        <a:solidFill>
-                          <a:srgbClr val="000000"/>
-                        </a:solidFill>
-                        <a:effectLst/>
-                        <a:latin typeface="Calibri"/>
-                      </a:endParaRPr>
-                    </a:p>
-                  </a:txBody>
-                  <a:tcPr marL="9525" marR="9525" marT="9525" marB="0" anchor="b"/>
-                </a:tc>
-                <a:tc>
-                  <a:txBody>
-                    <a:bodyPr/>
-                    <a:lstStyle/>
-                    <a:p>
-                      <a:pPr algn="ctr" fontAlgn="b"/>
-                      <a:r>
-                        <a:rPr lang="es-MX" sz="1100" u="none" strike="noStrike">
-                          <a:effectLst/>
-                        </a:rPr>
-                        <a:t>Atraso</a:t>
-                      </a:r>
-                      <a:endParaRPr lang="es-MX" sz="1100" b="1" i="0" u="none" strike="noStrike">
-                        <a:solidFill>
-                          <a:srgbClr val="000000"/>
-                        </a:solidFill>
-                        <a:effectLst/>
-                        <a:latin typeface="Calibri"/>
-                      </a:endParaRPr>
-                    </a:p>
-                  </a:txBody>
-                  <a:tcPr marL="9525" marR="9525" marT="9525" marB="0" anchor="b"/>
-                </a:tc>
-                <a:tc>
-                  <a:txBody>
-                    <a:bodyPr/>
-                    <a:lstStyle/>
-                    <a:p>
-                      <a:pPr algn="ctr" fontAlgn="b"/>
-                      <a:r>
-                        <a:rPr lang="es-MX" sz="1100" u="none" strike="noStrike">
-                          <a:effectLst/>
-                        </a:rPr>
-                        <a:t>Plan</a:t>
-                      </a:r>
-                      <a:endParaRPr lang="es-MX" sz="1100" b="1" i="0" u="none" strike="noStrike">
-                        <a:solidFill>
-                          <a:srgbClr val="000000"/>
-                        </a:solidFill>
-                        <a:effectLst/>
-                        <a:latin typeface="Calibri"/>
-                      </a:endParaRPr>
-                    </a:p>
-                  </a:txBody>
-                  <a:tcPr marL="9525" marR="9525" marT="9525" marB="0" anchor="b"/>
-                </a:tc>
-                <a:tc>
-                  <a:txBody>
-                    <a:bodyPr/>
-                    <a:lstStyle/>
-                    <a:p>
-                      <a:pPr algn="ctr" fontAlgn="b"/>
-                      <a:r>
-                        <a:rPr lang="es-MX" sz="1100" u="none" strike="noStrike">
-                          <a:effectLst/>
-                        </a:rPr>
-                        <a:t>Actual</a:t>
-                      </a:r>
-                      <a:endParaRPr lang="es-MX" sz="1100" b="1" i="0" u="none" strike="noStrike">
-                        <a:solidFill>
-                          <a:srgbClr val="000000"/>
-                        </a:solidFill>
-                        <a:effectLst/>
-                        <a:latin typeface="Calibri"/>
-                      </a:endParaRPr>
-                    </a:p>
-                  </a:txBody>
-                  <a:tcPr marL="9525" marR="9525" marT="9525" marB="0" anchor="b"/>
-                </a:tc>
-                <a:tc>
-                  <a:txBody>
-                    <a:bodyPr/>
-                    <a:lstStyle/>
-                    <a:p>
-                      <a:pPr algn="ctr" fontAlgn="b"/>
-                      <a:r>
-                        <a:rPr lang="es-MX" sz="1100" u="none" strike="noStrike">
-                          <a:effectLst/>
-                        </a:rPr>
-                        <a:t>Actual/Plan</a:t>
-                      </a:r>
-                      <a:endParaRPr lang="es-MX" sz="1100" b="1" i="0" u="none" strike="noStrike">
-                        <a:solidFill>
-                          <a:srgbClr val="000000"/>
-                        </a:solidFill>
-                        <a:effectLst/>
-                        <a:latin typeface="Calibri"/>
-                      </a:endParaRPr>
-                    </a:p>
-                  </a:txBody>
-                  <a:tcPr marL="9525" marR="9525" marT="9525" marB="0" anchor="b"/>
-                </a:tc>
-                <a:tc>
-                  <a:txBody>
-                    <a:bodyPr/>
-                    <a:lstStyle/>
-                    <a:p>
-                      <a:pPr algn="ctr" fontAlgn="b"/>
-                      <a:r>
-                        <a:rPr lang="es-MX" sz="1100" u="none" strike="noStrike">
-                          <a:effectLst/>
-                        </a:rPr>
-                        <a:t>Atraso</a:t>
-                      </a:r>
-                      <a:endParaRPr lang="es-MX" sz="1100" b="1" i="0" u="none" strike="noStrike">
-                        <a:solidFill>
-                          <a:srgbClr val="000000"/>
-                        </a:solidFill>
-                        <a:effectLst/>
-                        <a:latin typeface="Calibri"/>
-                      </a:endParaRPr>
-                    </a:p>
-                  </a:txBody>
-                  <a:tcPr marL="9525" marR="9525" marT="9525" marB="0" anchor="b"/>
-                </a:tc>
-              </a:tr>
-              <a:tr h="190500">
-                <a:tc>
-                  <a:txBody>
-                    <a:bodyPr/>
-                    <a:lstStyle/>
-                    <a:p>
-                      <a:pPr algn="l" fontAlgn="ctr"/>
-                      <a:r>
-                        <a:rPr lang="es-MX" sz="1100" u="none" strike="noStrike">
-                          <a:effectLst/>
-                        </a:rPr>
-                        <a:t>Last Week</a:t>
-                      </a:r>
-                      <a:endParaRPr lang="es-MX" sz="1100" b="0" i="0" u="none" strike="noStrike">
-                        <a:solidFill>
-                          <a:srgbClr val="000000"/>
-                        </a:solidFill>
-                        <a:effectLst/>
-                        <a:latin typeface="Calibri"/>
-                      </a:endParaRPr>
-                    </a:p>
-                  </a:txBody>
-                  <a:tcPr marL="9525" marR="9525" marT="9525" marB="0" anchor="ctr"/>
-                </a:tc>
-                <a:tc>
-                  <a:txBody>
-                    <a:bodyPr/>
-                    <a:lstStyle/>
-                    <a:p>
-                      <a:pPr algn="r" fontAlgn="ctr"/>
-                      <a:r>
-                        <a:rPr lang="es-MX" sz="1100" u="none" strike="noStrike">
-                          <a:effectLst/>
-                        </a:rPr>
-                        <a:t>20:00</a:t>
-                      </a:r>
-                      <a:endParaRPr lang="es-MX" sz="1100" b="0" i="0" u="none" strike="noStrike">
-                        <a:solidFill>
-                          <a:srgbClr val="000000"/>
-                        </a:solidFill>
-                        <a:effectLst/>
-                        <a:latin typeface="Calibri"/>
-                      </a:endParaRPr>
-                    </a:p>
-                  </a:txBody>
-                  <a:tcPr marL="9525" marR="9525" marT="9525" marB="0" anchor="ctr"/>
-                </a:tc>
-                <a:tc>
-                  <a:txBody>
-                    <a:bodyPr/>
-                    <a:lstStyle/>
-                    <a:p>
-                      <a:pPr algn="r" fontAlgn="ctr"/>
-                      <a:r>
-                        <a:rPr lang="es-MX" sz="1100" u="none" strike="noStrike">
-                          <a:effectLst/>
-                        </a:rPr>
-                        <a:t>15:30</a:t>
-                      </a:r>
-                      <a:endParaRPr lang="es-MX" sz="1100" b="0" i="0" u="none" strike="noStrike">
-                        <a:solidFill>
-                          <a:srgbClr val="000000"/>
-                        </a:solidFill>
-                        <a:effectLst/>
-                        <a:latin typeface="Calibri"/>
-                      </a:endParaRPr>
-                    </a:p>
-                  </a:txBody>
-                  <a:tcPr marL="9525" marR="9525" marT="9525" marB="0" anchor="ctr"/>
-                </a:tc>
-                <a:tc>
-                  <a:txBody>
-                    <a:bodyPr/>
-                    <a:lstStyle/>
-                    <a:p>
-                      <a:pPr algn="r" fontAlgn="ctr"/>
-                      <a:r>
-                        <a:rPr lang="es-MX" sz="1100" u="none" strike="noStrike">
-                          <a:effectLst/>
-                        </a:rPr>
-                        <a:t>0,78</a:t>
-                      </a:r>
-                      <a:endParaRPr lang="es-MX" sz="1100" b="0" i="0" u="none" strike="noStrike">
-                        <a:solidFill>
-                          <a:srgbClr val="000000"/>
-                        </a:solidFill>
-                        <a:effectLst/>
-                        <a:latin typeface="Calibri"/>
-                      </a:endParaRPr>
-                    </a:p>
-                  </a:txBody>
-                  <a:tcPr marL="9525" marR="9525" marT="9525" marB="0" anchor="ctr"/>
-                </a:tc>
-                <a:tc>
-                  <a:txBody>
-                    <a:bodyPr/>
-                    <a:lstStyle/>
-                    <a:p>
-                      <a:pPr algn="r" fontAlgn="ctr"/>
-                      <a:r>
-                        <a:rPr lang="es-MX" sz="1100" u="none" strike="noStrike">
-                          <a:effectLst/>
-                        </a:rPr>
-                        <a:t> </a:t>
-                      </a:r>
-                      <a:endParaRPr lang="es-MX" sz="1100" b="0" i="0" u="none" strike="noStrike">
-                        <a:solidFill>
-                          <a:srgbClr val="000000"/>
-                        </a:solidFill>
-                        <a:effectLst/>
-                        <a:latin typeface="Calibri"/>
-                      </a:endParaRPr>
-                    </a:p>
-                  </a:txBody>
-                  <a:tcPr marL="9525" marR="9525" marT="9525" marB="0" anchor="ctr"/>
-                </a:tc>
-                <a:tc>
-                  <a:txBody>
-                    <a:bodyPr/>
-                    <a:lstStyle/>
-                    <a:p>
-                      <a:pPr algn="r" fontAlgn="ctr"/>
-                      <a:r>
-                        <a:rPr lang="es-MX" sz="1100" u="none" strike="noStrike">
-                          <a:effectLst/>
-                        </a:rPr>
-                        <a:t>2,0%</a:t>
-                      </a:r>
-                      <a:endParaRPr lang="es-MX" sz="1100" b="0" i="0" u="none" strike="noStrike">
-                        <a:solidFill>
-                          <a:srgbClr val="000000"/>
-                        </a:solidFill>
-                        <a:effectLst/>
-                        <a:latin typeface="Calibri"/>
-                      </a:endParaRPr>
-                    </a:p>
-                  </a:txBody>
-                  <a:tcPr marL="9525" marR="9525" marT="9525" marB="0" anchor="ctr"/>
-                </a:tc>
-                <a:tc>
-                  <a:txBody>
-                    <a:bodyPr/>
-                    <a:lstStyle/>
-                    <a:p>
-                      <a:pPr algn="r" fontAlgn="ctr"/>
-                      <a:r>
-                        <a:rPr lang="es-MX" sz="1100" u="none" strike="noStrike">
-                          <a:effectLst/>
-                        </a:rPr>
-                        <a:t>3,11%</a:t>
-                      </a:r>
-                      <a:endParaRPr lang="es-MX" sz="1100" b="0" i="0" u="none" strike="noStrike">
-                        <a:solidFill>
-                          <a:srgbClr val="000000"/>
-                        </a:solidFill>
-                        <a:effectLst/>
-                        <a:latin typeface="Calibri"/>
-                      </a:endParaRPr>
-                    </a:p>
-                  </a:txBody>
-                  <a:tcPr marL="9525" marR="9525" marT="9525" marB="0" anchor="ctr"/>
-                </a:tc>
-                <a:tc>
-                  <a:txBody>
-                    <a:bodyPr/>
-                    <a:lstStyle/>
-                    <a:p>
-                      <a:pPr algn="r" fontAlgn="ctr"/>
-                      <a:r>
-                        <a:rPr lang="es-MX" sz="1100" u="none" strike="noStrike">
-                          <a:effectLst/>
-                        </a:rPr>
-                        <a:t>1,56</a:t>
-                      </a:r>
-                      <a:endParaRPr lang="es-MX" sz="1100" b="0" i="0" u="none" strike="noStrike">
-                        <a:solidFill>
-                          <a:srgbClr val="000000"/>
-                        </a:solidFill>
-                        <a:effectLst/>
-                        <a:latin typeface="Calibri"/>
-                      </a:endParaRPr>
-                    </a:p>
-                  </a:txBody>
-                  <a:tcPr marL="9525" marR="9525" marT="9525" marB="0" anchor="ctr"/>
-                </a:tc>
-                <a:tc>
-                  <a:txBody>
-                    <a:bodyPr/>
-                    <a:lstStyle/>
-                    <a:p>
-                      <a:pPr algn="l" fontAlgn="b"/>
-                      <a:r>
-                        <a:rPr lang="es-MX" sz="1100" u="none" strike="noStrike">
-                          <a:effectLst/>
-                        </a:rPr>
-                        <a:t> </a:t>
-                      </a:r>
-                      <a:endParaRPr lang="es-MX" sz="1100" b="0" i="0" u="none" strike="noStrike">
-                        <a:solidFill>
-                          <a:srgbClr val="000000"/>
-                        </a:solidFill>
-                        <a:effectLst/>
-                        <a:latin typeface="Calibri"/>
-                      </a:endParaRPr>
-                    </a:p>
-                  </a:txBody>
-                  <a:tcPr marL="9525" marR="9525" marT="9525" marB="0" anchor="b"/>
-                </a:tc>
-              </a:tr>
-              <a:tr h="571500">
-                <a:tc>
-                  <a:txBody>
-                    <a:bodyPr/>
-                    <a:lstStyle/>
-                    <a:p>
-                      <a:pPr algn="l" fontAlgn="ctr"/>
-                      <a:r>
-                        <a:rPr lang="es-MX" sz="1100" u="none" strike="noStrike">
-                          <a:effectLst/>
-                        </a:rPr>
-                        <a:t>A la Fecha (through 23/06/13)</a:t>
-                      </a:r>
-                      <a:endParaRPr lang="es-MX" sz="1100" b="0" i="0" u="none" strike="noStrike">
-                        <a:solidFill>
-                          <a:srgbClr val="000000"/>
-                        </a:solidFill>
-                        <a:effectLst/>
-                        <a:latin typeface="Calibri"/>
-                      </a:endParaRPr>
-                    </a:p>
-                  </a:txBody>
-                  <a:tcPr marL="9525" marR="9525" marT="9525" marB="0" anchor="ctr"/>
-                </a:tc>
-                <a:tc>
-                  <a:txBody>
-                    <a:bodyPr/>
-                    <a:lstStyle/>
-                    <a:p>
-                      <a:pPr algn="r" fontAlgn="ctr"/>
-                      <a:r>
-                        <a:rPr lang="es-MX" sz="1100" u="none" strike="noStrike">
-                          <a:effectLst/>
-                        </a:rPr>
-                        <a:t>60:00</a:t>
-                      </a:r>
-                      <a:endParaRPr lang="es-MX" sz="1100" b="0" i="0" u="none" strike="noStrike">
-                        <a:solidFill>
-                          <a:srgbClr val="000000"/>
-                        </a:solidFill>
-                        <a:effectLst/>
-                        <a:latin typeface="Calibri"/>
-                      </a:endParaRPr>
-                    </a:p>
-                  </a:txBody>
-                  <a:tcPr marL="9525" marR="9525" marT="9525" marB="0" anchor="ctr"/>
-                </a:tc>
-                <a:tc>
-                  <a:txBody>
-                    <a:bodyPr/>
-                    <a:lstStyle/>
-                    <a:p>
-                      <a:pPr algn="r" fontAlgn="ctr"/>
-                      <a:r>
-                        <a:rPr lang="es-MX" sz="1100" u="none" strike="noStrike">
-                          <a:effectLst/>
-                        </a:rPr>
-                        <a:t>39:15</a:t>
-                      </a:r>
-                      <a:endParaRPr lang="es-MX" sz="1100" b="0" i="0" u="none" strike="noStrike">
-                        <a:solidFill>
-                          <a:srgbClr val="000000"/>
-                        </a:solidFill>
-                        <a:effectLst/>
-                        <a:latin typeface="Calibri"/>
-                      </a:endParaRPr>
-                    </a:p>
-                  </a:txBody>
-                  <a:tcPr marL="9525" marR="9525" marT="9525" marB="0" anchor="ctr"/>
-                </a:tc>
-                <a:tc>
-                  <a:txBody>
-                    <a:bodyPr/>
-                    <a:lstStyle/>
-                    <a:p>
-                      <a:pPr algn="r" fontAlgn="ctr"/>
-                      <a:r>
-                        <a:rPr lang="es-MX" sz="1100" u="none" strike="noStrike">
-                          <a:effectLst/>
-                        </a:rPr>
-                        <a:t>0,65</a:t>
-                      </a:r>
-                      <a:endParaRPr lang="es-MX" sz="1100" b="0" i="0" u="none" strike="noStrike">
-                        <a:solidFill>
-                          <a:srgbClr val="000000"/>
-                        </a:solidFill>
-                        <a:effectLst/>
-                        <a:latin typeface="Calibri"/>
-                      </a:endParaRPr>
-                    </a:p>
-                  </a:txBody>
-                  <a:tcPr marL="9525" marR="9525" marT="9525" marB="0" anchor="ctr"/>
-                </a:tc>
-                <a:tc>
-                  <a:txBody>
-                    <a:bodyPr/>
-                    <a:lstStyle/>
-                    <a:p>
-                      <a:pPr algn="r" fontAlgn="ctr"/>
-                      <a:r>
-                        <a:rPr lang="es-MX" sz="1100" u="none" strike="noStrike">
-                          <a:effectLst/>
-                        </a:rPr>
-                        <a:t>35%</a:t>
-                      </a:r>
-                      <a:endParaRPr lang="es-MX" sz="1100" b="0" i="0" u="none" strike="noStrike">
-                        <a:solidFill>
-                          <a:srgbClr val="000000"/>
-                        </a:solidFill>
-                        <a:effectLst/>
-                        <a:latin typeface="Calibri"/>
-                      </a:endParaRPr>
-                    </a:p>
-                  </a:txBody>
-                  <a:tcPr marL="9525" marR="9525" marT="9525" marB="0" anchor="ctr"/>
-                </a:tc>
-                <a:tc>
-                  <a:txBody>
-                    <a:bodyPr/>
-                    <a:lstStyle/>
-                    <a:p>
-                      <a:pPr algn="r" fontAlgn="ctr"/>
-                      <a:r>
-                        <a:rPr lang="es-MX" sz="1100" u="none" strike="noStrike">
-                          <a:effectLst/>
-                        </a:rPr>
-                        <a:t>10,8%</a:t>
-                      </a:r>
-                      <a:endParaRPr lang="es-MX" sz="1100" b="0" i="0" u="none" strike="noStrike">
-                        <a:solidFill>
-                          <a:srgbClr val="000000"/>
-                        </a:solidFill>
-                        <a:effectLst/>
-                        <a:latin typeface="Calibri"/>
-                      </a:endParaRPr>
-                    </a:p>
-                  </a:txBody>
-                  <a:tcPr marL="9525" marR="9525" marT="9525" marB="0" anchor="ctr"/>
-                </a:tc>
-                <a:tc>
-                  <a:txBody>
-                    <a:bodyPr/>
-                    <a:lstStyle/>
-                    <a:p>
-                      <a:pPr algn="r" fontAlgn="ctr"/>
-                      <a:r>
-                        <a:rPr lang="es-MX" sz="1100" u="none" strike="noStrike">
-                          <a:effectLst/>
-                        </a:rPr>
-                        <a:t>6,45%</a:t>
-                      </a:r>
-                      <a:endParaRPr lang="es-MX" sz="1100" b="0" i="0" u="none" strike="noStrike">
-                        <a:solidFill>
-                          <a:srgbClr val="000000"/>
-                        </a:solidFill>
-                        <a:effectLst/>
-                        <a:latin typeface="Calibri"/>
-                      </a:endParaRPr>
-                    </a:p>
-                  </a:txBody>
-                  <a:tcPr marL="9525" marR="9525" marT="9525" marB="0" anchor="ctr"/>
-                </a:tc>
-                <a:tc>
-                  <a:txBody>
-                    <a:bodyPr/>
-                    <a:lstStyle/>
-                    <a:p>
-                      <a:pPr algn="r" fontAlgn="ctr"/>
-                      <a:r>
-                        <a:rPr lang="es-MX" sz="1100" u="none" strike="noStrike">
-                          <a:effectLst/>
-                        </a:rPr>
-                        <a:t>0,6</a:t>
-                      </a:r>
-                      <a:endParaRPr lang="es-MX" sz="1100" b="0" i="0" u="none" strike="noStrike">
-                        <a:solidFill>
-                          <a:srgbClr val="000000"/>
-                        </a:solidFill>
-                        <a:effectLst/>
-                        <a:latin typeface="Calibri"/>
-                      </a:endParaRPr>
-                    </a:p>
-                  </a:txBody>
-                  <a:tcPr marL="9525" marR="9525" marT="9525" marB="0" anchor="ctr"/>
-                </a:tc>
-                <a:tc>
-                  <a:txBody>
-                    <a:bodyPr/>
-                    <a:lstStyle/>
-                    <a:p>
-                      <a:pPr algn="r" fontAlgn="ctr"/>
-                      <a:r>
-                        <a:rPr lang="es-MX" sz="1100" u="none" strike="noStrike">
-                          <a:effectLst/>
-                        </a:rPr>
-                        <a:t>40%</a:t>
-                      </a:r>
-                      <a:endParaRPr lang="es-MX" sz="1100" b="0" i="0" u="none" strike="noStrike">
-                        <a:solidFill>
-                          <a:srgbClr val="000000"/>
-                        </a:solidFill>
-                        <a:effectLst/>
-                        <a:latin typeface="Calibri"/>
-                      </a:endParaRPr>
-                    </a:p>
-                  </a:txBody>
-                  <a:tcPr marL="9525" marR="9525" marT="9525" marB="0" anchor="ctr"/>
-                </a:tc>
-              </a:tr>
-              <a:tr h="571500">
-                <a:tc>
-                  <a:txBody>
-                    <a:bodyPr/>
-                    <a:lstStyle/>
-                    <a:p>
-                      <a:pPr algn="l" fontAlgn="ctr"/>
-                      <a:r>
-                        <a:rPr lang="en-US" sz="1100" u="none" strike="noStrike">
-                          <a:effectLst/>
-                        </a:rPr>
-                        <a:t>Average per Week To Date</a:t>
-                      </a:r>
-                      <a:endParaRPr lang="en-US" sz="1100" b="0" i="0" u="none" strike="noStrike">
-                        <a:solidFill>
-                          <a:srgbClr val="000000"/>
-                        </a:solidFill>
-                        <a:effectLst/>
-                        <a:latin typeface="Calibri"/>
-                      </a:endParaRPr>
-                    </a:p>
-                  </a:txBody>
-                  <a:tcPr marL="9525" marR="9525" marT="9525" marB="0" anchor="ctr"/>
-                </a:tc>
-                <a:tc>
-                  <a:txBody>
-                    <a:bodyPr/>
-                    <a:lstStyle/>
-                    <a:p>
-                      <a:pPr algn="r" fontAlgn="ctr"/>
-                      <a:r>
-                        <a:rPr lang="es-MX" sz="1100" u="none" strike="noStrike">
-                          <a:effectLst/>
-                        </a:rPr>
-                        <a:t>20:00</a:t>
-                      </a:r>
-                      <a:endParaRPr lang="es-MX" sz="1100" b="0" i="0" u="none" strike="noStrike">
-                        <a:solidFill>
-                          <a:srgbClr val="000000"/>
-                        </a:solidFill>
-                        <a:effectLst/>
-                        <a:latin typeface="Calibri"/>
-                      </a:endParaRPr>
-                    </a:p>
-                  </a:txBody>
-                  <a:tcPr marL="9525" marR="9525" marT="9525" marB="0" anchor="ctr"/>
-                </a:tc>
-                <a:tc>
-                  <a:txBody>
-                    <a:bodyPr/>
-                    <a:lstStyle/>
-                    <a:p>
-                      <a:pPr algn="r" fontAlgn="ctr"/>
-                      <a:r>
-                        <a:rPr lang="es-MX" sz="1100" u="none" strike="noStrike">
-                          <a:effectLst/>
-                        </a:rPr>
-                        <a:t>13:05</a:t>
-                      </a:r>
-                      <a:endParaRPr lang="es-MX" sz="1100" b="0" i="0" u="none" strike="noStrike">
-                        <a:solidFill>
-                          <a:srgbClr val="000000"/>
-                        </a:solidFill>
-                        <a:effectLst/>
-                        <a:latin typeface="Calibri"/>
-                      </a:endParaRPr>
-                    </a:p>
-                  </a:txBody>
-                  <a:tcPr marL="9525" marR="9525" marT="9525" marB="0" anchor="ctr"/>
-                </a:tc>
-                <a:tc>
-                  <a:txBody>
-                    <a:bodyPr/>
-                    <a:lstStyle/>
-                    <a:p>
-                      <a:pPr algn="r" fontAlgn="ctr"/>
-                      <a:r>
-                        <a:rPr lang="es-MX" sz="1100" u="none" strike="noStrike">
-                          <a:effectLst/>
-                        </a:rPr>
-                        <a:t>0,65</a:t>
-                      </a:r>
-                      <a:endParaRPr lang="es-MX" sz="1100" b="0" i="0" u="none" strike="noStrike">
-                        <a:solidFill>
-                          <a:srgbClr val="000000"/>
-                        </a:solidFill>
-                        <a:effectLst/>
-                        <a:latin typeface="Calibri"/>
-                      </a:endParaRPr>
-                    </a:p>
-                  </a:txBody>
-                  <a:tcPr marL="9525" marR="9525" marT="9525" marB="0" anchor="ctr"/>
-                </a:tc>
-                <a:tc>
-                  <a:txBody>
-                    <a:bodyPr/>
-                    <a:lstStyle/>
-                    <a:p>
-                      <a:pPr algn="r" fontAlgn="ctr"/>
-                      <a:r>
-                        <a:rPr lang="es-MX" sz="1100" u="none" strike="noStrike">
-                          <a:effectLst/>
-                        </a:rPr>
-                        <a:t> </a:t>
-                      </a:r>
-                      <a:endParaRPr lang="es-MX" sz="1100" b="0" i="0" u="none" strike="noStrike">
-                        <a:solidFill>
-                          <a:srgbClr val="000000"/>
-                        </a:solidFill>
-                        <a:effectLst/>
-                        <a:latin typeface="Calibri"/>
-                      </a:endParaRPr>
-                    </a:p>
-                  </a:txBody>
-                  <a:tcPr marL="9525" marR="9525" marT="9525" marB="0" anchor="ctr"/>
-                </a:tc>
-                <a:tc>
-                  <a:txBody>
-                    <a:bodyPr/>
-                    <a:lstStyle/>
-                    <a:p>
-                      <a:pPr algn="r" fontAlgn="ctr"/>
-                      <a:r>
-                        <a:rPr lang="es-MX" sz="1100" u="none" strike="noStrike">
-                          <a:effectLst/>
-                        </a:rPr>
-                        <a:t>3,61%</a:t>
-                      </a:r>
-                      <a:endParaRPr lang="es-MX" sz="1100" b="0" i="0" u="none" strike="noStrike">
-                        <a:solidFill>
-                          <a:srgbClr val="000000"/>
-                        </a:solidFill>
-                        <a:effectLst/>
-                        <a:latin typeface="Calibri"/>
-                      </a:endParaRPr>
-                    </a:p>
-                  </a:txBody>
-                  <a:tcPr marL="9525" marR="9525" marT="9525" marB="0" anchor="ctr"/>
-                </a:tc>
-                <a:tc>
-                  <a:txBody>
-                    <a:bodyPr/>
-                    <a:lstStyle/>
-                    <a:p>
-                      <a:pPr algn="r" fontAlgn="ctr"/>
-                      <a:r>
-                        <a:rPr lang="es-MX" sz="1100" u="none" strike="noStrike">
-                          <a:effectLst/>
-                        </a:rPr>
-                        <a:t>2,15%</a:t>
-                      </a:r>
-                      <a:endParaRPr lang="es-MX" sz="1100" b="0" i="0" u="none" strike="noStrike">
-                        <a:solidFill>
-                          <a:srgbClr val="000000"/>
-                        </a:solidFill>
-                        <a:effectLst/>
-                        <a:latin typeface="Calibri"/>
-                      </a:endParaRPr>
-                    </a:p>
-                  </a:txBody>
-                  <a:tcPr marL="9525" marR="9525" marT="9525" marB="0" anchor="ctr"/>
-                </a:tc>
-                <a:tc>
-                  <a:txBody>
-                    <a:bodyPr/>
-                    <a:lstStyle/>
-                    <a:p>
-                      <a:pPr algn="r" fontAlgn="ctr"/>
-                      <a:r>
-                        <a:rPr lang="es-MX" sz="1100" u="none" strike="noStrike">
-                          <a:effectLst/>
-                        </a:rPr>
-                        <a:t>0,6</a:t>
-                      </a:r>
-                      <a:endParaRPr lang="es-MX" sz="1100" b="0" i="0" u="none" strike="noStrike">
-                        <a:solidFill>
-                          <a:srgbClr val="000000"/>
-                        </a:solidFill>
-                        <a:effectLst/>
-                        <a:latin typeface="Calibri"/>
-                      </a:endParaRPr>
-                    </a:p>
-                  </a:txBody>
-                  <a:tcPr marL="9525" marR="9525" marT="9525" marB="0" anchor="ctr"/>
-                </a:tc>
-                <a:tc>
-                  <a:txBody>
-                    <a:bodyPr/>
-                    <a:lstStyle/>
-                    <a:p>
-                      <a:pPr algn="l" fontAlgn="b"/>
-                      <a:r>
-                        <a:rPr lang="es-MX" sz="1100" u="none" strike="noStrike">
-                          <a:effectLst/>
-                        </a:rPr>
-                        <a:t> </a:t>
-                      </a:r>
-                      <a:endParaRPr lang="es-MX" sz="1100" b="0" i="0" u="none" strike="noStrike">
-                        <a:solidFill>
-                          <a:srgbClr val="000000"/>
-                        </a:solidFill>
-                        <a:effectLst/>
-                        <a:latin typeface="Calibri"/>
-                      </a:endParaRPr>
-                    </a:p>
-                  </a:txBody>
-                  <a:tcPr marL="9525" marR="9525" marT="9525" marB="0" anchor="b"/>
-                </a:tc>
-              </a:tr>
-              <a:tr h="571500">
-                <a:tc>
-                  <a:txBody>
-                    <a:bodyPr/>
-                    <a:lstStyle/>
-                    <a:p>
-                      <a:pPr algn="l" fontAlgn="ctr"/>
-                      <a:r>
-                        <a:rPr lang="es-MX" sz="1100" u="none" strike="noStrike">
-                          <a:effectLst/>
-                        </a:rPr>
-                        <a:t>Completed Tasks To Date</a:t>
-                      </a:r>
-                      <a:endParaRPr lang="es-MX" sz="1100" b="0" i="0" u="none" strike="noStrike">
-                        <a:solidFill>
-                          <a:srgbClr val="000000"/>
-                        </a:solidFill>
-                        <a:effectLst/>
-                        <a:latin typeface="Calibri"/>
-                      </a:endParaRPr>
-                    </a:p>
-                  </a:txBody>
-                  <a:tcPr marL="9525" marR="9525" marT="9525" marB="0" anchor="ctr"/>
-                </a:tc>
-                <a:tc>
-                  <a:txBody>
-                    <a:bodyPr/>
-                    <a:lstStyle/>
-                    <a:p>
-                      <a:pPr algn="r" fontAlgn="ctr"/>
-                      <a:r>
-                        <a:rPr lang="es-MX" sz="1100" u="none" strike="noStrike" dirty="0">
-                          <a:effectLst/>
-                        </a:rPr>
-                        <a:t>28:49</a:t>
-                      </a:r>
-                      <a:endParaRPr lang="es-MX" sz="1100" b="0" i="0" u="none" strike="noStrike" dirty="0">
-                        <a:solidFill>
-                          <a:srgbClr val="000000"/>
-                        </a:solidFill>
-                        <a:effectLst/>
-                        <a:latin typeface="Calibri"/>
-                      </a:endParaRPr>
-                    </a:p>
-                  </a:txBody>
-                  <a:tcPr marL="9525" marR="9525" marT="9525" marB="0" anchor="ctr"/>
-                </a:tc>
-                <a:tc>
-                  <a:txBody>
-                    <a:bodyPr/>
-                    <a:lstStyle/>
-                    <a:p>
-                      <a:pPr algn="r" fontAlgn="ctr"/>
-                      <a:r>
-                        <a:rPr lang="es-MX" sz="1100" u="none" strike="noStrike" dirty="0">
-                          <a:effectLst/>
-                        </a:rPr>
-                        <a:t>39:09</a:t>
-                      </a:r>
-                      <a:endParaRPr lang="es-MX" sz="1100" b="0" i="0" u="none" strike="noStrike" dirty="0">
-                        <a:solidFill>
-                          <a:srgbClr val="000000"/>
-                        </a:solidFill>
-                        <a:effectLst/>
-                        <a:latin typeface="Calibri"/>
-                      </a:endParaRPr>
-                    </a:p>
-                  </a:txBody>
-                  <a:tcPr marL="9525" marR="9525" marT="9525" marB="0" anchor="ctr"/>
-                </a:tc>
-                <a:tc>
-                  <a:txBody>
-                    <a:bodyPr/>
-                    <a:lstStyle/>
-                    <a:p>
-                      <a:pPr algn="r" fontAlgn="ctr"/>
-                      <a:r>
-                        <a:rPr lang="es-MX" sz="1100" u="none" strike="noStrike">
-                          <a:effectLst/>
-                        </a:rPr>
-                        <a:t>1,36</a:t>
-                      </a:r>
-                      <a:endParaRPr lang="es-MX" sz="1100" b="0" i="0" u="none" strike="noStrike">
-                        <a:solidFill>
-                          <a:srgbClr val="000000"/>
-                        </a:solidFill>
-                        <a:effectLst/>
-                        <a:latin typeface="Calibri"/>
-                      </a:endParaRPr>
-                    </a:p>
-                  </a:txBody>
-                  <a:tcPr marL="9525" marR="9525" marT="9525" marB="0" anchor="ctr"/>
-                </a:tc>
-                <a:tc>
-                  <a:txBody>
-                    <a:bodyPr/>
-                    <a:lstStyle/>
-                    <a:p>
-                      <a:pPr algn="r" fontAlgn="ctr"/>
-                      <a:r>
-                        <a:rPr lang="es-MX" sz="1100" u="none" strike="noStrike">
-                          <a:effectLst/>
-                        </a:rPr>
-                        <a:t> </a:t>
-                      </a:r>
-                      <a:endParaRPr lang="es-MX" sz="1100" b="0" i="0" u="none" strike="noStrike">
-                        <a:solidFill>
-                          <a:srgbClr val="000000"/>
-                        </a:solidFill>
-                        <a:effectLst/>
-                        <a:latin typeface="Calibri"/>
-                      </a:endParaRPr>
-                    </a:p>
-                  </a:txBody>
-                  <a:tcPr marL="9525" marR="9525" marT="9525" marB="0" anchor="ctr"/>
-                </a:tc>
-                <a:tc>
-                  <a:txBody>
-                    <a:bodyPr/>
-                    <a:lstStyle/>
-                    <a:p>
-                      <a:pPr algn="r" fontAlgn="ctr"/>
-                      <a:r>
-                        <a:rPr lang="es-MX" sz="1100" u="none" strike="noStrike">
-                          <a:effectLst/>
-                        </a:rPr>
-                        <a:t> </a:t>
-                      </a:r>
-                      <a:endParaRPr lang="es-MX" sz="1100" b="0" i="0" u="none" strike="noStrike">
-                        <a:solidFill>
-                          <a:srgbClr val="000000"/>
-                        </a:solidFill>
-                        <a:effectLst/>
-                        <a:latin typeface="Calibri"/>
-                      </a:endParaRPr>
-                    </a:p>
-                  </a:txBody>
-                  <a:tcPr marL="9525" marR="9525" marT="9525" marB="0" anchor="ctr"/>
-                </a:tc>
-                <a:tc>
-                  <a:txBody>
-                    <a:bodyPr/>
-                    <a:lstStyle/>
-                    <a:p>
-                      <a:pPr algn="r" fontAlgn="ctr"/>
-                      <a:r>
-                        <a:rPr lang="es-MX" sz="1100" u="none" strike="noStrike">
-                          <a:effectLst/>
-                        </a:rPr>
-                        <a:t> </a:t>
-                      </a:r>
-                      <a:endParaRPr lang="es-MX" sz="1100" b="0" i="0" u="none" strike="noStrike">
-                        <a:solidFill>
-                          <a:srgbClr val="000000"/>
-                        </a:solidFill>
-                        <a:effectLst/>
-                        <a:latin typeface="Calibri"/>
-                      </a:endParaRPr>
-                    </a:p>
-                  </a:txBody>
-                  <a:tcPr marL="9525" marR="9525" marT="9525" marB="0" anchor="ctr"/>
-                </a:tc>
-                <a:tc>
-                  <a:txBody>
-                    <a:bodyPr/>
-                    <a:lstStyle/>
-                    <a:p>
-                      <a:pPr algn="r" fontAlgn="ctr"/>
-                      <a:r>
-                        <a:rPr lang="es-MX" sz="1100" u="none" strike="noStrike">
-                          <a:effectLst/>
-                        </a:rPr>
-                        <a:t> </a:t>
-                      </a:r>
-                      <a:endParaRPr lang="es-MX" sz="1100" b="0" i="0" u="none" strike="noStrike">
-                        <a:solidFill>
-                          <a:srgbClr val="000000"/>
-                        </a:solidFill>
-                        <a:effectLst/>
-                        <a:latin typeface="Calibri"/>
-                      </a:endParaRPr>
-                    </a:p>
-                  </a:txBody>
-                  <a:tcPr marL="9525" marR="9525" marT="9525" marB="0" anchor="ctr"/>
-                </a:tc>
-                <a:tc>
-                  <a:txBody>
-                    <a:bodyPr/>
-                    <a:lstStyle/>
-                    <a:p>
-                      <a:pPr algn="l" fontAlgn="b"/>
-                      <a:r>
-                        <a:rPr lang="es-MX" sz="1100" u="none" strike="noStrike" dirty="0">
-                          <a:effectLst/>
-                        </a:rPr>
-                        <a:t> </a:t>
-                      </a:r>
-                      <a:endParaRPr lang="es-MX" sz="1100" b="0" i="0" u="none" strike="noStrike" dirty="0">
-                        <a:solidFill>
-                          <a:srgbClr val="000000"/>
-                        </a:solidFill>
-                        <a:effectLst/>
-                        <a:latin typeface="Calibri"/>
-                      </a:endParaRPr>
-                    </a:p>
-                  </a:txBody>
-                  <a:tcPr marL="9525" marR="9525" marT="9525" marB="0" anchor="b"/>
+              <a:tr h="370840">
+                <a:tc>
+                  <a:txBody>
+                    <a:bodyPr/>
+                    <a:lstStyle/>
+                    <a:p>
+                      <a:pPr algn="ctr"/>
+                      <a:r>
+                        <a:rPr lang="es-MX" dirty="0" smtClean="0"/>
+                        <a:t>03/11/2013</a:t>
+                      </a:r>
+                      <a:endParaRPr lang="es-MX" dirty="0"/>
+                    </a:p>
+                  </a:txBody>
+                  <a:tcPr/>
+                </a:tc>
+                <a:tc>
+                  <a:txBody>
+                    <a:bodyPr/>
+                    <a:lstStyle/>
+                    <a:p>
+                      <a:pPr algn="ctr"/>
+                      <a:r>
+                        <a:rPr lang="es-MX" dirty="0" smtClean="0"/>
+                        <a:t>17/11/2013</a:t>
+                      </a:r>
+                      <a:endParaRPr lang="es-ES" dirty="0"/>
+                    </a:p>
+                  </a:txBody>
+                  <a:tcPr/>
+                </a:tc>
+                <a:tc>
+                  <a:txBody>
+                    <a:bodyPr/>
+                    <a:lstStyle/>
+                    <a:p>
+                      <a:pPr algn="ctr"/>
+                      <a:r>
+                        <a:rPr lang="es-MX" dirty="0" smtClean="0"/>
+                        <a:t>25/05/2014</a:t>
+                      </a:r>
+                      <a:endParaRPr lang="es-ES" dirty="0"/>
+                    </a:p>
+                  </a:txBody>
+                  <a:tcPr/>
                 </a:tc>
               </a:tr>
             </a:tbl>
@@ -6134,7 +5204,7 @@
         <p:spPr>
           <a:xfrm>
             <a:off x="436418" y="1295400"/>
-            <a:ext cx="8382000" cy="1200329"/>
+            <a:ext cx="8382000" cy="830997"/>
           </a:xfrm>
           <a:prstGeom prst="rect">
             <a:avLst/>
@@ -6163,22 +5233,13 @@
             </a:pPr>
             <a:r>
               <a:rPr lang="es-MX" sz="2400" dirty="0" smtClean="0"/>
-              <a:t>Trabajos de mantenimiento.</a:t>
-            </a:r>
-          </a:p>
-          <a:p>
-            <a:pPr marL="342900" indent="-342900">
-              <a:buFont typeface="Arial" pitchFamily="34" charset="0"/>
-              <a:buChar char="•"/>
-            </a:pPr>
+              <a:t>Trabajos de mantenimiento</a:t>
+            </a:r>
             <a:r>
               <a:rPr lang="es-MX" sz="2400" dirty="0" smtClean="0"/>
-              <a:t>Subestimación del producto </a:t>
-            </a:r>
-            <a:r>
-              <a:rPr lang="es-MX" sz="2400" b="1" i="1" dirty="0" smtClean="0"/>
-              <a:t>Asignar estados a elementos BSC</a:t>
-            </a:r>
+              <a:t>.</a:t>
+            </a:r>
+            <a:endParaRPr lang="es-MX" sz="2400" dirty="0" smtClean="0"/>
           </a:p>
         </p:txBody>
       </p:sp>
@@ -6221,7 +5282,7 @@
         <p:spPr>
           <a:xfrm>
             <a:off x="389742" y="3429000"/>
-            <a:ext cx="8364516" cy="2677656"/>
+            <a:ext cx="8364516" cy="1569660"/>
           </a:xfrm>
           <a:prstGeom prst="rect">
             <a:avLst/>
@@ -6287,23 +5348,21 @@
             </a:r>
             <a:r>
               <a:rPr lang="es-MX" sz="2400" dirty="0" smtClean="0"/>
-              <a:t>: 17 de julio de 2013.</a:t>
-            </a:r>
-          </a:p>
-          <a:p>
-            <a:r>
-              <a:rPr lang="es-MX" sz="2400" b="1" dirty="0" smtClean="0"/>
-              <a:t>Fecha plan actual de terminación: 11 de noviembre de 2014</a:t>
-            </a:r>
-          </a:p>
-          <a:p>
-            <a:r>
-              <a:rPr lang="es-MX" sz="2400" b="1" dirty="0" smtClean="0"/>
-              <a:t>Fecha pronosticada de terminación: 17  de mayo de 2014</a:t>
-            </a:r>
-          </a:p>
-          <a:p>
-            <a:endParaRPr lang="es-MX" sz="2400" dirty="0"/>
+              <a:t>: </a:t>
+            </a:r>
+            <a:r>
+              <a:rPr lang="es-MX" sz="2400" dirty="0" smtClean="0"/>
+              <a:t>27 </a:t>
+            </a:r>
+            <a:r>
+              <a:rPr lang="es-MX" sz="2400" dirty="0" smtClean="0"/>
+              <a:t>de julio de 2013</a:t>
+            </a:r>
+            <a:r>
+              <a:rPr lang="es-MX" sz="2400" dirty="0" smtClean="0"/>
+              <a:t>.</a:t>
+            </a:r>
+            <a:endParaRPr lang="es-MX" sz="2400" dirty="0" smtClean="0"/>
           </a:p>
         </p:txBody>
       </p:sp>
@@ -6580,7 +5639,7 @@
           <p:nvPr>
             <p:extLst>
               <p:ext uri="{D42A27DB-BD31-4B8C-83A1-F6EECF244321}">
-                <p14:modId xmlns:p14="http://schemas.microsoft.com/office/powerpoint/2010/main" val="1647467401"/>
+                <p14:modId xmlns:p14="http://schemas.microsoft.com/office/powerpoint/2010/main" val="3373071869"/>
               </p:ext>
             </p:extLst>
           </p:nvPr>
@@ -6636,14 +5695,6 @@
                     <a:bodyPr/>
                     <a:lstStyle/>
                     <a:p>
-                      <a:r>
-                        <a:rPr lang="es-MX" dirty="0" smtClean="0"/>
-                        <a:t>Asignar estados</a:t>
-                      </a:r>
-                      <a:r>
-                        <a:rPr lang="es-MX" baseline="0" dirty="0" smtClean="0"/>
-                        <a:t> a elementos BSC</a:t>
-                      </a:r>
                       <a:endParaRPr lang="es-MX" dirty="0" smtClean="0"/>
                     </a:p>
                   </a:txBody>
@@ -17278,23 +16329,7 @@
                             <a:schemeClr val="tx1"/>
                           </a:solidFill>
                         </a:rPr>
-                        <a:t> con las convenciones de código, debido a que no  están documentadas las clases. Existen muchas líneas de código comentadas no </a:t>
-                      </a:r>
-                      <a:r>
-                        <a:rPr lang="es-MX" sz="1700" baseline="0" dirty="0" smtClean="0">
-                          <a:solidFill>
-                            <a:schemeClr val="tx1"/>
-                          </a:solidFill>
-                        </a:rPr>
-                        <a:t>utilizadas. Quitar los comentarios de consola. Verificar </a:t>
-                      </a:r>
-                      <a:r>
-                        <a:rPr lang="es-MX" sz="1700" baseline="0" dirty="0" smtClean="0">
-                          <a:solidFill>
-                            <a:schemeClr val="tx1"/>
-                          </a:solidFill>
-                        </a:rPr>
-                        <a:t>que su </a:t>
+                        <a:t> con las convenciones de código, debido a que no  están documentadas las clases. Existen muchas líneas de código comentadas no utilizadas. Quitar los comentarios de consola. Verificar que su </a:t>
                       </a:r>
                       <a:r>
                         <a:rPr lang="es-MX" sz="1700" baseline="0" dirty="0" err="1" smtClean="0">
@@ -19426,7 +18461,7 @@
         <p:spPr>
           <a:xfrm>
             <a:off x="381000" y="1143000"/>
-            <a:ext cx="8534400" cy="838200"/>
+            <a:ext cx="8534400" cy="485800"/>
           </a:xfrm>
         </p:spPr>
         <p:txBody>
@@ -19440,116 +18475,13 @@
             </a:pPr>
             <a:r>
               <a:rPr lang="es-MX" sz="2400" dirty="0" smtClean="0"/>
-              <a:t>Responsable: Carlos Ramos Incháustegui</a:t>
-            </a:r>
-          </a:p>
-          <a:p>
-            <a:pPr>
-              <a:buNone/>
-            </a:pPr>
-            <a:r>
-              <a:rPr lang="es-MX" sz="2000" u="sng" dirty="0" smtClean="0"/>
-              <a:t>Ejecutadas en la semana</a:t>
-            </a:r>
-          </a:p>
-          <a:p>
-            <a:pPr>
-              <a:buNone/>
-            </a:pPr>
-            <a:endParaRPr lang="es-MX" sz="2000" u="sng" dirty="0" smtClean="0"/>
-          </a:p>
-        </p:txBody>
-      </p:sp>
-      <p:sp>
-        <p:nvSpPr>
-          <p:cNvPr id="5" name="Content Placeholder 2"/>
-          <p:cNvSpPr txBox="1">
-            <a:spLocks/>
-          </p:cNvSpPr>
-          <p:nvPr/>
-        </p:nvSpPr>
-        <p:spPr>
-          <a:xfrm>
-            <a:off x="285008" y="4149080"/>
-            <a:ext cx="8534400" cy="533400"/>
-          </a:xfrm>
-          <a:prstGeom prst="rect">
-            <a:avLst/>
-          </a:prstGeom>
-        </p:spPr>
-        <p:txBody>
-          <a:bodyPr vert="horz" lIns="91440" tIns="45720" rIns="91440" bIns="45720" rtlCol="0">
-            <a:normAutofit/>
-          </a:bodyPr>
-          <a:lstStyle/>
-          <a:p>
-            <a:pPr marL="342900" marR="0" lvl="0" indent="-342900" algn="l" defTabSz="914400" rtl="0" eaLnBrk="1" fontAlgn="auto" latinLnBrk="0" hangingPunct="1">
-              <a:lnSpc>
-                <a:spcPct val="100000"/>
-              </a:lnSpc>
-              <a:spcBef>
-                <a:spcPct val="20000"/>
-              </a:spcBef>
-              <a:spcAft>
-                <a:spcPts val="0"/>
-              </a:spcAft>
-              <a:buClrTx/>
-              <a:buSzTx/>
-              <a:buFont typeface="Arial" pitchFamily="34" charset="0"/>
-              <a:buNone/>
-              <a:tabLst/>
-              <a:defRPr/>
-            </a:pPr>
-            <a:r>
-              <a:rPr kumimoji="0" lang="es-MX" sz="2000" b="0" i="0" u="sng" strike="noStrike" kern="1200" cap="none" spc="0" normalizeH="0" baseline="0" noProof="0" dirty="0" smtClean="0">
-                <a:ln>
-                  <a:noFill/>
-                </a:ln>
-                <a:solidFill>
-                  <a:schemeClr val="tx1"/>
-                </a:solidFill>
-                <a:effectLst/>
-                <a:uLnTx/>
-                <a:uFillTx/>
-                <a:latin typeface="+mn-lt"/>
-                <a:ea typeface="+mn-ea"/>
-                <a:cs typeface="+mn-cs"/>
-              </a:rPr>
-              <a:t>Pendientes /Atrasos</a:t>
-            </a:r>
-          </a:p>
-          <a:p>
-            <a:pPr marL="342900" marR="0" lvl="0" indent="-342900" algn="l" defTabSz="914400" rtl="0" eaLnBrk="1" fontAlgn="auto" latinLnBrk="0" hangingPunct="1">
-              <a:lnSpc>
-                <a:spcPct val="100000"/>
-              </a:lnSpc>
-              <a:spcBef>
-                <a:spcPct val="20000"/>
-              </a:spcBef>
-              <a:spcAft>
-                <a:spcPts val="0"/>
-              </a:spcAft>
-              <a:buClrTx/>
-              <a:buSzTx/>
-              <a:buFont typeface="Arial" pitchFamily="34" charset="0"/>
-              <a:buNone/>
-              <a:tabLst/>
-              <a:defRPr/>
-            </a:pPr>
-            <a:endParaRPr kumimoji="0" lang="es-MX" sz="2000" b="0" i="0" u="sng" strike="noStrike" kern="1200" cap="none" spc="0" normalizeH="0" baseline="0" noProof="0" dirty="0" smtClean="0">
-              <a:ln>
-                <a:noFill/>
-              </a:ln>
-              <a:solidFill>
-                <a:schemeClr val="tx1"/>
-              </a:solidFill>
-              <a:effectLst/>
-              <a:uLnTx/>
-              <a:uFillTx/>
-              <a:latin typeface="+mn-lt"/>
-              <a:ea typeface="+mn-ea"/>
-              <a:cs typeface="+mn-cs"/>
-            </a:endParaRPr>
+              <a:t>Responsable: Carlos Ramos </a:t>
+            </a:r>
+            <a:r>
+              <a:rPr lang="es-MX" sz="2400" dirty="0" smtClean="0"/>
+              <a:t>Incháustegui</a:t>
+            </a:r>
+            <a:endParaRPr lang="es-MX" sz="2400" dirty="0" smtClean="0"/>
           </a:p>
         </p:txBody>
       </p:sp>
@@ -19562,14 +18494,14 @@
           <p:nvPr>
             <p:extLst>
               <p:ext uri="{D42A27DB-BD31-4B8C-83A1-F6EECF244321}">
-                <p14:modId xmlns:p14="http://schemas.microsoft.com/office/powerpoint/2010/main" val="780718312"/>
+                <p14:modId xmlns:p14="http://schemas.microsoft.com/office/powerpoint/2010/main" val="402848797"/>
               </p:ext>
             </p:extLst>
           </p:nvPr>
         </p:nvGraphicFramePr>
         <p:xfrm>
           <a:off x="762000" y="2060848"/>
-          <a:ext cx="7315200" cy="1478280"/>
+          <a:ext cx="7315200" cy="960120"/>
         </p:xfrm>
         <a:graphic>
           <a:graphicData uri="http://schemas.openxmlformats.org/drawingml/2006/table">
@@ -19590,7 +18522,7 @@
                       <a:pPr algn="ctr"/>
                       <a:r>
                         <a:rPr lang="es-MX" sz="1700" dirty="0" smtClean="0"/>
-                        <a:t>Tarea</a:t>
+                        <a:t>Tareas ejecutadas en la semana</a:t>
                       </a:r>
                       <a:endParaRPr lang="es-MX" sz="1700" dirty="0"/>
                     </a:p>
@@ -19621,13 +18553,11 @@
                     <a:p>
                       <a:r>
                         <a:rPr lang="es-MX" sz="1700" dirty="0" smtClean="0"/>
-                        <a:t>Agenda para</a:t>
-                      </a:r>
-                      <a:r>
-                        <a:rPr lang="es-MX" sz="1700" baseline="0" dirty="0" smtClean="0"/>
-                        <a:t> sesión de aclaración de dudas.</a:t>
-                      </a:r>
-                      <a:endParaRPr lang="es-MX" sz="1700" dirty="0"/>
+                        <a:t>Periodicidad</a:t>
+                      </a:r>
+                    </a:p>
+                    <a:p>
+                      <a:endParaRPr lang="es-MX" sz="1700" dirty="0" smtClean="0"/>
                     </a:p>
                   </a:txBody>
                   <a:tcPr/>
@@ -19639,11 +18569,7 @@
                     <a:p>
                       <a:r>
                         <a:rPr lang="es-MX" sz="1700" dirty="0" smtClean="0"/>
-                        <a:t>Como sabemos, en la reunión</a:t>
-                      </a:r>
-                      <a:r>
-                        <a:rPr lang="es-MX" sz="1700" baseline="0" dirty="0" smtClean="0"/>
-                        <a:t> del jueves pasado acordamos con el cliente reunirnos los miércoles de 11 a 12 para aclarar dudas</a:t>
+                        <a:t>El bloqueo y desbloqueo de medición  lo estamos proponiendo manual</a:t>
                       </a:r>
                       <a:endParaRPr lang="es-MX" sz="1700" dirty="0"/>
                     </a:p>
@@ -19664,14 +18590,14 @@
           <p:nvPr>
             <p:extLst>
               <p:ext uri="{D42A27DB-BD31-4B8C-83A1-F6EECF244321}">
-                <p14:modId xmlns:p14="http://schemas.microsoft.com/office/powerpoint/2010/main" val="1216649452"/>
+                <p14:modId xmlns:p14="http://schemas.microsoft.com/office/powerpoint/2010/main" val="3136859453"/>
               </p:ext>
             </p:extLst>
           </p:nvPr>
         </p:nvGraphicFramePr>
         <p:xfrm>
-          <a:off x="785192" y="4672176"/>
-          <a:ext cx="7315200" cy="1310640"/>
+          <a:off x="785192" y="3664064"/>
+          <a:ext cx="7315200" cy="2606040"/>
         </p:xfrm>
         <a:graphic>
           <a:graphicData uri="http://schemas.openxmlformats.org/drawingml/2006/table">
@@ -19692,7 +18618,11 @@
                       <a:pPr algn="ctr"/>
                       <a:r>
                         <a:rPr lang="es-MX" sz="1700" dirty="0" smtClean="0"/>
-                        <a:t>Tarea</a:t>
+                        <a:t>Tarea pendientes</a:t>
+                      </a:r>
+                      <a:r>
+                        <a:rPr lang="es-MX" sz="1700" baseline="0" dirty="0" smtClean="0"/>
+                        <a:t> y atrasos</a:t>
                       </a:r>
                       <a:endParaRPr lang="es-MX" sz="1700" dirty="0"/>
                     </a:p>
@@ -19721,24 +18651,102 @@
                     <a:bodyPr/>
                     <a:lstStyle/>
                     <a:p>
+                      <a:pPr marL="0" marR="0" indent="0" algn="l" defTabSz="914400" rtl="0" eaLnBrk="1" fontAlgn="auto" latinLnBrk="0" hangingPunct="1">
+                        <a:lnSpc>
+                          <a:spcPct val="100000"/>
+                        </a:lnSpc>
+                        <a:spcBef>
+                          <a:spcPts val="0"/>
+                        </a:spcBef>
+                        <a:spcAft>
+                          <a:spcPts val="0"/>
+                        </a:spcAft>
+                        <a:buClrTx/>
+                        <a:buSzTx/>
+                        <a:buFontTx/>
+                        <a:buNone/>
+                        <a:tabLst/>
+                        <a:defRPr/>
+                      </a:pPr>
+                      <a:r>
+                        <a:rPr lang="es-MX" sz="1700" dirty="0" smtClean="0"/>
+                        <a:t>Sesión semanal de aclaración</a:t>
+                      </a:r>
+                      <a:r>
+                        <a:rPr lang="es-MX" sz="1700" baseline="0" dirty="0" smtClean="0"/>
+                        <a:t> de dudas con el cliente</a:t>
+                      </a:r>
+                      <a:endParaRPr lang="es-MX" sz="1700" dirty="0" smtClean="0"/>
+                    </a:p>
+                    <a:p>
+                      <a:endParaRPr lang="es-MX" sz="1700" dirty="0"/>
+                    </a:p>
+                  </a:txBody>
+                  <a:tcPr/>
+                </a:tc>
+                <a:tc>
+                  <a:txBody>
+                    <a:bodyPr/>
+                    <a:lstStyle/>
+                    <a:p>
+                      <a:r>
+                        <a:rPr lang="es-MX" sz="1700" dirty="0" smtClean="0"/>
+                        <a:t>Miércoles 3 de julio,</a:t>
+                      </a:r>
+                      <a:r>
+                        <a:rPr lang="es-MX" sz="1700" baseline="0" dirty="0" smtClean="0"/>
+                        <a:t> preparen por escrito las dudas.</a:t>
+                      </a:r>
+                    </a:p>
+                    <a:p>
+                      <a:r>
+                        <a:rPr lang="es-MX" sz="1700" baseline="0" dirty="0" smtClean="0"/>
+                        <a:t>De los punto a tratar están:</a:t>
+                      </a:r>
+                    </a:p>
+                    <a:p>
+                      <a:pPr marL="342900" indent="-342900">
+                        <a:buFont typeface="+mj-lt"/>
+                        <a:buAutoNum type="arabicPeriod"/>
+                      </a:pPr>
+                      <a:r>
+                        <a:rPr lang="es-MX" sz="1700" baseline="0" dirty="0" smtClean="0"/>
+                        <a:t>Tabla de datos</a:t>
+                      </a:r>
+                    </a:p>
+                    <a:p>
+                      <a:pPr marL="342900" marR="0" indent="-342900" algn="l" defTabSz="914400" rtl="0" eaLnBrk="1" fontAlgn="auto" latinLnBrk="0" hangingPunct="1">
+                        <a:lnSpc>
+                          <a:spcPct val="100000"/>
+                        </a:lnSpc>
+                        <a:spcBef>
+                          <a:spcPts val="0"/>
+                        </a:spcBef>
+                        <a:spcAft>
+                          <a:spcPts val="0"/>
+                        </a:spcAft>
+                        <a:buClrTx/>
+                        <a:buSzTx/>
+                        <a:buFont typeface="+mj-lt"/>
+                        <a:buAutoNum type="arabicPeriod"/>
+                        <a:tabLst/>
+                        <a:defRPr/>
+                      </a:pPr>
                       <a:r>
                         <a:rPr lang="es-MX" sz="1700" dirty="0" smtClean="0"/>
                         <a:t>Revisar</a:t>
                       </a:r>
                       <a:r>
                         <a:rPr lang="es-MX" sz="1700" baseline="0" dirty="0" smtClean="0"/>
-                        <a:t> la creación de periodicidades (frecuencias) de evaluaciones.</a:t>
-                      </a:r>
-                      <a:endParaRPr lang="es-MX" sz="1700" dirty="0"/>
-                    </a:p>
-                  </a:txBody>
-                  <a:tcPr/>
-                </a:tc>
-                <a:tc>
-                  <a:txBody>
-                    <a:bodyPr/>
-                    <a:lstStyle/>
-                    <a:p>
+                        <a:t> el bloqueo de periodicidades (no automático)</a:t>
+                      </a:r>
+                      <a:endParaRPr lang="es-MX" sz="1700" dirty="0" smtClean="0"/>
+                    </a:p>
+                    <a:p>
+                      <a:pPr marL="342900" indent="-342900">
+                        <a:buFont typeface="+mj-lt"/>
+                        <a:buAutoNum type="arabicPeriod"/>
+                      </a:pPr>
                       <a:endParaRPr lang="es-MX" sz="1700" dirty="0" smtClean="0"/>
                     </a:p>
                   </a:txBody>
@@ -19753,22 +18761,42 @@
                     <a:p>
                       <a:r>
                         <a:rPr lang="es-MX" sz="1700" dirty="0" smtClean="0"/>
-                        <a:t>Revisar</a:t>
+                        <a:t>Look &amp; </a:t>
+                      </a:r>
+                      <a:r>
+                        <a:rPr lang="es-MX" sz="1700" dirty="0" err="1" smtClean="0"/>
+                        <a:t>feel</a:t>
+                      </a:r>
+                      <a:r>
+                        <a:rPr lang="es-MX" sz="1700" dirty="0" smtClean="0"/>
+                        <a:t> de estados y períodos</a:t>
+                      </a:r>
+                      <a:endParaRPr lang="es-MX" sz="1700" dirty="0"/>
+                    </a:p>
+                  </a:txBody>
+                  <a:tcPr/>
+                </a:tc>
+                <a:tc>
+                  <a:txBody>
+                    <a:bodyPr/>
+                    <a:lstStyle/>
+                    <a:p>
+                      <a:r>
+                        <a:rPr lang="es-MX" sz="1700" dirty="0" smtClean="0"/>
+                        <a:t>Respetar el</a:t>
                       </a:r>
                       <a:r>
                         <a:rPr lang="es-MX" sz="1700" baseline="0" dirty="0" smtClean="0"/>
-                        <a:t> el bloqueo de periodicidades</a:t>
-                      </a:r>
-                      <a:endParaRPr lang="es-MX" sz="1700" dirty="0"/>
-                    </a:p>
-                  </a:txBody>
-                  <a:tcPr/>
-                </a:tc>
-                <a:tc>
-                  <a:txBody>
-                    <a:bodyPr/>
-                    <a:lstStyle/>
-                    <a:p>
+                        <a:t> look &amp; </a:t>
+                      </a:r>
+                      <a:r>
+                        <a:rPr lang="es-MX" sz="1700" baseline="0" dirty="0" err="1" smtClean="0"/>
+                        <a:t>feel</a:t>
+                      </a:r>
+                      <a:r>
+                        <a:rPr lang="es-MX" sz="1700" baseline="0" dirty="0" smtClean="0"/>
+                        <a:t> de SWB</a:t>
+                      </a:r>
                       <a:endParaRPr lang="es-MX" sz="1700" dirty="0" smtClean="0"/>
                     </a:p>
                   </a:txBody>

--- a/swbproys/gestor-bsc/doc/weekly/04_20130701/Junta semanal interna.pptx
+++ b/swbproys/gestor-bsc/doc/weekly/04_20130701/Junta semanal interna.pptx
@@ -228,7 +228,7 @@
             <a:fld id="{380DB8E7-EF7C-4FF9-94A8-6647B2DEB0AF}" type="datetimeFigureOut">
               <a:rPr lang="es-MX" smtClean="0"/>
               <a:pPr/>
-              <a:t>01/07/2013</a:t>
+              <a:t>02/07/2013</a:t>
             </a:fld>
             <a:endParaRPr lang="es-MX"/>
           </a:p>
@@ -934,7 +934,7 @@
             <a:fld id="{CEC4F07B-4100-49BA-8137-A52A753C5BE9}" type="datetimeFigureOut">
               <a:rPr lang="es-MX" smtClean="0"/>
               <a:pPr/>
-              <a:t>01/07/2013</a:t>
+              <a:t>02/07/2013</a:t>
             </a:fld>
             <a:endParaRPr lang="es-MX"/>
           </a:p>
@@ -1101,7 +1101,7 @@
             <a:fld id="{CEC4F07B-4100-49BA-8137-A52A753C5BE9}" type="datetimeFigureOut">
               <a:rPr lang="es-MX" smtClean="0"/>
               <a:pPr/>
-              <a:t>01/07/2013</a:t>
+              <a:t>02/07/2013</a:t>
             </a:fld>
             <a:endParaRPr lang="es-MX"/>
           </a:p>
@@ -1278,7 +1278,7 @@
             <a:fld id="{CEC4F07B-4100-49BA-8137-A52A753C5BE9}" type="datetimeFigureOut">
               <a:rPr lang="es-MX" smtClean="0"/>
               <a:pPr/>
-              <a:t>01/07/2013</a:t>
+              <a:t>02/07/2013</a:t>
             </a:fld>
             <a:endParaRPr lang="es-MX"/>
           </a:p>
@@ -1445,7 +1445,7 @@
             <a:fld id="{CEC4F07B-4100-49BA-8137-A52A753C5BE9}" type="datetimeFigureOut">
               <a:rPr lang="es-MX" smtClean="0"/>
               <a:pPr/>
-              <a:t>01/07/2013</a:t>
+              <a:t>02/07/2013</a:t>
             </a:fld>
             <a:endParaRPr lang="es-MX"/>
           </a:p>
@@ -1688,7 +1688,7 @@
             <a:fld id="{CEC4F07B-4100-49BA-8137-A52A753C5BE9}" type="datetimeFigureOut">
               <a:rPr lang="es-MX" smtClean="0"/>
               <a:pPr/>
-              <a:t>01/07/2013</a:t>
+              <a:t>02/07/2013</a:t>
             </a:fld>
             <a:endParaRPr lang="es-MX"/>
           </a:p>
@@ -1973,7 +1973,7 @@
             <a:fld id="{CEC4F07B-4100-49BA-8137-A52A753C5BE9}" type="datetimeFigureOut">
               <a:rPr lang="es-MX" smtClean="0"/>
               <a:pPr/>
-              <a:t>01/07/2013</a:t>
+              <a:t>02/07/2013</a:t>
             </a:fld>
             <a:endParaRPr lang="es-MX"/>
           </a:p>
@@ -2392,7 +2392,7 @@
             <a:fld id="{CEC4F07B-4100-49BA-8137-A52A753C5BE9}" type="datetimeFigureOut">
               <a:rPr lang="es-MX" smtClean="0"/>
               <a:pPr/>
-              <a:t>01/07/2013</a:t>
+              <a:t>02/07/2013</a:t>
             </a:fld>
             <a:endParaRPr lang="es-MX"/>
           </a:p>
@@ -2507,7 +2507,7 @@
             <a:fld id="{CEC4F07B-4100-49BA-8137-A52A753C5BE9}" type="datetimeFigureOut">
               <a:rPr lang="es-MX" smtClean="0"/>
               <a:pPr/>
-              <a:t>01/07/2013</a:t>
+              <a:t>02/07/2013</a:t>
             </a:fld>
             <a:endParaRPr lang="es-MX"/>
           </a:p>
@@ -2599,7 +2599,7 @@
             <a:fld id="{CEC4F07B-4100-49BA-8137-A52A753C5BE9}" type="datetimeFigureOut">
               <a:rPr lang="es-MX" smtClean="0"/>
               <a:pPr/>
-              <a:t>01/07/2013</a:t>
+              <a:t>02/07/2013</a:t>
             </a:fld>
             <a:endParaRPr lang="es-MX"/>
           </a:p>
@@ -2873,7 +2873,7 @@
             <a:fld id="{CEC4F07B-4100-49BA-8137-A52A753C5BE9}" type="datetimeFigureOut">
               <a:rPr lang="es-MX" smtClean="0"/>
               <a:pPr/>
-              <a:t>01/07/2013</a:t>
+              <a:t>02/07/2013</a:t>
             </a:fld>
             <a:endParaRPr lang="es-MX"/>
           </a:p>
@@ -3123,7 +3123,7 @@
             <a:fld id="{CEC4F07B-4100-49BA-8137-A52A753C5BE9}" type="datetimeFigureOut">
               <a:rPr lang="es-MX" smtClean="0"/>
               <a:pPr/>
-              <a:t>01/07/2013</a:t>
+              <a:t>02/07/2013</a:t>
             </a:fld>
             <a:endParaRPr lang="es-MX"/>
           </a:p>
@@ -3333,7 +3333,7 @@
             <a:fld id="{CEC4F07B-4100-49BA-8137-A52A753C5BE9}" type="datetimeFigureOut">
               <a:rPr lang="es-MX" smtClean="0"/>
               <a:pPr/>
-              <a:t>01/07/2013</a:t>
+              <a:t>02/07/2013</a:t>
             </a:fld>
             <a:endParaRPr lang="es-MX"/>
           </a:p>
@@ -3860,13 +3860,8 @@
             </a:pPr>
             <a:r>
               <a:rPr lang="es-MX" sz="2400" dirty="0" smtClean="0"/>
-              <a:t>Responsable: Carlos Ramos </a:t>
-            </a:r>
-            <a:r>
-              <a:rPr lang="es-MX" sz="2400" dirty="0" smtClean="0"/>
-              <a:t>Incháustegui</a:t>
-            </a:r>
-            <a:endParaRPr lang="es-MX" sz="2400" dirty="0" smtClean="0"/>
+              <a:t>Responsable: Carlos Ramos Incháustegui</a:t>
+            </a:r>
           </a:p>
         </p:txBody>
       </p:sp>
@@ -3940,7 +3935,6 @@
                         <a:rPr lang="es-MX" sz="1600" baseline="0" dirty="0" smtClean="0"/>
                         <a:t>Asignar períodos a elementos </a:t>
                       </a:r>
-                      <a:endParaRPr lang="es-MX" sz="1600" baseline="0" dirty="0" smtClean="0"/>
                     </a:p>
                   </a:txBody>
                   <a:tcPr/>
@@ -3978,7 +3972,6 @@
                         <a:rPr lang="es-MX" sz="1600" baseline="0" dirty="0" smtClean="0"/>
                         <a:t>Validez (asignar sólo activos y accesibles por el usuario)</a:t>
                       </a:r>
-                      <a:endParaRPr lang="es-MX" sz="1600" baseline="0" dirty="0" smtClean="0"/>
                     </a:p>
                   </a:txBody>
                   <a:tcPr/>
@@ -3994,7 +3987,6 @@
                         <a:rPr lang="es-MX" sz="1600" baseline="0" dirty="0" smtClean="0"/>
                         <a:t>Asignar estados a elementos</a:t>
                       </a:r>
-                      <a:endParaRPr lang="es-MX" sz="1600" baseline="0" dirty="0" smtClean="0"/>
                     </a:p>
                   </a:txBody>
                   <a:tcPr/>
@@ -4136,7 +4128,6 @@
                         <a:rPr lang="es-MX" sz="1600" baseline="0" dirty="0" smtClean="0"/>
                         <a:t>Indicadores</a:t>
                       </a:r>
-                      <a:endParaRPr lang="es-MX" sz="1600" baseline="0" dirty="0" smtClean="0"/>
                     </a:p>
                   </a:txBody>
                   <a:tcPr/>
@@ -4287,7 +4278,6 @@
                         <a:rPr lang="es-MX" sz="1600" baseline="0" dirty="0" smtClean="0"/>
                         <a:t>Validez (asignar sólo activos y accesibles por el usuario)</a:t>
                       </a:r>
-                      <a:endParaRPr lang="es-MX" sz="1600" baseline="0" dirty="0" smtClean="0"/>
                     </a:p>
                   </a:txBody>
                   <a:tcPr/>
@@ -4648,15 +4638,7 @@
                       </a:r>
                       <a:r>
                         <a:rPr lang="es-MX" baseline="0" dirty="0" smtClean="0"/>
-                        <a:t> Actual </a:t>
-                      </a:r>
-                      <a:r>
-                        <a:rPr lang="es-MX" baseline="0" dirty="0" smtClean="0"/>
-                        <a:t>(01/07/2013</a:t>
-                      </a:r>
-                      <a:r>
-                        <a:rPr lang="es-MX" baseline="0" dirty="0" smtClean="0"/>
-                        <a:t>)</a:t>
+                        <a:t> Actual (01/07/2013)</a:t>
                       </a:r>
                       <a:endParaRPr lang="es-MX" dirty="0"/>
                     </a:p>
@@ -5233,13 +5215,8 @@
             </a:pPr>
             <a:r>
               <a:rPr lang="es-MX" sz="2400" dirty="0" smtClean="0"/>
-              <a:t>Trabajos de mantenimiento</a:t>
-            </a:r>
-            <a:r>
-              <a:rPr lang="es-MX" sz="2400" dirty="0" smtClean="0"/>
-              <a:t>.</a:t>
-            </a:r>
-            <a:endParaRPr lang="es-MX" sz="2400" dirty="0" smtClean="0"/>
+              <a:t>Trabajos de mantenimiento.</a:t>
+            </a:r>
           </a:p>
         </p:txBody>
       </p:sp>
@@ -5348,21 +5325,8 @@
             </a:r>
             <a:r>
               <a:rPr lang="es-MX" sz="2400" dirty="0" smtClean="0"/>
-              <a:t>: </a:t>
-            </a:r>
-            <a:r>
-              <a:rPr lang="es-MX" sz="2400" dirty="0" smtClean="0"/>
-              <a:t>27 </a:t>
-            </a:r>
-            <a:r>
-              <a:rPr lang="es-MX" sz="2400" dirty="0" smtClean="0"/>
-              <a:t>de julio de 2013</a:t>
-            </a:r>
-            <a:r>
-              <a:rPr lang="es-MX" sz="2400" dirty="0" smtClean="0"/>
-              <a:t>.</a:t>
-            </a:r>
-            <a:endParaRPr lang="es-MX" sz="2400" dirty="0" smtClean="0"/>
+              <a:t>: 27 de julio de 2013.</a:t>
+            </a:r>
           </a:p>
         </p:txBody>
       </p:sp>
@@ -8115,7 +8079,7 @@
         <p:spPr>
           <a:xfrm>
             <a:off x="436418" y="1295400"/>
-            <a:ext cx="8382000" cy="1569660"/>
+            <a:ext cx="8382000" cy="1938992"/>
           </a:xfrm>
           <a:prstGeom prst="rect">
             <a:avLst/>
@@ -8158,8 +8122,23 @@
             </a:pPr>
             <a:r>
               <a:rPr lang="es-MX" sz="2400" dirty="0" smtClean="0"/>
-              <a:t>Tiempo subestimado para las actividades realizadas.</a:t>
-            </a:r>
+              <a:t>Tiempo subestimado para las actividades realizadas</a:t>
+            </a:r>
+            <a:r>
+              <a:rPr lang="es-MX" sz="2400" dirty="0" smtClean="0"/>
+              <a:t>.</a:t>
+            </a:r>
+          </a:p>
+          <a:p>
+            <a:pPr marL="342900" indent="-342900">
+              <a:buFont typeface="Arial" pitchFamily="34" charset="0"/>
+              <a:buChar char="•"/>
+            </a:pPr>
+            <a:r>
+              <a:rPr lang="es-MX" sz="2400" dirty="0" smtClean="0"/>
+              <a:t>Solicitud de información de otro sistema</a:t>
+            </a:r>
+            <a:endParaRPr lang="es-MX" sz="2400" dirty="0" smtClean="0"/>
           </a:p>
         </p:txBody>
       </p:sp>
@@ -8199,7 +8178,7 @@
         </p:nvSpPr>
         <p:spPr>
           <a:xfrm>
-            <a:off x="376422" y="3284984"/>
+            <a:off x="376422" y="3717032"/>
             <a:ext cx="8364516" cy="1569660"/>
           </a:xfrm>
           <a:prstGeom prst="rect">
@@ -18475,13 +18454,8 @@
             </a:pPr>
             <a:r>
               <a:rPr lang="es-MX" sz="2400" dirty="0" smtClean="0"/>
-              <a:t>Responsable: Carlos Ramos </a:t>
-            </a:r>
-            <a:r>
-              <a:rPr lang="es-MX" sz="2400" dirty="0" smtClean="0"/>
-              <a:t>Incháustegui</a:t>
-            </a:r>
-            <a:endParaRPr lang="es-MX" sz="2400" dirty="0" smtClean="0"/>
+              <a:t>Responsable: Carlos Ramos Incháustegui</a:t>
+            </a:r>
           </a:p>
         </p:txBody>
       </p:sp>

--- a/swbproys/gestor-bsc/doc/weekly/04_20130701/Junta semanal interna.pptx
+++ b/swbproys/gestor-bsc/doc/weekly/04_20130701/Junta semanal interna.pptx
@@ -4428,7 +4428,7 @@
       </p:sp>
       <p:pic>
         <p:nvPicPr>
-          <p:cNvPr id="1026" name="Picture 2"/>
+          <p:cNvPr id="3" name="Picture 2"/>
           <p:cNvPicPr>
             <a:picLocks noChangeAspect="1" noChangeArrowheads="1"/>
           </p:cNvPicPr>
@@ -5407,14 +5407,14 @@
             <p:ph idx="1"/>
             <p:extLst>
               <p:ext uri="{D42A27DB-BD31-4B8C-83A1-F6EECF244321}">
-                <p14:modId xmlns:p14="http://schemas.microsoft.com/office/powerpoint/2010/main" val="992066000"/>
+                <p14:modId xmlns:p14="http://schemas.microsoft.com/office/powerpoint/2010/main" val="748147472"/>
               </p:ext>
             </p:extLst>
           </p:nvPr>
         </p:nvGraphicFramePr>
         <p:xfrm>
           <a:off x="457200" y="4404712"/>
-          <a:ext cx="8229600" cy="1112520"/>
+          <a:ext cx="8229600" cy="1381760"/>
         </p:xfrm>
         <a:graphic>
           <a:graphicData uri="http://schemas.openxmlformats.org/drawingml/2006/table">
@@ -5495,8 +5495,9 @@
                       </a:pPr>
                       <a:r>
                         <a:rPr lang="es-MX" baseline="0" dirty="0" smtClean="0"/>
-                        <a:t>No está contemplado en el plan</a:t>
-                      </a:r>
+                        <a:t>Propongo se me asigne este producto para continuar con el siguiente</a:t>
+                      </a:r>
+                      <a:endParaRPr lang="es-MX" baseline="0" dirty="0" smtClean="0"/>
                     </a:p>
                   </a:txBody>
                   <a:tcPr/>
@@ -8122,11 +8123,7 @@
             </a:pPr>
             <a:r>
               <a:rPr lang="es-MX" sz="2400" dirty="0" smtClean="0"/>
-              <a:t>Tiempo subestimado para las actividades realizadas</a:t>
-            </a:r>
-            <a:r>
-              <a:rPr lang="es-MX" sz="2400" dirty="0" smtClean="0"/>
-              <a:t>.</a:t>
+              <a:t>Tiempo subestimado para las actividades realizadas.</a:t>
             </a:r>
           </a:p>
           <a:p>
@@ -8138,7 +8135,6 @@
               <a:rPr lang="es-MX" sz="2400" dirty="0" smtClean="0"/>
               <a:t>Solicitud de información de otro sistema</a:t>
             </a:r>
-            <a:endParaRPr lang="es-MX" sz="2400" dirty="0" smtClean="0"/>
           </a:p>
         </p:txBody>
       </p:sp>

--- a/swbproys/gestor-bsc/doc/weekly/04_20130701/Junta semanal interna.pptx
+++ b/swbproys/gestor-bsc/doc/weekly/04_20130701/Junta semanal interna.pptx
@@ -5497,7 +5497,6 @@
                         <a:rPr lang="es-MX" baseline="0" dirty="0" smtClean="0"/>
                         <a:t>Propongo se me asigne este producto para continuar con el siguiente</a:t>
                       </a:r>
-                      <a:endParaRPr lang="es-MX" baseline="0" dirty="0" smtClean="0"/>
                     </a:p>
                   </a:txBody>
                   <a:tcPr/>
@@ -14356,7 +14355,7 @@
           <p:nvPr>
             <p:extLst>
               <p:ext uri="{D42A27DB-BD31-4B8C-83A1-F6EECF244321}">
-                <p14:modId xmlns:p14="http://schemas.microsoft.com/office/powerpoint/2010/main" val="1637620432"/>
+                <p14:modId xmlns:p14="http://schemas.microsoft.com/office/powerpoint/2010/main" val="1243947504"/>
               </p:ext>
             </p:extLst>
           </p:nvPr>
@@ -14662,6 +14661,10 @@
                     <a:bodyPr/>
                     <a:lstStyle/>
                     <a:p>
+                      <a:r>
+                        <a:rPr lang="es-MX" dirty="0" smtClean="0"/>
+                        <a:t>Avance del 33%</a:t>
+                      </a:r>
                       <a:endParaRPr lang="es-ES" dirty="0"/>
                     </a:p>
                   </a:txBody>
@@ -14729,6 +14732,10 @@
                     <a:bodyPr/>
                     <a:lstStyle/>
                     <a:p>
+                      <a:r>
+                        <a:rPr lang="es-MX" dirty="0" smtClean="0"/>
+                        <a:t>En progreso</a:t>
+                      </a:r>
                       <a:endParaRPr lang="es-ES" dirty="0"/>
                     </a:p>
                   </a:txBody>
@@ -14873,7 +14880,7 @@
           <p:nvPr>
             <p:extLst>
               <p:ext uri="{D42A27DB-BD31-4B8C-83A1-F6EECF244321}">
-                <p14:modId xmlns:p14="http://schemas.microsoft.com/office/powerpoint/2010/main" val="3857721293"/>
+                <p14:modId xmlns:p14="http://schemas.microsoft.com/office/powerpoint/2010/main" val="1475534186"/>
               </p:ext>
             </p:extLst>
           </p:nvPr>
@@ -15271,6 +15278,18 @@
                     <a:bodyPr/>
                     <a:lstStyle/>
                     <a:p>
+                      <a:r>
+                        <a:rPr lang="es-MX" dirty="0" smtClean="0"/>
+                        <a:t>A la fecha no </a:t>
+                      </a:r>
+                      <a:r>
+                        <a:rPr lang="es-MX" smtClean="0"/>
+                        <a:t>es</a:t>
+                      </a:r>
+                      <a:r>
+                        <a:rPr lang="es-MX" baseline="0" smtClean="0"/>
+                        <a:t> medible</a:t>
+                      </a:r>
                       <a:endParaRPr lang="es-ES" dirty="0"/>
                     </a:p>
                   </a:txBody>

--- a/swbproys/gestor-bsc/doc/weekly/04_20130701/Junta semanal interna.pptx
+++ b/swbproys/gestor-bsc/doc/weekly/04_20130701/Junta semanal interna.pptx
@@ -14355,14 +14355,14 @@
           <p:nvPr>
             <p:extLst>
               <p:ext uri="{D42A27DB-BD31-4B8C-83A1-F6EECF244321}">
-                <p14:modId xmlns:p14="http://schemas.microsoft.com/office/powerpoint/2010/main" val="1243947504"/>
+                <p14:modId xmlns:p14="http://schemas.microsoft.com/office/powerpoint/2010/main" val="2282678051"/>
               </p:ext>
             </p:extLst>
           </p:nvPr>
         </p:nvGraphicFramePr>
         <p:xfrm>
           <a:off x="611560" y="1268760"/>
-          <a:ext cx="7848872" cy="5332112"/>
+          <a:ext cx="7848872" cy="5842884"/>
         </p:xfrm>
         <a:graphic>
           <a:graphicData uri="http://schemas.openxmlformats.org/drawingml/2006/table">
@@ -14515,7 +14515,15 @@
                     <a:bodyPr/>
                     <a:lstStyle/>
                     <a:p>
-                      <a:endParaRPr lang="es-ES"/>
+                      <a:r>
+                        <a:rPr lang="es-MX" dirty="0" smtClean="0"/>
+                        <a:t>El</a:t>
+                      </a:r>
+                      <a:r>
+                        <a:rPr lang="es-MX" baseline="0" dirty="0" smtClean="0"/>
+                        <a:t> proyecto se encuentra atrasado.  Se propone que se incorporen 7 recursos adicionales</a:t>
+                      </a:r>
+                      <a:endParaRPr lang="es-ES" dirty="0"/>
                     </a:p>
                   </a:txBody>
                   <a:tcPr/>
@@ -14880,14 +14888,14 @@
           <p:nvPr>
             <p:extLst>
               <p:ext uri="{D42A27DB-BD31-4B8C-83A1-F6EECF244321}">
-                <p14:modId xmlns:p14="http://schemas.microsoft.com/office/powerpoint/2010/main" val="1475534186"/>
+                <p14:modId xmlns:p14="http://schemas.microsoft.com/office/powerpoint/2010/main" val="824390308"/>
               </p:ext>
             </p:extLst>
           </p:nvPr>
         </p:nvGraphicFramePr>
         <p:xfrm>
           <a:off x="611560" y="1268760"/>
-          <a:ext cx="7848872" cy="4718568"/>
+          <a:ext cx="7848872" cy="4847715"/>
         </p:xfrm>
         <a:graphic>
           <a:graphicData uri="http://schemas.openxmlformats.org/drawingml/2006/table">
@@ -15038,6 +15046,14 @@
                     <a:bodyPr/>
                     <a:lstStyle/>
                     <a:p>
+                      <a:r>
+                        <a:rPr lang="es-MX" dirty="0" smtClean="0"/>
+                        <a:t>Existe</a:t>
+                      </a:r>
+                      <a:r>
+                        <a:rPr lang="es-MX" baseline="0" dirty="0" smtClean="0"/>
+                        <a:t> una subestimación del 67% en tiempo</a:t>
+                      </a:r>
                       <a:endParaRPr lang="es-ES" dirty="0"/>
                     </a:p>
                   </a:txBody>
@@ -15214,6 +15230,22 @@
                     <a:bodyPr/>
                     <a:lstStyle/>
                     <a:p>
+                      <a:r>
+                        <a:rPr lang="es-MX" dirty="0" smtClean="0"/>
+                        <a:t>Existe un atraso de 38% en el cumplimiento de </a:t>
+                      </a:r>
+                      <a:r>
+                        <a:rPr lang="es-MX" dirty="0" err="1" smtClean="0"/>
+                        <a:t>task</a:t>
+                      </a:r>
+                      <a:r>
+                        <a:rPr lang="es-MX" dirty="0" smtClean="0"/>
+                        <a:t> </a:t>
+                      </a:r>
+                      <a:r>
+                        <a:rPr lang="es-MX" smtClean="0"/>
+                        <a:t>hours</a:t>
+                      </a:r>
                       <a:endParaRPr lang="es-ES" dirty="0"/>
                     </a:p>
                   </a:txBody>

--- a/swbproys/gestor-bsc/doc/weekly/04_20130701/Junta semanal interna.pptx
+++ b/swbproys/gestor-bsc/doc/weekly/04_20130701/Junta semanal interna.pptx
@@ -228,7 +228,7 @@
             <a:fld id="{380DB8E7-EF7C-4FF9-94A8-6647B2DEB0AF}" type="datetimeFigureOut">
               <a:rPr lang="es-MX" smtClean="0"/>
               <a:pPr/>
-              <a:t>02/07/2013</a:t>
+              <a:t>04/07/2013</a:t>
             </a:fld>
             <a:endParaRPr lang="es-MX"/>
           </a:p>
@@ -934,7 +934,7 @@
             <a:fld id="{CEC4F07B-4100-49BA-8137-A52A753C5BE9}" type="datetimeFigureOut">
               <a:rPr lang="es-MX" smtClean="0"/>
               <a:pPr/>
-              <a:t>02/07/2013</a:t>
+              <a:t>04/07/2013</a:t>
             </a:fld>
             <a:endParaRPr lang="es-MX"/>
           </a:p>
@@ -1101,7 +1101,7 @@
             <a:fld id="{CEC4F07B-4100-49BA-8137-A52A753C5BE9}" type="datetimeFigureOut">
               <a:rPr lang="es-MX" smtClean="0"/>
               <a:pPr/>
-              <a:t>02/07/2013</a:t>
+              <a:t>04/07/2013</a:t>
             </a:fld>
             <a:endParaRPr lang="es-MX"/>
           </a:p>
@@ -1278,7 +1278,7 @@
             <a:fld id="{CEC4F07B-4100-49BA-8137-A52A753C5BE9}" type="datetimeFigureOut">
               <a:rPr lang="es-MX" smtClean="0"/>
               <a:pPr/>
-              <a:t>02/07/2013</a:t>
+              <a:t>04/07/2013</a:t>
             </a:fld>
             <a:endParaRPr lang="es-MX"/>
           </a:p>
@@ -1445,7 +1445,7 @@
             <a:fld id="{CEC4F07B-4100-49BA-8137-A52A753C5BE9}" type="datetimeFigureOut">
               <a:rPr lang="es-MX" smtClean="0"/>
               <a:pPr/>
-              <a:t>02/07/2013</a:t>
+              <a:t>04/07/2013</a:t>
             </a:fld>
             <a:endParaRPr lang="es-MX"/>
           </a:p>
@@ -1688,7 +1688,7 @@
             <a:fld id="{CEC4F07B-4100-49BA-8137-A52A753C5BE9}" type="datetimeFigureOut">
               <a:rPr lang="es-MX" smtClean="0"/>
               <a:pPr/>
-              <a:t>02/07/2013</a:t>
+              <a:t>04/07/2013</a:t>
             </a:fld>
             <a:endParaRPr lang="es-MX"/>
           </a:p>
@@ -1973,7 +1973,7 @@
             <a:fld id="{CEC4F07B-4100-49BA-8137-A52A753C5BE9}" type="datetimeFigureOut">
               <a:rPr lang="es-MX" smtClean="0"/>
               <a:pPr/>
-              <a:t>02/07/2013</a:t>
+              <a:t>04/07/2013</a:t>
             </a:fld>
             <a:endParaRPr lang="es-MX"/>
           </a:p>
@@ -2392,7 +2392,7 @@
             <a:fld id="{CEC4F07B-4100-49BA-8137-A52A753C5BE9}" type="datetimeFigureOut">
               <a:rPr lang="es-MX" smtClean="0"/>
               <a:pPr/>
-              <a:t>02/07/2013</a:t>
+              <a:t>04/07/2013</a:t>
             </a:fld>
             <a:endParaRPr lang="es-MX"/>
           </a:p>
@@ -2507,7 +2507,7 @@
             <a:fld id="{CEC4F07B-4100-49BA-8137-A52A753C5BE9}" type="datetimeFigureOut">
               <a:rPr lang="es-MX" smtClean="0"/>
               <a:pPr/>
-              <a:t>02/07/2013</a:t>
+              <a:t>04/07/2013</a:t>
             </a:fld>
             <a:endParaRPr lang="es-MX"/>
           </a:p>
@@ -2599,7 +2599,7 @@
             <a:fld id="{CEC4F07B-4100-49BA-8137-A52A753C5BE9}" type="datetimeFigureOut">
               <a:rPr lang="es-MX" smtClean="0"/>
               <a:pPr/>
-              <a:t>02/07/2013</a:t>
+              <a:t>04/07/2013</a:t>
             </a:fld>
             <a:endParaRPr lang="es-MX"/>
           </a:p>
@@ -2873,7 +2873,7 @@
             <a:fld id="{CEC4F07B-4100-49BA-8137-A52A753C5BE9}" type="datetimeFigureOut">
               <a:rPr lang="es-MX" smtClean="0"/>
               <a:pPr/>
-              <a:t>02/07/2013</a:t>
+              <a:t>04/07/2013</a:t>
             </a:fld>
             <a:endParaRPr lang="es-MX"/>
           </a:p>
@@ -3123,7 +3123,7 @@
             <a:fld id="{CEC4F07B-4100-49BA-8137-A52A753C5BE9}" type="datetimeFigureOut">
               <a:rPr lang="es-MX" smtClean="0"/>
               <a:pPr/>
-              <a:t>02/07/2013</a:t>
+              <a:t>04/07/2013</a:t>
             </a:fld>
             <a:endParaRPr lang="es-MX"/>
           </a:p>
@@ -3333,7 +3333,7 @@
             <a:fld id="{CEC4F07B-4100-49BA-8137-A52A753C5BE9}" type="datetimeFigureOut">
               <a:rPr lang="es-MX" smtClean="0"/>
               <a:pPr/>
-              <a:t>02/07/2013</a:t>
+              <a:t>04/07/2013</a:t>
             </a:fld>
             <a:endParaRPr lang="es-MX"/>
           </a:p>
@@ -12351,7 +12351,7 @@
           <p:nvPr>
             <p:extLst>
               <p:ext uri="{D42A27DB-BD31-4B8C-83A1-F6EECF244321}">
-                <p14:modId xmlns:p14="http://schemas.microsoft.com/office/powerpoint/2010/main" val="2017566871"/>
+                <p14:modId xmlns:p14="http://schemas.microsoft.com/office/powerpoint/2010/main" val="1250765715"/>
               </p:ext>
             </p:extLst>
           </p:nvPr>
@@ -12393,7 +12393,15 @@
                       </a:r>
                       <a:r>
                         <a:rPr lang="es-MX" baseline="0" dirty="0" smtClean="0"/>
-                        <a:t> Actual (16/06/2013)</a:t>
+                        <a:t> Actual </a:t>
+                      </a:r>
+                      <a:r>
+                        <a:rPr lang="es-MX" baseline="0" dirty="0" smtClean="0"/>
+                        <a:t>(01/07/2013</a:t>
+                      </a:r>
+                      <a:r>
+                        <a:rPr lang="es-MX" baseline="0" dirty="0" smtClean="0"/>
+                        <a:t>)</a:t>
                       </a:r>
                       <a:endParaRPr lang="es-MX" dirty="0"/>
                     </a:p>
